--- a/outputs_figures/ms_figures/SI_results/figS1_life_stage_decision_tree.pptx
+++ b/outputs_figures/ms_figures/SI_results/figS1_life_stage_decision_tree.pptx
@@ -5,10 +5,11 @@
     <p:sldMasterId id="2147483660" r:id="rId1"/>
   </p:sldMasterIdLst>
   <p:notesMasterIdLst>
-    <p:notesMasterId r:id="rId3"/>
+    <p:notesMasterId r:id="rId4"/>
   </p:notesMasterIdLst>
   <p:sldIdLst>
     <p:sldId id="256" r:id="rId2"/>
+    <p:sldId id="257" r:id="rId3"/>
   </p:sldIdLst>
   <p:sldSz cx="6858000" cy="12192000"/>
   <p:notesSz cx="6858000" cy="9144000"/>
@@ -115,6 +116,4222 @@
 </p:presentation>
 </file>
 
+<file path=ppt/diagrams/colors1.xml><?xml version="1.0" encoding="utf-8"?>
+<dgm:colorsDef xmlns:dgm="http://schemas.openxmlformats.org/drawingml/2006/diagram" xmlns:a="http://schemas.openxmlformats.org/drawingml/2006/main" uniqueId="urn:microsoft.com/office/officeart/2005/8/colors/accent1_2">
+  <dgm:title val=""/>
+  <dgm:desc val=""/>
+  <dgm:catLst>
+    <dgm:cat type="accent1" pri="11200"/>
+  </dgm:catLst>
+  <dgm:styleLbl name="node0">
+    <dgm:fillClrLst meth="repeat">
+      <a:schemeClr val="accent1"/>
+    </dgm:fillClrLst>
+    <dgm:linClrLst meth="repeat">
+      <a:schemeClr val="lt1"/>
+    </dgm:linClrLst>
+    <dgm:effectClrLst/>
+    <dgm:txLinClrLst/>
+    <dgm:txFillClrLst/>
+    <dgm:txEffectClrLst/>
+  </dgm:styleLbl>
+  <dgm:styleLbl name="alignNode1">
+    <dgm:fillClrLst meth="repeat">
+      <a:schemeClr val="accent1"/>
+    </dgm:fillClrLst>
+    <dgm:linClrLst meth="repeat">
+      <a:schemeClr val="accent1"/>
+    </dgm:linClrLst>
+    <dgm:effectClrLst/>
+    <dgm:txLinClrLst/>
+    <dgm:txFillClrLst/>
+    <dgm:txEffectClrLst/>
+  </dgm:styleLbl>
+  <dgm:styleLbl name="node1">
+    <dgm:fillClrLst meth="repeat">
+      <a:schemeClr val="accent1"/>
+    </dgm:fillClrLst>
+    <dgm:linClrLst meth="repeat">
+      <a:schemeClr val="lt1"/>
+    </dgm:linClrLst>
+    <dgm:effectClrLst/>
+    <dgm:txLinClrLst/>
+    <dgm:txFillClrLst/>
+    <dgm:txEffectClrLst/>
+  </dgm:styleLbl>
+  <dgm:styleLbl name="lnNode1">
+    <dgm:fillClrLst meth="repeat">
+      <a:schemeClr val="accent1"/>
+    </dgm:fillClrLst>
+    <dgm:linClrLst meth="repeat">
+      <a:schemeClr val="lt1"/>
+    </dgm:linClrLst>
+    <dgm:effectClrLst/>
+    <dgm:txLinClrLst/>
+    <dgm:txFillClrLst/>
+    <dgm:txEffectClrLst/>
+  </dgm:styleLbl>
+  <dgm:styleLbl name="vennNode1">
+    <dgm:fillClrLst meth="repeat">
+      <a:schemeClr val="accent1">
+        <a:alpha val="50000"/>
+      </a:schemeClr>
+    </dgm:fillClrLst>
+    <dgm:linClrLst meth="repeat">
+      <a:schemeClr val="lt1"/>
+    </dgm:linClrLst>
+    <dgm:effectClrLst/>
+    <dgm:txLinClrLst/>
+    <dgm:txFillClrLst/>
+    <dgm:txEffectClrLst/>
+  </dgm:styleLbl>
+  <dgm:styleLbl name="node2">
+    <dgm:fillClrLst meth="repeat">
+      <a:schemeClr val="accent1"/>
+    </dgm:fillClrLst>
+    <dgm:linClrLst meth="repeat">
+      <a:schemeClr val="lt1"/>
+    </dgm:linClrLst>
+    <dgm:effectClrLst/>
+    <dgm:txLinClrLst/>
+    <dgm:txFillClrLst/>
+    <dgm:txEffectClrLst/>
+  </dgm:styleLbl>
+  <dgm:styleLbl name="node3">
+    <dgm:fillClrLst meth="repeat">
+      <a:schemeClr val="accent1"/>
+    </dgm:fillClrLst>
+    <dgm:linClrLst meth="repeat">
+      <a:schemeClr val="lt1"/>
+    </dgm:linClrLst>
+    <dgm:effectClrLst/>
+    <dgm:txLinClrLst/>
+    <dgm:txFillClrLst/>
+    <dgm:txEffectClrLst/>
+  </dgm:styleLbl>
+  <dgm:styleLbl name="node4">
+    <dgm:fillClrLst meth="repeat">
+      <a:schemeClr val="accent1"/>
+    </dgm:fillClrLst>
+    <dgm:linClrLst meth="repeat">
+      <a:schemeClr val="lt1"/>
+    </dgm:linClrLst>
+    <dgm:effectClrLst/>
+    <dgm:txLinClrLst/>
+    <dgm:txFillClrLst/>
+    <dgm:txEffectClrLst/>
+  </dgm:styleLbl>
+  <dgm:styleLbl name="fgImgPlace1">
+    <dgm:fillClrLst meth="repeat">
+      <a:schemeClr val="accent1">
+        <a:tint val="50000"/>
+      </a:schemeClr>
+    </dgm:fillClrLst>
+    <dgm:linClrLst meth="repeat">
+      <a:schemeClr val="lt1"/>
+    </dgm:linClrLst>
+    <dgm:effectClrLst/>
+    <dgm:txLinClrLst/>
+    <dgm:txFillClrLst meth="repeat">
+      <a:schemeClr val="lt1"/>
+    </dgm:txFillClrLst>
+    <dgm:txEffectClrLst/>
+  </dgm:styleLbl>
+  <dgm:styleLbl name="alignImgPlace1">
+    <dgm:fillClrLst meth="repeat">
+      <a:schemeClr val="accent1">
+        <a:tint val="50000"/>
+      </a:schemeClr>
+    </dgm:fillClrLst>
+    <dgm:linClrLst meth="repeat">
+      <a:schemeClr val="lt1"/>
+    </dgm:linClrLst>
+    <dgm:effectClrLst/>
+    <dgm:txLinClrLst/>
+    <dgm:txFillClrLst meth="repeat">
+      <a:schemeClr val="lt1"/>
+    </dgm:txFillClrLst>
+    <dgm:txEffectClrLst/>
+  </dgm:styleLbl>
+  <dgm:styleLbl name="bgImgPlace1">
+    <dgm:fillClrLst meth="repeat">
+      <a:schemeClr val="accent1">
+        <a:tint val="50000"/>
+      </a:schemeClr>
+    </dgm:fillClrLst>
+    <dgm:linClrLst meth="repeat">
+      <a:schemeClr val="lt1"/>
+    </dgm:linClrLst>
+    <dgm:effectClrLst/>
+    <dgm:txLinClrLst/>
+    <dgm:txFillClrLst meth="repeat">
+      <a:schemeClr val="lt1"/>
+    </dgm:txFillClrLst>
+    <dgm:txEffectClrLst/>
+  </dgm:styleLbl>
+  <dgm:styleLbl name="sibTrans2D1">
+    <dgm:fillClrLst meth="repeat">
+      <a:schemeClr val="accent1">
+        <a:tint val="60000"/>
+      </a:schemeClr>
+    </dgm:fillClrLst>
+    <dgm:linClrLst meth="repeat">
+      <a:schemeClr val="accent1">
+        <a:tint val="60000"/>
+      </a:schemeClr>
+    </dgm:linClrLst>
+    <dgm:effectClrLst/>
+    <dgm:txLinClrLst/>
+    <dgm:txFillClrLst/>
+    <dgm:txEffectClrLst/>
+  </dgm:styleLbl>
+  <dgm:styleLbl name="fgSibTrans2D1">
+    <dgm:fillClrLst meth="repeat">
+      <a:schemeClr val="accent1">
+        <a:tint val="60000"/>
+      </a:schemeClr>
+    </dgm:fillClrLst>
+    <dgm:linClrLst meth="repeat">
+      <a:schemeClr val="accent1">
+        <a:tint val="60000"/>
+      </a:schemeClr>
+    </dgm:linClrLst>
+    <dgm:effectClrLst/>
+    <dgm:txLinClrLst/>
+    <dgm:txFillClrLst/>
+    <dgm:txEffectClrLst/>
+  </dgm:styleLbl>
+  <dgm:styleLbl name="bgSibTrans2D1">
+    <dgm:fillClrLst meth="repeat">
+      <a:schemeClr val="accent1">
+        <a:tint val="60000"/>
+      </a:schemeClr>
+    </dgm:fillClrLst>
+    <dgm:linClrLst meth="repeat">
+      <a:schemeClr val="accent1">
+        <a:tint val="60000"/>
+      </a:schemeClr>
+    </dgm:linClrLst>
+    <dgm:effectClrLst/>
+    <dgm:txLinClrLst/>
+    <dgm:txFillClrLst/>
+    <dgm:txEffectClrLst/>
+  </dgm:styleLbl>
+  <dgm:styleLbl name="sibTrans1D1">
+    <dgm:fillClrLst meth="repeat">
+      <a:schemeClr val="accent1"/>
+    </dgm:fillClrLst>
+    <dgm:linClrLst meth="repeat">
+      <a:schemeClr val="accent1"/>
+    </dgm:linClrLst>
+    <dgm:effectClrLst/>
+    <dgm:txLinClrLst/>
+    <dgm:txFillClrLst meth="repeat">
+      <a:schemeClr val="tx1"/>
+    </dgm:txFillClrLst>
+    <dgm:txEffectClrLst/>
+  </dgm:styleLbl>
+  <dgm:styleLbl name="callout">
+    <dgm:fillClrLst meth="repeat">
+      <a:schemeClr val="accent1"/>
+    </dgm:fillClrLst>
+    <dgm:linClrLst meth="repeat">
+      <a:schemeClr val="accent1">
+        <a:tint val="50000"/>
+      </a:schemeClr>
+    </dgm:linClrLst>
+    <dgm:effectClrLst/>
+    <dgm:txLinClrLst/>
+    <dgm:txFillClrLst meth="repeat">
+      <a:schemeClr val="tx1"/>
+    </dgm:txFillClrLst>
+    <dgm:txEffectClrLst/>
+  </dgm:styleLbl>
+  <dgm:styleLbl name="asst0">
+    <dgm:fillClrLst meth="repeat">
+      <a:schemeClr val="accent1"/>
+    </dgm:fillClrLst>
+    <dgm:linClrLst meth="repeat">
+      <a:schemeClr val="lt1"/>
+    </dgm:linClrLst>
+    <dgm:effectClrLst/>
+    <dgm:txLinClrLst/>
+    <dgm:txFillClrLst/>
+    <dgm:txEffectClrLst/>
+  </dgm:styleLbl>
+  <dgm:styleLbl name="asst1">
+    <dgm:fillClrLst meth="repeat">
+      <a:schemeClr val="accent1"/>
+    </dgm:fillClrLst>
+    <dgm:linClrLst meth="repeat">
+      <a:schemeClr val="lt1"/>
+    </dgm:linClrLst>
+    <dgm:effectClrLst/>
+    <dgm:txLinClrLst/>
+    <dgm:txFillClrLst/>
+    <dgm:txEffectClrLst/>
+  </dgm:styleLbl>
+  <dgm:styleLbl name="asst2">
+    <dgm:fillClrLst meth="repeat">
+      <a:schemeClr val="accent1"/>
+    </dgm:fillClrLst>
+    <dgm:linClrLst meth="repeat">
+      <a:schemeClr val="lt1"/>
+    </dgm:linClrLst>
+    <dgm:effectClrLst/>
+    <dgm:txLinClrLst/>
+    <dgm:txFillClrLst/>
+    <dgm:txEffectClrLst/>
+  </dgm:styleLbl>
+  <dgm:styleLbl name="asst3">
+    <dgm:fillClrLst meth="repeat">
+      <a:schemeClr val="accent1"/>
+    </dgm:fillClrLst>
+    <dgm:linClrLst meth="repeat">
+      <a:schemeClr val="lt1"/>
+    </dgm:linClrLst>
+    <dgm:effectClrLst/>
+    <dgm:txLinClrLst/>
+    <dgm:txFillClrLst/>
+    <dgm:txEffectClrLst/>
+  </dgm:styleLbl>
+  <dgm:styleLbl name="asst4">
+    <dgm:fillClrLst meth="repeat">
+      <a:schemeClr val="accent1"/>
+    </dgm:fillClrLst>
+    <dgm:linClrLst meth="repeat">
+      <a:schemeClr val="lt1"/>
+    </dgm:linClrLst>
+    <dgm:effectClrLst/>
+    <dgm:txLinClrLst/>
+    <dgm:txFillClrLst/>
+    <dgm:txEffectClrLst/>
+  </dgm:styleLbl>
+  <dgm:styleLbl name="parChTrans2D1">
+    <dgm:fillClrLst meth="repeat">
+      <a:schemeClr val="accent1">
+        <a:tint val="60000"/>
+      </a:schemeClr>
+    </dgm:fillClrLst>
+    <dgm:linClrLst meth="repeat">
+      <a:schemeClr val="accent1">
+        <a:tint val="60000"/>
+      </a:schemeClr>
+    </dgm:linClrLst>
+    <dgm:effectClrLst/>
+    <dgm:txLinClrLst/>
+    <dgm:txFillClrLst meth="repeat">
+      <a:schemeClr val="lt1"/>
+    </dgm:txFillClrLst>
+    <dgm:txEffectClrLst/>
+  </dgm:styleLbl>
+  <dgm:styleLbl name="parChTrans2D2">
+    <dgm:fillClrLst meth="repeat">
+      <a:schemeClr val="accent1"/>
+    </dgm:fillClrLst>
+    <dgm:linClrLst meth="repeat">
+      <a:schemeClr val="accent1"/>
+    </dgm:linClrLst>
+    <dgm:effectClrLst/>
+    <dgm:txLinClrLst/>
+    <dgm:txFillClrLst meth="repeat">
+      <a:schemeClr val="lt1"/>
+    </dgm:txFillClrLst>
+    <dgm:txEffectClrLst/>
+  </dgm:styleLbl>
+  <dgm:styleLbl name="parChTrans2D3">
+    <dgm:fillClrLst meth="repeat">
+      <a:schemeClr val="accent1"/>
+    </dgm:fillClrLst>
+    <dgm:linClrLst meth="repeat">
+      <a:schemeClr val="accent1"/>
+    </dgm:linClrLst>
+    <dgm:effectClrLst/>
+    <dgm:txLinClrLst/>
+    <dgm:txFillClrLst meth="repeat">
+      <a:schemeClr val="lt1"/>
+    </dgm:txFillClrLst>
+    <dgm:txEffectClrLst/>
+  </dgm:styleLbl>
+  <dgm:styleLbl name="parChTrans2D4">
+    <dgm:fillClrLst meth="repeat">
+      <a:schemeClr val="accent1"/>
+    </dgm:fillClrLst>
+    <dgm:linClrLst meth="repeat">
+      <a:schemeClr val="accent1"/>
+    </dgm:linClrLst>
+    <dgm:effectClrLst/>
+    <dgm:txLinClrLst/>
+    <dgm:txFillClrLst meth="repeat">
+      <a:schemeClr val="lt1"/>
+    </dgm:txFillClrLst>
+    <dgm:txEffectClrLst/>
+  </dgm:styleLbl>
+  <dgm:styleLbl name="parChTrans1D1">
+    <dgm:fillClrLst meth="repeat">
+      <a:schemeClr val="accent1"/>
+    </dgm:fillClrLst>
+    <dgm:linClrLst meth="repeat">
+      <a:schemeClr val="accent1">
+        <a:shade val="60000"/>
+      </a:schemeClr>
+    </dgm:linClrLst>
+    <dgm:effectClrLst/>
+    <dgm:txLinClrLst/>
+    <dgm:txFillClrLst meth="repeat">
+      <a:schemeClr val="tx1"/>
+    </dgm:txFillClrLst>
+    <dgm:txEffectClrLst/>
+  </dgm:styleLbl>
+  <dgm:styleLbl name="parChTrans1D2">
+    <dgm:fillClrLst meth="repeat">
+      <a:schemeClr val="accent1"/>
+    </dgm:fillClrLst>
+    <dgm:linClrLst meth="repeat">
+      <a:schemeClr val="accent1">
+        <a:shade val="60000"/>
+      </a:schemeClr>
+    </dgm:linClrLst>
+    <dgm:effectClrLst/>
+    <dgm:txLinClrLst/>
+    <dgm:txFillClrLst meth="repeat">
+      <a:schemeClr val="tx1"/>
+    </dgm:txFillClrLst>
+    <dgm:txEffectClrLst/>
+  </dgm:styleLbl>
+  <dgm:styleLbl name="parChTrans1D3">
+    <dgm:fillClrLst meth="repeat">
+      <a:schemeClr val="accent1"/>
+    </dgm:fillClrLst>
+    <dgm:linClrLst meth="repeat">
+      <a:schemeClr val="accent1">
+        <a:shade val="80000"/>
+      </a:schemeClr>
+    </dgm:linClrLst>
+    <dgm:effectClrLst/>
+    <dgm:txLinClrLst/>
+    <dgm:txFillClrLst meth="repeat">
+      <a:schemeClr val="tx1"/>
+    </dgm:txFillClrLst>
+    <dgm:txEffectClrLst/>
+  </dgm:styleLbl>
+  <dgm:styleLbl name="parChTrans1D4">
+    <dgm:fillClrLst meth="repeat">
+      <a:schemeClr val="accent1"/>
+    </dgm:fillClrLst>
+    <dgm:linClrLst meth="repeat">
+      <a:schemeClr val="accent1">
+        <a:shade val="80000"/>
+      </a:schemeClr>
+    </dgm:linClrLst>
+    <dgm:effectClrLst/>
+    <dgm:txLinClrLst/>
+    <dgm:txFillClrLst meth="repeat">
+      <a:schemeClr val="tx1"/>
+    </dgm:txFillClrLst>
+    <dgm:txEffectClrLst/>
+  </dgm:styleLbl>
+  <dgm:styleLbl name="fgAcc1">
+    <dgm:fillClrLst meth="repeat">
+      <a:schemeClr val="lt1">
+        <a:alpha val="90000"/>
+      </a:schemeClr>
+    </dgm:fillClrLst>
+    <dgm:linClrLst meth="repeat">
+      <a:schemeClr val="accent1"/>
+    </dgm:linClrLst>
+    <dgm:effectClrLst/>
+    <dgm:txLinClrLst/>
+    <dgm:txFillClrLst meth="repeat">
+      <a:schemeClr val="dk1"/>
+    </dgm:txFillClrLst>
+    <dgm:txEffectClrLst/>
+  </dgm:styleLbl>
+  <dgm:styleLbl name="conFgAcc1">
+    <dgm:fillClrLst meth="repeat">
+      <a:schemeClr val="lt1">
+        <a:alpha val="90000"/>
+      </a:schemeClr>
+    </dgm:fillClrLst>
+    <dgm:linClrLst meth="repeat">
+      <a:schemeClr val="accent1"/>
+    </dgm:linClrLst>
+    <dgm:effectClrLst/>
+    <dgm:txLinClrLst/>
+    <dgm:txFillClrLst meth="repeat">
+      <a:schemeClr val="dk1"/>
+    </dgm:txFillClrLst>
+    <dgm:txEffectClrLst/>
+  </dgm:styleLbl>
+  <dgm:styleLbl name="alignAcc1">
+    <dgm:fillClrLst meth="repeat">
+      <a:schemeClr val="lt1">
+        <a:alpha val="90000"/>
+      </a:schemeClr>
+    </dgm:fillClrLst>
+    <dgm:linClrLst meth="repeat">
+      <a:schemeClr val="accent1"/>
+    </dgm:linClrLst>
+    <dgm:effectClrLst/>
+    <dgm:txLinClrLst/>
+    <dgm:txFillClrLst meth="repeat">
+      <a:schemeClr val="dk1"/>
+    </dgm:txFillClrLst>
+    <dgm:txEffectClrLst/>
+  </dgm:styleLbl>
+  <dgm:styleLbl name="trAlignAcc1">
+    <dgm:fillClrLst meth="repeat">
+      <a:schemeClr val="lt1">
+        <a:alpha val="40000"/>
+      </a:schemeClr>
+    </dgm:fillClrLst>
+    <dgm:linClrLst meth="repeat">
+      <a:schemeClr val="accent1"/>
+    </dgm:linClrLst>
+    <dgm:effectClrLst/>
+    <dgm:txLinClrLst/>
+    <dgm:txFillClrLst meth="repeat">
+      <a:schemeClr val="dk1"/>
+    </dgm:txFillClrLst>
+    <dgm:txEffectClrLst/>
+  </dgm:styleLbl>
+  <dgm:styleLbl name="bgAcc1">
+    <dgm:fillClrLst meth="repeat">
+      <a:schemeClr val="lt1">
+        <a:alpha val="90000"/>
+      </a:schemeClr>
+    </dgm:fillClrLst>
+    <dgm:linClrLst meth="repeat">
+      <a:schemeClr val="accent1"/>
+    </dgm:linClrLst>
+    <dgm:effectClrLst/>
+    <dgm:txLinClrLst/>
+    <dgm:txFillClrLst meth="repeat">
+      <a:schemeClr val="dk1"/>
+    </dgm:txFillClrLst>
+    <dgm:txEffectClrLst/>
+  </dgm:styleLbl>
+  <dgm:styleLbl name="solidFgAcc1">
+    <dgm:fillClrLst meth="repeat">
+      <a:schemeClr val="lt1"/>
+    </dgm:fillClrLst>
+    <dgm:linClrLst meth="repeat">
+      <a:schemeClr val="accent1"/>
+    </dgm:linClrLst>
+    <dgm:effectClrLst/>
+    <dgm:txLinClrLst/>
+    <dgm:txFillClrLst meth="repeat">
+      <a:schemeClr val="dk1"/>
+    </dgm:txFillClrLst>
+    <dgm:txEffectClrLst/>
+  </dgm:styleLbl>
+  <dgm:styleLbl name="solidAlignAcc1">
+    <dgm:fillClrLst meth="repeat">
+      <a:schemeClr val="lt1"/>
+    </dgm:fillClrLst>
+    <dgm:linClrLst meth="repeat">
+      <a:schemeClr val="accent1"/>
+    </dgm:linClrLst>
+    <dgm:effectClrLst/>
+    <dgm:txLinClrLst/>
+    <dgm:txFillClrLst meth="repeat">
+      <a:schemeClr val="dk1"/>
+    </dgm:txFillClrLst>
+    <dgm:txEffectClrLst/>
+  </dgm:styleLbl>
+  <dgm:styleLbl name="solidBgAcc1">
+    <dgm:fillClrLst meth="repeat">
+      <a:schemeClr val="lt1"/>
+    </dgm:fillClrLst>
+    <dgm:linClrLst meth="repeat">
+      <a:schemeClr val="accent1"/>
+    </dgm:linClrLst>
+    <dgm:effectClrLst/>
+    <dgm:txLinClrLst/>
+    <dgm:txFillClrLst meth="repeat">
+      <a:schemeClr val="dk1"/>
+    </dgm:txFillClrLst>
+    <dgm:txEffectClrLst/>
+  </dgm:styleLbl>
+  <dgm:styleLbl name="fgAccFollowNode1">
+    <dgm:fillClrLst meth="repeat">
+      <a:schemeClr val="accent1">
+        <a:alpha val="90000"/>
+        <a:tint val="40000"/>
+      </a:schemeClr>
+    </dgm:fillClrLst>
+    <dgm:linClrLst meth="repeat">
+      <a:schemeClr val="accent1">
+        <a:alpha val="90000"/>
+        <a:tint val="40000"/>
+      </a:schemeClr>
+    </dgm:linClrLst>
+    <dgm:effectClrLst/>
+    <dgm:txLinClrLst/>
+    <dgm:txFillClrLst meth="repeat">
+      <a:schemeClr val="dk1"/>
+    </dgm:txFillClrLst>
+    <dgm:txEffectClrLst/>
+  </dgm:styleLbl>
+  <dgm:styleLbl name="alignAccFollowNode1">
+    <dgm:fillClrLst meth="repeat">
+      <a:schemeClr val="accent1">
+        <a:alpha val="90000"/>
+        <a:tint val="40000"/>
+      </a:schemeClr>
+    </dgm:fillClrLst>
+    <dgm:linClrLst meth="repeat">
+      <a:schemeClr val="accent1">
+        <a:alpha val="90000"/>
+        <a:tint val="40000"/>
+      </a:schemeClr>
+    </dgm:linClrLst>
+    <dgm:effectClrLst/>
+    <dgm:txLinClrLst/>
+    <dgm:txFillClrLst meth="repeat">
+      <a:schemeClr val="dk1"/>
+    </dgm:txFillClrLst>
+    <dgm:txEffectClrLst/>
+  </dgm:styleLbl>
+  <dgm:styleLbl name="bgAccFollowNode1">
+    <dgm:fillClrLst meth="repeat">
+      <a:schemeClr val="accent1">
+        <a:alpha val="90000"/>
+        <a:tint val="40000"/>
+      </a:schemeClr>
+    </dgm:fillClrLst>
+    <dgm:linClrLst meth="repeat">
+      <a:schemeClr val="accent1">
+        <a:alpha val="90000"/>
+        <a:tint val="40000"/>
+      </a:schemeClr>
+    </dgm:linClrLst>
+    <dgm:effectClrLst/>
+    <dgm:txLinClrLst/>
+    <dgm:txFillClrLst meth="repeat">
+      <a:schemeClr val="dk1"/>
+    </dgm:txFillClrLst>
+    <dgm:txEffectClrLst/>
+  </dgm:styleLbl>
+  <dgm:styleLbl name="fgAcc0">
+    <dgm:fillClrLst meth="repeat">
+      <a:schemeClr val="lt1">
+        <a:alpha val="90000"/>
+      </a:schemeClr>
+    </dgm:fillClrLst>
+    <dgm:linClrLst meth="repeat">
+      <a:schemeClr val="accent1"/>
+    </dgm:linClrLst>
+    <dgm:effectClrLst/>
+    <dgm:txLinClrLst/>
+    <dgm:txFillClrLst meth="repeat">
+      <a:schemeClr val="dk1"/>
+    </dgm:txFillClrLst>
+    <dgm:txEffectClrLst/>
+  </dgm:styleLbl>
+  <dgm:styleLbl name="fgAcc2">
+    <dgm:fillClrLst meth="repeat">
+      <a:schemeClr val="lt1">
+        <a:alpha val="90000"/>
+      </a:schemeClr>
+    </dgm:fillClrLst>
+    <dgm:linClrLst meth="repeat">
+      <a:schemeClr val="accent1"/>
+    </dgm:linClrLst>
+    <dgm:effectClrLst/>
+    <dgm:txLinClrLst/>
+    <dgm:txFillClrLst meth="repeat">
+      <a:schemeClr val="dk1"/>
+    </dgm:txFillClrLst>
+    <dgm:txEffectClrLst/>
+  </dgm:styleLbl>
+  <dgm:styleLbl name="fgAcc3">
+    <dgm:fillClrLst meth="repeat">
+      <a:schemeClr val="lt1">
+        <a:alpha val="90000"/>
+      </a:schemeClr>
+    </dgm:fillClrLst>
+    <dgm:linClrLst meth="repeat">
+      <a:schemeClr val="accent1"/>
+    </dgm:linClrLst>
+    <dgm:effectClrLst/>
+    <dgm:txLinClrLst/>
+    <dgm:txFillClrLst meth="repeat">
+      <a:schemeClr val="dk1"/>
+    </dgm:txFillClrLst>
+    <dgm:txEffectClrLst/>
+  </dgm:styleLbl>
+  <dgm:styleLbl name="fgAcc4">
+    <dgm:fillClrLst meth="repeat">
+      <a:schemeClr val="lt1">
+        <a:alpha val="90000"/>
+      </a:schemeClr>
+    </dgm:fillClrLst>
+    <dgm:linClrLst meth="repeat">
+      <a:schemeClr val="accent1"/>
+    </dgm:linClrLst>
+    <dgm:effectClrLst/>
+    <dgm:txLinClrLst/>
+    <dgm:txFillClrLst meth="repeat">
+      <a:schemeClr val="dk1"/>
+    </dgm:txFillClrLst>
+    <dgm:txEffectClrLst/>
+  </dgm:styleLbl>
+  <dgm:styleLbl name="bgShp">
+    <dgm:fillClrLst meth="repeat">
+      <a:schemeClr val="accent1">
+        <a:tint val="40000"/>
+      </a:schemeClr>
+    </dgm:fillClrLst>
+    <dgm:linClrLst meth="repeat">
+      <a:schemeClr val="accent1"/>
+    </dgm:linClrLst>
+    <dgm:effectClrLst/>
+    <dgm:txLinClrLst/>
+    <dgm:txFillClrLst meth="repeat">
+      <a:schemeClr val="dk1"/>
+    </dgm:txFillClrLst>
+    <dgm:txEffectClrLst/>
+  </dgm:styleLbl>
+  <dgm:styleLbl name="dkBgShp">
+    <dgm:fillClrLst meth="repeat">
+      <a:schemeClr val="accent1">
+        <a:shade val="80000"/>
+      </a:schemeClr>
+    </dgm:fillClrLst>
+    <dgm:linClrLst meth="repeat">
+      <a:schemeClr val="accent1"/>
+    </dgm:linClrLst>
+    <dgm:effectClrLst/>
+    <dgm:txLinClrLst/>
+    <dgm:txFillClrLst meth="repeat">
+      <a:schemeClr val="lt1"/>
+    </dgm:txFillClrLst>
+    <dgm:txEffectClrLst/>
+  </dgm:styleLbl>
+  <dgm:styleLbl name="trBgShp">
+    <dgm:fillClrLst meth="repeat">
+      <a:schemeClr val="accent1">
+        <a:tint val="50000"/>
+        <a:alpha val="40000"/>
+      </a:schemeClr>
+    </dgm:fillClrLst>
+    <dgm:linClrLst meth="repeat">
+      <a:schemeClr val="accent1"/>
+    </dgm:linClrLst>
+    <dgm:effectClrLst/>
+    <dgm:txLinClrLst/>
+    <dgm:txFillClrLst meth="repeat">
+      <a:schemeClr val="lt1"/>
+    </dgm:txFillClrLst>
+    <dgm:txEffectClrLst/>
+  </dgm:styleLbl>
+  <dgm:styleLbl name="fgShp">
+    <dgm:fillClrLst meth="repeat">
+      <a:schemeClr val="accent1">
+        <a:tint val="60000"/>
+      </a:schemeClr>
+    </dgm:fillClrLst>
+    <dgm:linClrLst meth="repeat">
+      <a:schemeClr val="lt1"/>
+    </dgm:linClrLst>
+    <dgm:effectClrLst/>
+    <dgm:txLinClrLst/>
+    <dgm:txFillClrLst meth="repeat">
+      <a:schemeClr val="dk1"/>
+    </dgm:txFillClrLst>
+    <dgm:txEffectClrLst/>
+  </dgm:styleLbl>
+  <dgm:styleLbl name="revTx">
+    <dgm:fillClrLst meth="repeat">
+      <a:schemeClr val="lt1">
+        <a:alpha val="0"/>
+      </a:schemeClr>
+    </dgm:fillClrLst>
+    <dgm:linClrLst meth="repeat">
+      <a:schemeClr val="dk1">
+        <a:alpha val="0"/>
+      </a:schemeClr>
+    </dgm:linClrLst>
+    <dgm:effectClrLst/>
+    <dgm:txLinClrLst/>
+    <dgm:txFillClrLst meth="repeat">
+      <a:schemeClr val="tx1"/>
+    </dgm:txFillClrLst>
+    <dgm:txEffectClrLst/>
+  </dgm:styleLbl>
+</dgm:colorsDef>
+</file>
+
+<file path=ppt/diagrams/data1.xml><?xml version="1.0" encoding="utf-8"?>
+<dgm:dataModel xmlns:dgm="http://schemas.openxmlformats.org/drawingml/2006/diagram" xmlns:a="http://schemas.openxmlformats.org/drawingml/2006/main">
+  <dgm:ptLst>
+    <dgm:pt modelId="{FD1F0471-D585-1C4B-9F51-392BE02CFEEE}" type="doc">
+      <dgm:prSet loTypeId="urn:microsoft.com/office/officeart/2009/layout/CirclePictureHierarchy" loCatId="" qsTypeId="urn:microsoft.com/office/officeart/2005/8/quickstyle/simple1" qsCatId="simple" csTypeId="urn:microsoft.com/office/officeart/2005/8/colors/accent1_2" csCatId="accent1" phldr="1"/>
+      <dgm:spPr/>
+      <dgm:t>
+        <a:bodyPr/>
+        <a:lstStyle/>
+        <a:p>
+          <a:endParaRPr lang="en-US"/>
+        </a:p>
+      </dgm:t>
+    </dgm:pt>
+    <dgm:pt modelId="{8F2D46DA-0FC6-174C-AC98-B38E2ADADCA1}">
+      <dgm:prSet phldrT="[Text]" phldr="1"/>
+      <dgm:spPr/>
+      <dgm:t>
+        <a:bodyPr/>
+        <a:lstStyle/>
+        <a:p>
+          <a:endParaRPr lang="en-US"/>
+        </a:p>
+      </dgm:t>
+    </dgm:pt>
+    <dgm:pt modelId="{9FC7C9B6-CA58-4744-88BF-713CF313C6D0}" type="parTrans" cxnId="{42CB836E-773D-0B47-A015-6FBEA7443EA5}">
+      <dgm:prSet/>
+      <dgm:spPr/>
+      <dgm:t>
+        <a:bodyPr/>
+        <a:lstStyle/>
+        <a:p>
+          <a:endParaRPr lang="en-US"/>
+        </a:p>
+      </dgm:t>
+    </dgm:pt>
+    <dgm:pt modelId="{B5AE2802-B9D5-F441-802B-C3F51C9D1E25}" type="sibTrans" cxnId="{42CB836E-773D-0B47-A015-6FBEA7443EA5}">
+      <dgm:prSet/>
+      <dgm:spPr/>
+      <dgm:t>
+        <a:bodyPr/>
+        <a:lstStyle/>
+        <a:p>
+          <a:endParaRPr lang="en-US"/>
+        </a:p>
+      </dgm:t>
+    </dgm:pt>
+    <dgm:pt modelId="{6B81193F-96AA-9943-8135-970C27A0CD0B}">
+      <dgm:prSet phldrT="[Text]" phldr="1"/>
+      <dgm:spPr/>
+      <dgm:t>
+        <a:bodyPr/>
+        <a:lstStyle/>
+        <a:p>
+          <a:endParaRPr lang="en-US"/>
+        </a:p>
+      </dgm:t>
+    </dgm:pt>
+    <dgm:pt modelId="{596FAA17-75D8-6445-8707-5E3C463E313F}" type="parTrans" cxnId="{2B09761C-F95A-6D48-B353-0238EB4BC80D}">
+      <dgm:prSet/>
+      <dgm:spPr/>
+      <dgm:t>
+        <a:bodyPr/>
+        <a:lstStyle/>
+        <a:p>
+          <a:endParaRPr lang="en-US"/>
+        </a:p>
+      </dgm:t>
+    </dgm:pt>
+    <dgm:pt modelId="{E8B178BC-ECB2-B744-BCF9-80D2C103C325}" type="sibTrans" cxnId="{2B09761C-F95A-6D48-B353-0238EB4BC80D}">
+      <dgm:prSet/>
+      <dgm:spPr/>
+      <dgm:t>
+        <a:bodyPr/>
+        <a:lstStyle/>
+        <a:p>
+          <a:endParaRPr lang="en-US"/>
+        </a:p>
+      </dgm:t>
+    </dgm:pt>
+    <dgm:pt modelId="{05C1BAB7-390A-7647-97C2-02C3151A955D}">
+      <dgm:prSet phldrT="[Text]" phldr="1"/>
+      <dgm:spPr/>
+      <dgm:t>
+        <a:bodyPr/>
+        <a:lstStyle/>
+        <a:p>
+          <a:endParaRPr lang="en-US"/>
+        </a:p>
+      </dgm:t>
+    </dgm:pt>
+    <dgm:pt modelId="{560BA062-AF97-C246-9F2B-3B0E4A8033EA}" type="parTrans" cxnId="{081AD39C-BD55-E144-9A1D-30027FB5AD6B}">
+      <dgm:prSet/>
+      <dgm:spPr/>
+      <dgm:t>
+        <a:bodyPr/>
+        <a:lstStyle/>
+        <a:p>
+          <a:endParaRPr lang="en-US"/>
+        </a:p>
+      </dgm:t>
+    </dgm:pt>
+    <dgm:pt modelId="{AED7A8F6-B494-2B4B-B053-2EFDCC681B4F}" type="sibTrans" cxnId="{081AD39C-BD55-E144-9A1D-30027FB5AD6B}">
+      <dgm:prSet/>
+      <dgm:spPr/>
+      <dgm:t>
+        <a:bodyPr/>
+        <a:lstStyle/>
+        <a:p>
+          <a:endParaRPr lang="en-US"/>
+        </a:p>
+      </dgm:t>
+    </dgm:pt>
+    <dgm:pt modelId="{87396D24-DEAD-104B-8FC7-A8BA95E7FBEC}">
+      <dgm:prSet phldrT="[Text]"/>
+      <dgm:spPr/>
+      <dgm:t>
+        <a:bodyPr/>
+        <a:lstStyle/>
+        <a:p>
+          <a:r>
+            <a:rPr lang="en-US" dirty="0"/>
+            <a:t>mm</a:t>
+          </a:r>
+        </a:p>
+      </dgm:t>
+    </dgm:pt>
+    <dgm:pt modelId="{15432152-8608-6042-85A1-5A4C09391A23}" type="parTrans" cxnId="{F477C94E-9D65-934B-A2FE-F94B3F639B9F}">
+      <dgm:prSet/>
+      <dgm:spPr/>
+      <dgm:t>
+        <a:bodyPr/>
+        <a:lstStyle/>
+        <a:p>
+          <a:endParaRPr lang="en-US"/>
+        </a:p>
+      </dgm:t>
+    </dgm:pt>
+    <dgm:pt modelId="{2B0AE3F7-8BE0-E94E-81BA-D4FAA09770F5}" type="sibTrans" cxnId="{F477C94E-9D65-934B-A2FE-F94B3F639B9F}">
+      <dgm:prSet/>
+      <dgm:spPr/>
+      <dgm:t>
+        <a:bodyPr/>
+        <a:lstStyle/>
+        <a:p>
+          <a:endParaRPr lang="en-US"/>
+        </a:p>
+      </dgm:t>
+    </dgm:pt>
+    <dgm:pt modelId="{3EE22BE6-103D-9241-85CA-12C198839463}">
+      <dgm:prSet phldrT="[Text]" phldr="1"/>
+      <dgm:spPr/>
+      <dgm:t>
+        <a:bodyPr/>
+        <a:lstStyle/>
+        <a:p>
+          <a:endParaRPr lang="en-US"/>
+        </a:p>
+      </dgm:t>
+    </dgm:pt>
+    <dgm:pt modelId="{3363CA27-E57F-3047-A0A1-072EE7C49BA8}" type="parTrans" cxnId="{775886C1-2F6B-FC41-804E-BCCB6F318BB2}">
+      <dgm:prSet/>
+      <dgm:spPr/>
+      <dgm:t>
+        <a:bodyPr/>
+        <a:lstStyle/>
+        <a:p>
+          <a:endParaRPr lang="en-US"/>
+        </a:p>
+      </dgm:t>
+    </dgm:pt>
+    <dgm:pt modelId="{C6ACDABB-E058-BD43-96C0-32DAE6F7748C}" type="sibTrans" cxnId="{775886C1-2F6B-FC41-804E-BCCB6F318BB2}">
+      <dgm:prSet/>
+      <dgm:spPr/>
+      <dgm:t>
+        <a:bodyPr/>
+        <a:lstStyle/>
+        <a:p>
+          <a:endParaRPr lang="en-US"/>
+        </a:p>
+      </dgm:t>
+    </dgm:pt>
+    <dgm:pt modelId="{E5D48B67-84CE-454D-B12F-180D628DD93B}">
+      <dgm:prSet phldrT="[Text]" phldr="1"/>
+      <dgm:spPr/>
+      <dgm:t>
+        <a:bodyPr/>
+        <a:lstStyle/>
+        <a:p>
+          <a:endParaRPr lang="en-US"/>
+        </a:p>
+      </dgm:t>
+    </dgm:pt>
+    <dgm:pt modelId="{A7C94A7E-EA96-0C44-A5CD-E91FCDE0B277}" type="parTrans" cxnId="{92465393-95EF-AF4C-AD09-1C681772A90A}">
+      <dgm:prSet/>
+      <dgm:spPr/>
+      <dgm:t>
+        <a:bodyPr/>
+        <a:lstStyle/>
+        <a:p>
+          <a:endParaRPr lang="en-US"/>
+        </a:p>
+      </dgm:t>
+    </dgm:pt>
+    <dgm:pt modelId="{82D4103C-7924-C94A-BCC1-E0E813C02497}" type="sibTrans" cxnId="{92465393-95EF-AF4C-AD09-1C681772A90A}">
+      <dgm:prSet/>
+      <dgm:spPr/>
+      <dgm:t>
+        <a:bodyPr/>
+        <a:lstStyle/>
+        <a:p>
+          <a:endParaRPr lang="en-US"/>
+        </a:p>
+      </dgm:t>
+    </dgm:pt>
+    <dgm:pt modelId="{A0496A85-5661-104A-978F-22B5403BBCB3}">
+      <dgm:prSet phldrT="[Text]"/>
+      <dgm:spPr/>
+      <dgm:t>
+        <a:bodyPr/>
+        <a:lstStyle/>
+        <a:p>
+          <a:r>
+            <a:rPr lang="en-US" dirty="0"/>
+            <a:t>mm</a:t>
+          </a:r>
+        </a:p>
+      </dgm:t>
+    </dgm:pt>
+    <dgm:pt modelId="{7F869B75-290C-6C45-8601-037F69869BC3}" type="parTrans" cxnId="{E270C724-8D14-EA48-80D0-B97A2E0123D4}">
+      <dgm:prSet/>
+      <dgm:spPr/>
+    </dgm:pt>
+    <dgm:pt modelId="{0A133137-AFD7-9F48-85BD-02C95A8BD1C4}" type="sibTrans" cxnId="{E270C724-8D14-EA48-80D0-B97A2E0123D4}">
+      <dgm:prSet/>
+      <dgm:spPr/>
+    </dgm:pt>
+    <dgm:pt modelId="{7AE5875E-E392-E149-B253-0E7C20CCB4B6}">
+      <dgm:prSet phldrT="[Text]"/>
+      <dgm:spPr/>
+      <dgm:t>
+        <a:bodyPr/>
+        <a:lstStyle/>
+        <a:p>
+          <a:endParaRPr lang="en-US" dirty="0"/>
+        </a:p>
+      </dgm:t>
+    </dgm:pt>
+    <dgm:pt modelId="{AFD44BF9-50A9-4E41-BC55-C3A25F21B4B2}" type="parTrans" cxnId="{B03A580F-DD57-584B-BDDB-FE6C19B72DE4}">
+      <dgm:prSet/>
+      <dgm:spPr/>
+    </dgm:pt>
+    <dgm:pt modelId="{27AFAEBF-C10E-B247-BD0C-3EDBAD3F2D33}" type="sibTrans" cxnId="{B03A580F-DD57-584B-BDDB-FE6C19B72DE4}">
+      <dgm:prSet/>
+      <dgm:spPr/>
+    </dgm:pt>
+    <dgm:pt modelId="{DA0554BF-77B2-4F48-99E2-941092E05F6A}" type="pres">
+      <dgm:prSet presAssocID="{FD1F0471-D585-1C4B-9F51-392BE02CFEEE}" presName="hierChild1" presStyleCnt="0">
+        <dgm:presLayoutVars>
+          <dgm:chPref val="1"/>
+          <dgm:dir/>
+          <dgm:animOne val="branch"/>
+          <dgm:animLvl val="lvl"/>
+          <dgm:resizeHandles/>
+        </dgm:presLayoutVars>
+      </dgm:prSet>
+      <dgm:spPr/>
+    </dgm:pt>
+    <dgm:pt modelId="{76A3F2FE-2474-D443-816C-56391BF8B984}" type="pres">
+      <dgm:prSet presAssocID="{8F2D46DA-0FC6-174C-AC98-B38E2ADADCA1}" presName="hierRoot1" presStyleCnt="0"/>
+      <dgm:spPr/>
+    </dgm:pt>
+    <dgm:pt modelId="{FA443F78-9674-C34C-BD2C-3B13EB4859AB}" type="pres">
+      <dgm:prSet presAssocID="{8F2D46DA-0FC6-174C-AC98-B38E2ADADCA1}" presName="composite" presStyleCnt="0"/>
+      <dgm:spPr/>
+    </dgm:pt>
+    <dgm:pt modelId="{60646D68-A730-9B4C-86D3-9C63EAB130D0}" type="pres">
+      <dgm:prSet presAssocID="{8F2D46DA-0FC6-174C-AC98-B38E2ADADCA1}" presName="image" presStyleLbl="node0" presStyleIdx="0" presStyleCnt="1"/>
+      <dgm:spPr/>
+    </dgm:pt>
+    <dgm:pt modelId="{1223A66A-466C-FC4E-92F1-B8DC6304E562}" type="pres">
+      <dgm:prSet presAssocID="{8F2D46DA-0FC6-174C-AC98-B38E2ADADCA1}" presName="text" presStyleLbl="revTx" presStyleIdx="0" presStyleCnt="8">
+        <dgm:presLayoutVars>
+          <dgm:chPref val="3"/>
+        </dgm:presLayoutVars>
+      </dgm:prSet>
+      <dgm:spPr/>
+    </dgm:pt>
+    <dgm:pt modelId="{495FB703-E8FF-8C49-B7A2-4AE485A563E9}" type="pres">
+      <dgm:prSet presAssocID="{8F2D46DA-0FC6-174C-AC98-B38E2ADADCA1}" presName="hierChild2" presStyleCnt="0"/>
+      <dgm:spPr/>
+    </dgm:pt>
+    <dgm:pt modelId="{BED148AF-0F7C-6F43-B012-B841A4AAC7E9}" type="pres">
+      <dgm:prSet presAssocID="{596FAA17-75D8-6445-8707-5E3C463E313F}" presName="Name10" presStyleLbl="parChTrans1D2" presStyleIdx="0" presStyleCnt="2"/>
+      <dgm:spPr/>
+    </dgm:pt>
+    <dgm:pt modelId="{B59A9AC5-0E52-2343-A48D-2DB166F1F774}" type="pres">
+      <dgm:prSet presAssocID="{6B81193F-96AA-9943-8135-970C27A0CD0B}" presName="hierRoot2" presStyleCnt="0"/>
+      <dgm:spPr/>
+    </dgm:pt>
+    <dgm:pt modelId="{3D4B9F9D-BA10-2447-8A9F-B8CD23D66CC7}" type="pres">
+      <dgm:prSet presAssocID="{6B81193F-96AA-9943-8135-970C27A0CD0B}" presName="composite2" presStyleCnt="0"/>
+      <dgm:spPr/>
+    </dgm:pt>
+    <dgm:pt modelId="{DE7411CC-91DD-D943-92CB-C5F72B69107E}" type="pres">
+      <dgm:prSet presAssocID="{6B81193F-96AA-9943-8135-970C27A0CD0B}" presName="image2" presStyleLbl="node2" presStyleIdx="0" presStyleCnt="2"/>
+      <dgm:spPr/>
+    </dgm:pt>
+    <dgm:pt modelId="{30139C23-B01D-1749-84C3-BBD5B8852380}" type="pres">
+      <dgm:prSet presAssocID="{6B81193F-96AA-9943-8135-970C27A0CD0B}" presName="text2" presStyleLbl="revTx" presStyleIdx="1" presStyleCnt="8">
+        <dgm:presLayoutVars>
+          <dgm:chPref val="3"/>
+        </dgm:presLayoutVars>
+      </dgm:prSet>
+      <dgm:spPr/>
+    </dgm:pt>
+    <dgm:pt modelId="{FA0D04F0-721E-2641-882C-5C9488B0C8D6}" type="pres">
+      <dgm:prSet presAssocID="{6B81193F-96AA-9943-8135-970C27A0CD0B}" presName="hierChild3" presStyleCnt="0"/>
+      <dgm:spPr/>
+    </dgm:pt>
+    <dgm:pt modelId="{59661F2C-4667-2448-A5DE-C91B11E98764}" type="pres">
+      <dgm:prSet presAssocID="{560BA062-AF97-C246-9F2B-3B0E4A8033EA}" presName="Name17" presStyleLbl="parChTrans1D3" presStyleIdx="0" presStyleCnt="5"/>
+      <dgm:spPr/>
+    </dgm:pt>
+    <dgm:pt modelId="{2094CB4B-41C3-144C-9BB3-B5BA1579B635}" type="pres">
+      <dgm:prSet presAssocID="{05C1BAB7-390A-7647-97C2-02C3151A955D}" presName="hierRoot3" presStyleCnt="0"/>
+      <dgm:spPr/>
+    </dgm:pt>
+    <dgm:pt modelId="{D95D06E6-35B5-4543-9F34-1A0FD41B9D8D}" type="pres">
+      <dgm:prSet presAssocID="{05C1BAB7-390A-7647-97C2-02C3151A955D}" presName="composite3" presStyleCnt="0"/>
+      <dgm:spPr/>
+    </dgm:pt>
+    <dgm:pt modelId="{9F7563A5-502F-2940-8464-2ECB90DF2CB1}" type="pres">
+      <dgm:prSet presAssocID="{05C1BAB7-390A-7647-97C2-02C3151A955D}" presName="image3" presStyleLbl="node3" presStyleIdx="0" presStyleCnt="5"/>
+      <dgm:spPr/>
+    </dgm:pt>
+    <dgm:pt modelId="{014A3506-BBB1-A048-A302-29BB43AC967B}" type="pres">
+      <dgm:prSet presAssocID="{05C1BAB7-390A-7647-97C2-02C3151A955D}" presName="text3" presStyleLbl="revTx" presStyleIdx="2" presStyleCnt="8">
+        <dgm:presLayoutVars>
+          <dgm:chPref val="3"/>
+        </dgm:presLayoutVars>
+      </dgm:prSet>
+      <dgm:spPr/>
+    </dgm:pt>
+    <dgm:pt modelId="{FCBCBCAB-7089-864B-96FD-D6FD21AD2507}" type="pres">
+      <dgm:prSet presAssocID="{05C1BAB7-390A-7647-97C2-02C3151A955D}" presName="hierChild4" presStyleCnt="0"/>
+      <dgm:spPr/>
+    </dgm:pt>
+    <dgm:pt modelId="{73EDFB04-5158-114A-B553-5E26C7AA2B5C}" type="pres">
+      <dgm:prSet presAssocID="{15432152-8608-6042-85A1-5A4C09391A23}" presName="Name17" presStyleLbl="parChTrans1D3" presStyleIdx="1" presStyleCnt="5"/>
+      <dgm:spPr/>
+    </dgm:pt>
+    <dgm:pt modelId="{BE89A1DB-FCA7-7540-953A-CE713BEB2353}" type="pres">
+      <dgm:prSet presAssocID="{87396D24-DEAD-104B-8FC7-A8BA95E7FBEC}" presName="hierRoot3" presStyleCnt="0"/>
+      <dgm:spPr/>
+    </dgm:pt>
+    <dgm:pt modelId="{42F59BA9-E2A8-1A44-8BAA-FADFCF52EEAC}" type="pres">
+      <dgm:prSet presAssocID="{87396D24-DEAD-104B-8FC7-A8BA95E7FBEC}" presName="composite3" presStyleCnt="0"/>
+      <dgm:spPr/>
+    </dgm:pt>
+    <dgm:pt modelId="{3299D273-EDAA-1746-84C7-BC13E0A2F889}" type="pres">
+      <dgm:prSet presAssocID="{87396D24-DEAD-104B-8FC7-A8BA95E7FBEC}" presName="image3" presStyleLbl="node3" presStyleIdx="1" presStyleCnt="5"/>
+      <dgm:spPr/>
+    </dgm:pt>
+    <dgm:pt modelId="{EEDA369F-DEC7-0045-A31A-38ED9D960414}" type="pres">
+      <dgm:prSet presAssocID="{87396D24-DEAD-104B-8FC7-A8BA95E7FBEC}" presName="text3" presStyleLbl="revTx" presStyleIdx="3" presStyleCnt="8">
+        <dgm:presLayoutVars>
+          <dgm:chPref val="3"/>
+        </dgm:presLayoutVars>
+      </dgm:prSet>
+      <dgm:spPr/>
+    </dgm:pt>
+    <dgm:pt modelId="{25223748-3906-1945-8DA5-466B09B69BCA}" type="pres">
+      <dgm:prSet presAssocID="{87396D24-DEAD-104B-8FC7-A8BA95E7FBEC}" presName="hierChild4" presStyleCnt="0"/>
+      <dgm:spPr/>
+    </dgm:pt>
+    <dgm:pt modelId="{872C7FD5-9EAD-7546-840D-4D3846C87869}" type="pres">
+      <dgm:prSet presAssocID="{7F869B75-290C-6C45-8601-037F69869BC3}" presName="Name17" presStyleLbl="parChTrans1D3" presStyleIdx="2" presStyleCnt="5"/>
+      <dgm:spPr/>
+    </dgm:pt>
+    <dgm:pt modelId="{386EF3E9-6DD0-0F4B-B60E-0AB253094687}" type="pres">
+      <dgm:prSet presAssocID="{A0496A85-5661-104A-978F-22B5403BBCB3}" presName="hierRoot3" presStyleCnt="0"/>
+      <dgm:spPr/>
+    </dgm:pt>
+    <dgm:pt modelId="{1D85E8F3-F60F-8347-9C14-E312E5A2735A}" type="pres">
+      <dgm:prSet presAssocID="{A0496A85-5661-104A-978F-22B5403BBCB3}" presName="composite3" presStyleCnt="0"/>
+      <dgm:spPr/>
+    </dgm:pt>
+    <dgm:pt modelId="{E1E0CC5D-0BFF-9B45-AE9A-245A8E460CFA}" type="pres">
+      <dgm:prSet presAssocID="{A0496A85-5661-104A-978F-22B5403BBCB3}" presName="image3" presStyleLbl="node3" presStyleIdx="2" presStyleCnt="5"/>
+      <dgm:spPr/>
+    </dgm:pt>
+    <dgm:pt modelId="{54D9A862-EA27-E141-BDD1-8C489BBF391F}" type="pres">
+      <dgm:prSet presAssocID="{A0496A85-5661-104A-978F-22B5403BBCB3}" presName="text3" presStyleLbl="revTx" presStyleIdx="4" presStyleCnt="8">
+        <dgm:presLayoutVars>
+          <dgm:chPref val="3"/>
+        </dgm:presLayoutVars>
+      </dgm:prSet>
+      <dgm:spPr/>
+    </dgm:pt>
+    <dgm:pt modelId="{97AED22C-57D7-0B45-B152-D0D9B769D6C0}" type="pres">
+      <dgm:prSet presAssocID="{A0496A85-5661-104A-978F-22B5403BBCB3}" presName="hierChild4" presStyleCnt="0"/>
+      <dgm:spPr/>
+    </dgm:pt>
+    <dgm:pt modelId="{4BF41183-529A-6649-AD79-5B56DE005484}" type="pres">
+      <dgm:prSet presAssocID="{AFD44BF9-50A9-4E41-BC55-C3A25F21B4B2}" presName="Name17" presStyleLbl="parChTrans1D3" presStyleIdx="3" presStyleCnt="5"/>
+      <dgm:spPr/>
+    </dgm:pt>
+    <dgm:pt modelId="{C36A5A04-BE75-C944-8846-A177A0D87659}" type="pres">
+      <dgm:prSet presAssocID="{7AE5875E-E392-E149-B253-0E7C20CCB4B6}" presName="hierRoot3" presStyleCnt="0"/>
+      <dgm:spPr/>
+    </dgm:pt>
+    <dgm:pt modelId="{13D4AC90-58C5-8543-A7AA-19E990094143}" type="pres">
+      <dgm:prSet presAssocID="{7AE5875E-E392-E149-B253-0E7C20CCB4B6}" presName="composite3" presStyleCnt="0"/>
+      <dgm:spPr/>
+    </dgm:pt>
+    <dgm:pt modelId="{C507DD22-1A6C-F24E-841A-FA4555AF5790}" type="pres">
+      <dgm:prSet presAssocID="{7AE5875E-E392-E149-B253-0E7C20CCB4B6}" presName="image3" presStyleLbl="node3" presStyleIdx="3" presStyleCnt="5"/>
+      <dgm:spPr/>
+    </dgm:pt>
+    <dgm:pt modelId="{84124288-E0F8-A54B-ADD8-7CE9C5751AFE}" type="pres">
+      <dgm:prSet presAssocID="{7AE5875E-E392-E149-B253-0E7C20CCB4B6}" presName="text3" presStyleLbl="revTx" presStyleIdx="5" presStyleCnt="8">
+        <dgm:presLayoutVars>
+          <dgm:chPref val="3"/>
+        </dgm:presLayoutVars>
+      </dgm:prSet>
+      <dgm:spPr/>
+    </dgm:pt>
+    <dgm:pt modelId="{0838F2BC-787F-144E-9FE2-9136B9BDCC22}" type="pres">
+      <dgm:prSet presAssocID="{7AE5875E-E392-E149-B253-0E7C20CCB4B6}" presName="hierChild4" presStyleCnt="0"/>
+      <dgm:spPr/>
+    </dgm:pt>
+    <dgm:pt modelId="{5D37D56A-1D02-E24E-92D9-3E4A75FD368C}" type="pres">
+      <dgm:prSet presAssocID="{3363CA27-E57F-3047-A0A1-072EE7C49BA8}" presName="Name10" presStyleLbl="parChTrans1D2" presStyleIdx="1" presStyleCnt="2"/>
+      <dgm:spPr/>
+    </dgm:pt>
+    <dgm:pt modelId="{0555F663-37B0-0841-93A2-38DF90B48428}" type="pres">
+      <dgm:prSet presAssocID="{3EE22BE6-103D-9241-85CA-12C198839463}" presName="hierRoot2" presStyleCnt="0"/>
+      <dgm:spPr/>
+    </dgm:pt>
+    <dgm:pt modelId="{3832177D-6563-E245-942E-7BB0A79B2A0C}" type="pres">
+      <dgm:prSet presAssocID="{3EE22BE6-103D-9241-85CA-12C198839463}" presName="composite2" presStyleCnt="0"/>
+      <dgm:spPr/>
+    </dgm:pt>
+    <dgm:pt modelId="{89DE8A3C-2411-3E46-B76F-FCB538F88727}" type="pres">
+      <dgm:prSet presAssocID="{3EE22BE6-103D-9241-85CA-12C198839463}" presName="image2" presStyleLbl="node2" presStyleIdx="1" presStyleCnt="2"/>
+      <dgm:spPr/>
+    </dgm:pt>
+    <dgm:pt modelId="{EEABBCEA-368C-8543-A7C8-C9E931A81122}" type="pres">
+      <dgm:prSet presAssocID="{3EE22BE6-103D-9241-85CA-12C198839463}" presName="text2" presStyleLbl="revTx" presStyleIdx="6" presStyleCnt="8">
+        <dgm:presLayoutVars>
+          <dgm:chPref val="3"/>
+        </dgm:presLayoutVars>
+      </dgm:prSet>
+      <dgm:spPr/>
+    </dgm:pt>
+    <dgm:pt modelId="{96DFB4F0-F8F6-A544-B1EC-81E30B7FFE9C}" type="pres">
+      <dgm:prSet presAssocID="{3EE22BE6-103D-9241-85CA-12C198839463}" presName="hierChild3" presStyleCnt="0"/>
+      <dgm:spPr/>
+    </dgm:pt>
+    <dgm:pt modelId="{42B54200-7148-8142-AC4A-E397E4734F7F}" type="pres">
+      <dgm:prSet presAssocID="{A7C94A7E-EA96-0C44-A5CD-E91FCDE0B277}" presName="Name17" presStyleLbl="parChTrans1D3" presStyleIdx="4" presStyleCnt="5"/>
+      <dgm:spPr/>
+    </dgm:pt>
+    <dgm:pt modelId="{BC51DBDB-4E3D-BB44-8165-9162A635E364}" type="pres">
+      <dgm:prSet presAssocID="{E5D48B67-84CE-454D-B12F-180D628DD93B}" presName="hierRoot3" presStyleCnt="0"/>
+      <dgm:spPr/>
+    </dgm:pt>
+    <dgm:pt modelId="{176F78A9-D127-A04F-8BAE-C0E3EC1458F6}" type="pres">
+      <dgm:prSet presAssocID="{E5D48B67-84CE-454D-B12F-180D628DD93B}" presName="composite3" presStyleCnt="0"/>
+      <dgm:spPr/>
+    </dgm:pt>
+    <dgm:pt modelId="{2A2C2080-4616-3442-B772-861362506C9A}" type="pres">
+      <dgm:prSet presAssocID="{E5D48B67-84CE-454D-B12F-180D628DD93B}" presName="image3" presStyleLbl="node3" presStyleIdx="4" presStyleCnt="5"/>
+      <dgm:spPr/>
+    </dgm:pt>
+    <dgm:pt modelId="{40807DB4-AB54-934B-A4BB-15FE077D8CE3}" type="pres">
+      <dgm:prSet presAssocID="{E5D48B67-84CE-454D-B12F-180D628DD93B}" presName="text3" presStyleLbl="revTx" presStyleIdx="7" presStyleCnt="8">
+        <dgm:presLayoutVars>
+          <dgm:chPref val="3"/>
+        </dgm:presLayoutVars>
+      </dgm:prSet>
+      <dgm:spPr/>
+    </dgm:pt>
+    <dgm:pt modelId="{0109210E-0066-D24A-8DAF-73B91280BDD4}" type="pres">
+      <dgm:prSet presAssocID="{E5D48B67-84CE-454D-B12F-180D628DD93B}" presName="hierChild4" presStyleCnt="0"/>
+      <dgm:spPr/>
+    </dgm:pt>
+  </dgm:ptLst>
+  <dgm:cxnLst>
+    <dgm:cxn modelId="{ABF84908-BFAE-1649-ADF4-4BC93599AB2F}" type="presOf" srcId="{560BA062-AF97-C246-9F2B-3B0E4A8033EA}" destId="{59661F2C-4667-2448-A5DE-C91B11E98764}" srcOrd="0" destOrd="0" presId="urn:microsoft.com/office/officeart/2009/layout/CirclePictureHierarchy"/>
+    <dgm:cxn modelId="{B03A580F-DD57-584B-BDDB-FE6C19B72DE4}" srcId="{6B81193F-96AA-9943-8135-970C27A0CD0B}" destId="{7AE5875E-E392-E149-B253-0E7C20CCB4B6}" srcOrd="3" destOrd="0" parTransId="{AFD44BF9-50A9-4E41-BC55-C3A25F21B4B2}" sibTransId="{27AFAEBF-C10E-B247-BD0C-3EDBAD3F2D33}"/>
+    <dgm:cxn modelId="{2B09761C-F95A-6D48-B353-0238EB4BC80D}" srcId="{8F2D46DA-0FC6-174C-AC98-B38E2ADADCA1}" destId="{6B81193F-96AA-9943-8135-970C27A0CD0B}" srcOrd="0" destOrd="0" parTransId="{596FAA17-75D8-6445-8707-5E3C463E313F}" sibTransId="{E8B178BC-ECB2-B744-BCF9-80D2C103C325}"/>
+    <dgm:cxn modelId="{E270C724-8D14-EA48-80D0-B97A2E0123D4}" srcId="{6B81193F-96AA-9943-8135-970C27A0CD0B}" destId="{A0496A85-5661-104A-978F-22B5403BBCB3}" srcOrd="2" destOrd="0" parTransId="{7F869B75-290C-6C45-8601-037F69869BC3}" sibTransId="{0A133137-AFD7-9F48-85BD-02C95A8BD1C4}"/>
+    <dgm:cxn modelId="{AE3CB22F-0D71-9548-95FF-AB36F65C2263}" type="presOf" srcId="{A0496A85-5661-104A-978F-22B5403BBCB3}" destId="{54D9A862-EA27-E141-BDD1-8C489BBF391F}" srcOrd="0" destOrd="0" presId="urn:microsoft.com/office/officeart/2009/layout/CirclePictureHierarchy"/>
+    <dgm:cxn modelId="{D1C2E233-ED17-744E-A795-9BF4B6BE0056}" type="presOf" srcId="{15432152-8608-6042-85A1-5A4C09391A23}" destId="{73EDFB04-5158-114A-B553-5E26C7AA2B5C}" srcOrd="0" destOrd="0" presId="urn:microsoft.com/office/officeart/2009/layout/CirclePictureHierarchy"/>
+    <dgm:cxn modelId="{FDF5CA43-7EDE-FD4E-ADC5-AC7D0476876D}" type="presOf" srcId="{6B81193F-96AA-9943-8135-970C27A0CD0B}" destId="{30139C23-B01D-1749-84C3-BBD5B8852380}" srcOrd="0" destOrd="0" presId="urn:microsoft.com/office/officeart/2009/layout/CirclePictureHierarchy"/>
+    <dgm:cxn modelId="{F477C94E-9D65-934B-A2FE-F94B3F639B9F}" srcId="{6B81193F-96AA-9943-8135-970C27A0CD0B}" destId="{87396D24-DEAD-104B-8FC7-A8BA95E7FBEC}" srcOrd="1" destOrd="0" parTransId="{15432152-8608-6042-85A1-5A4C09391A23}" sibTransId="{2B0AE3F7-8BE0-E94E-81BA-D4FAA09770F5}"/>
+    <dgm:cxn modelId="{0898C15E-937F-ED4D-A769-65CEA79D3B45}" type="presOf" srcId="{A7C94A7E-EA96-0C44-A5CD-E91FCDE0B277}" destId="{42B54200-7148-8142-AC4A-E397E4734F7F}" srcOrd="0" destOrd="0" presId="urn:microsoft.com/office/officeart/2009/layout/CirclePictureHierarchy"/>
+    <dgm:cxn modelId="{76A08768-CDA9-694D-9C41-A61A0DF43C9C}" type="presOf" srcId="{FD1F0471-D585-1C4B-9F51-392BE02CFEEE}" destId="{DA0554BF-77B2-4F48-99E2-941092E05F6A}" srcOrd="0" destOrd="0" presId="urn:microsoft.com/office/officeart/2009/layout/CirclePictureHierarchy"/>
+    <dgm:cxn modelId="{A612716D-CA3F-B542-853D-07AF7AEA9E46}" type="presOf" srcId="{7AE5875E-E392-E149-B253-0E7C20CCB4B6}" destId="{84124288-E0F8-A54B-ADD8-7CE9C5751AFE}" srcOrd="0" destOrd="0" presId="urn:microsoft.com/office/officeart/2009/layout/CirclePictureHierarchy"/>
+    <dgm:cxn modelId="{42CB836E-773D-0B47-A015-6FBEA7443EA5}" srcId="{FD1F0471-D585-1C4B-9F51-392BE02CFEEE}" destId="{8F2D46DA-0FC6-174C-AC98-B38E2ADADCA1}" srcOrd="0" destOrd="0" parTransId="{9FC7C9B6-CA58-4744-88BF-713CF313C6D0}" sibTransId="{B5AE2802-B9D5-F441-802B-C3F51C9D1E25}"/>
+    <dgm:cxn modelId="{77D7BE6E-6365-B14E-AF78-62F1B5C43E1C}" type="presOf" srcId="{E5D48B67-84CE-454D-B12F-180D628DD93B}" destId="{40807DB4-AB54-934B-A4BB-15FE077D8CE3}" srcOrd="0" destOrd="0" presId="urn:microsoft.com/office/officeart/2009/layout/CirclePictureHierarchy"/>
+    <dgm:cxn modelId="{C1683F7B-58C5-8543-A60D-A7874940E8A9}" type="presOf" srcId="{AFD44BF9-50A9-4E41-BC55-C3A25F21B4B2}" destId="{4BF41183-529A-6649-AD79-5B56DE005484}" srcOrd="0" destOrd="0" presId="urn:microsoft.com/office/officeart/2009/layout/CirclePictureHierarchy"/>
+    <dgm:cxn modelId="{92465393-95EF-AF4C-AD09-1C681772A90A}" srcId="{3EE22BE6-103D-9241-85CA-12C198839463}" destId="{E5D48B67-84CE-454D-B12F-180D628DD93B}" srcOrd="0" destOrd="0" parTransId="{A7C94A7E-EA96-0C44-A5CD-E91FCDE0B277}" sibTransId="{82D4103C-7924-C94A-BCC1-E0E813C02497}"/>
+    <dgm:cxn modelId="{081AD39C-BD55-E144-9A1D-30027FB5AD6B}" srcId="{6B81193F-96AA-9943-8135-970C27A0CD0B}" destId="{05C1BAB7-390A-7647-97C2-02C3151A955D}" srcOrd="0" destOrd="0" parTransId="{560BA062-AF97-C246-9F2B-3B0E4A8033EA}" sibTransId="{AED7A8F6-B494-2B4B-B053-2EFDCC681B4F}"/>
+    <dgm:cxn modelId="{0205E9B2-61DA-544C-BC0B-77A4A3D543D1}" type="presOf" srcId="{3EE22BE6-103D-9241-85CA-12C198839463}" destId="{EEABBCEA-368C-8543-A7C8-C9E931A81122}" srcOrd="0" destOrd="0" presId="urn:microsoft.com/office/officeart/2009/layout/CirclePictureHierarchy"/>
+    <dgm:cxn modelId="{775886C1-2F6B-FC41-804E-BCCB6F318BB2}" srcId="{8F2D46DA-0FC6-174C-AC98-B38E2ADADCA1}" destId="{3EE22BE6-103D-9241-85CA-12C198839463}" srcOrd="1" destOrd="0" parTransId="{3363CA27-E57F-3047-A0A1-072EE7C49BA8}" sibTransId="{C6ACDABB-E058-BD43-96C0-32DAE6F7748C}"/>
+    <dgm:cxn modelId="{80E8C7C3-5A31-2E4D-8E30-50FF0D4D5008}" type="presOf" srcId="{7F869B75-290C-6C45-8601-037F69869BC3}" destId="{872C7FD5-9EAD-7546-840D-4D3846C87869}" srcOrd="0" destOrd="0" presId="urn:microsoft.com/office/officeart/2009/layout/CirclePictureHierarchy"/>
+    <dgm:cxn modelId="{011146D4-AD66-314A-9C48-1ECA5AFE0B6B}" type="presOf" srcId="{05C1BAB7-390A-7647-97C2-02C3151A955D}" destId="{014A3506-BBB1-A048-A302-29BB43AC967B}" srcOrd="0" destOrd="0" presId="urn:microsoft.com/office/officeart/2009/layout/CirclePictureHierarchy"/>
+    <dgm:cxn modelId="{383B29D6-304C-1C43-AECE-FD54112A1795}" type="presOf" srcId="{3363CA27-E57F-3047-A0A1-072EE7C49BA8}" destId="{5D37D56A-1D02-E24E-92D9-3E4A75FD368C}" srcOrd="0" destOrd="0" presId="urn:microsoft.com/office/officeart/2009/layout/CirclePictureHierarchy"/>
+    <dgm:cxn modelId="{1C3FD0E0-8F58-C246-B162-F1636C43A658}" type="presOf" srcId="{8F2D46DA-0FC6-174C-AC98-B38E2ADADCA1}" destId="{1223A66A-466C-FC4E-92F1-B8DC6304E562}" srcOrd="0" destOrd="0" presId="urn:microsoft.com/office/officeart/2009/layout/CirclePictureHierarchy"/>
+    <dgm:cxn modelId="{467946E2-923B-EB4F-833A-9218E8632832}" type="presOf" srcId="{596FAA17-75D8-6445-8707-5E3C463E313F}" destId="{BED148AF-0F7C-6F43-B012-B841A4AAC7E9}" srcOrd="0" destOrd="0" presId="urn:microsoft.com/office/officeart/2009/layout/CirclePictureHierarchy"/>
+    <dgm:cxn modelId="{0BA13BFB-BC9F-624F-9383-44D06310F0E9}" type="presOf" srcId="{87396D24-DEAD-104B-8FC7-A8BA95E7FBEC}" destId="{EEDA369F-DEC7-0045-A31A-38ED9D960414}" srcOrd="0" destOrd="0" presId="urn:microsoft.com/office/officeart/2009/layout/CirclePictureHierarchy"/>
+    <dgm:cxn modelId="{1E1A8995-44A7-2F4E-A1AD-AC447F39070C}" type="presParOf" srcId="{DA0554BF-77B2-4F48-99E2-941092E05F6A}" destId="{76A3F2FE-2474-D443-816C-56391BF8B984}" srcOrd="0" destOrd="0" presId="urn:microsoft.com/office/officeart/2009/layout/CirclePictureHierarchy"/>
+    <dgm:cxn modelId="{17D31CC7-5C08-DE4D-96C5-1E38693C4EAC}" type="presParOf" srcId="{76A3F2FE-2474-D443-816C-56391BF8B984}" destId="{FA443F78-9674-C34C-BD2C-3B13EB4859AB}" srcOrd="0" destOrd="0" presId="urn:microsoft.com/office/officeart/2009/layout/CirclePictureHierarchy"/>
+    <dgm:cxn modelId="{C496BD24-A521-C94A-B726-B1B5915E1DE0}" type="presParOf" srcId="{FA443F78-9674-C34C-BD2C-3B13EB4859AB}" destId="{60646D68-A730-9B4C-86D3-9C63EAB130D0}" srcOrd="0" destOrd="0" presId="urn:microsoft.com/office/officeart/2009/layout/CirclePictureHierarchy"/>
+    <dgm:cxn modelId="{02DC443A-C6AF-9442-870B-8E22F8CFC0B3}" type="presParOf" srcId="{FA443F78-9674-C34C-BD2C-3B13EB4859AB}" destId="{1223A66A-466C-FC4E-92F1-B8DC6304E562}" srcOrd="1" destOrd="0" presId="urn:microsoft.com/office/officeart/2009/layout/CirclePictureHierarchy"/>
+    <dgm:cxn modelId="{05AEECFF-41E3-CA41-9388-0FDFB55A6DB5}" type="presParOf" srcId="{76A3F2FE-2474-D443-816C-56391BF8B984}" destId="{495FB703-E8FF-8C49-B7A2-4AE485A563E9}" srcOrd="1" destOrd="0" presId="urn:microsoft.com/office/officeart/2009/layout/CirclePictureHierarchy"/>
+    <dgm:cxn modelId="{3F7A0783-12A6-6C49-95B0-42224187AD12}" type="presParOf" srcId="{495FB703-E8FF-8C49-B7A2-4AE485A563E9}" destId="{BED148AF-0F7C-6F43-B012-B841A4AAC7E9}" srcOrd="0" destOrd="0" presId="urn:microsoft.com/office/officeart/2009/layout/CirclePictureHierarchy"/>
+    <dgm:cxn modelId="{22AAAF72-65B4-C243-B566-43EAA236F8E7}" type="presParOf" srcId="{495FB703-E8FF-8C49-B7A2-4AE485A563E9}" destId="{B59A9AC5-0E52-2343-A48D-2DB166F1F774}" srcOrd="1" destOrd="0" presId="urn:microsoft.com/office/officeart/2009/layout/CirclePictureHierarchy"/>
+    <dgm:cxn modelId="{C5AF386C-4CF8-4A43-8318-7A973405628D}" type="presParOf" srcId="{B59A9AC5-0E52-2343-A48D-2DB166F1F774}" destId="{3D4B9F9D-BA10-2447-8A9F-B8CD23D66CC7}" srcOrd="0" destOrd="0" presId="urn:microsoft.com/office/officeart/2009/layout/CirclePictureHierarchy"/>
+    <dgm:cxn modelId="{4BA83158-A8CB-0346-8BDD-1EB10390F593}" type="presParOf" srcId="{3D4B9F9D-BA10-2447-8A9F-B8CD23D66CC7}" destId="{DE7411CC-91DD-D943-92CB-C5F72B69107E}" srcOrd="0" destOrd="0" presId="urn:microsoft.com/office/officeart/2009/layout/CirclePictureHierarchy"/>
+    <dgm:cxn modelId="{59C44BEE-F44A-A442-8E39-2D197413A270}" type="presParOf" srcId="{3D4B9F9D-BA10-2447-8A9F-B8CD23D66CC7}" destId="{30139C23-B01D-1749-84C3-BBD5B8852380}" srcOrd="1" destOrd="0" presId="urn:microsoft.com/office/officeart/2009/layout/CirclePictureHierarchy"/>
+    <dgm:cxn modelId="{32205158-F5C5-E94B-85D1-FA3D04411DEE}" type="presParOf" srcId="{B59A9AC5-0E52-2343-A48D-2DB166F1F774}" destId="{FA0D04F0-721E-2641-882C-5C9488B0C8D6}" srcOrd="1" destOrd="0" presId="urn:microsoft.com/office/officeart/2009/layout/CirclePictureHierarchy"/>
+    <dgm:cxn modelId="{8FC55199-2C74-3F49-96C8-84EEFADF0B72}" type="presParOf" srcId="{FA0D04F0-721E-2641-882C-5C9488B0C8D6}" destId="{59661F2C-4667-2448-A5DE-C91B11E98764}" srcOrd="0" destOrd="0" presId="urn:microsoft.com/office/officeart/2009/layout/CirclePictureHierarchy"/>
+    <dgm:cxn modelId="{A0D8AA15-C61B-ED47-BCC6-7B9468E91F06}" type="presParOf" srcId="{FA0D04F0-721E-2641-882C-5C9488B0C8D6}" destId="{2094CB4B-41C3-144C-9BB3-B5BA1579B635}" srcOrd="1" destOrd="0" presId="urn:microsoft.com/office/officeart/2009/layout/CirclePictureHierarchy"/>
+    <dgm:cxn modelId="{0AE6087D-3562-C742-986C-9955E5CD2676}" type="presParOf" srcId="{2094CB4B-41C3-144C-9BB3-B5BA1579B635}" destId="{D95D06E6-35B5-4543-9F34-1A0FD41B9D8D}" srcOrd="0" destOrd="0" presId="urn:microsoft.com/office/officeart/2009/layout/CirclePictureHierarchy"/>
+    <dgm:cxn modelId="{7CCC0B9D-5223-E141-AE1F-DDE584C49CAE}" type="presParOf" srcId="{D95D06E6-35B5-4543-9F34-1A0FD41B9D8D}" destId="{9F7563A5-502F-2940-8464-2ECB90DF2CB1}" srcOrd="0" destOrd="0" presId="urn:microsoft.com/office/officeart/2009/layout/CirclePictureHierarchy"/>
+    <dgm:cxn modelId="{D10C92FC-49A3-BF41-83EB-1A62B8EF7A6B}" type="presParOf" srcId="{D95D06E6-35B5-4543-9F34-1A0FD41B9D8D}" destId="{014A3506-BBB1-A048-A302-29BB43AC967B}" srcOrd="1" destOrd="0" presId="urn:microsoft.com/office/officeart/2009/layout/CirclePictureHierarchy"/>
+    <dgm:cxn modelId="{DC5D47A3-D5A1-CC4C-80A1-7AB241252614}" type="presParOf" srcId="{2094CB4B-41C3-144C-9BB3-B5BA1579B635}" destId="{FCBCBCAB-7089-864B-96FD-D6FD21AD2507}" srcOrd="1" destOrd="0" presId="urn:microsoft.com/office/officeart/2009/layout/CirclePictureHierarchy"/>
+    <dgm:cxn modelId="{F2A4B54A-B03A-5841-934D-CC2F3EFD8D0E}" type="presParOf" srcId="{FA0D04F0-721E-2641-882C-5C9488B0C8D6}" destId="{73EDFB04-5158-114A-B553-5E26C7AA2B5C}" srcOrd="2" destOrd="0" presId="urn:microsoft.com/office/officeart/2009/layout/CirclePictureHierarchy"/>
+    <dgm:cxn modelId="{0275A121-13F7-844E-AD64-8D5E46EF5BB9}" type="presParOf" srcId="{FA0D04F0-721E-2641-882C-5C9488B0C8D6}" destId="{BE89A1DB-FCA7-7540-953A-CE713BEB2353}" srcOrd="3" destOrd="0" presId="urn:microsoft.com/office/officeart/2009/layout/CirclePictureHierarchy"/>
+    <dgm:cxn modelId="{FDC23EB2-90EF-D14F-9DEE-DC438C46586F}" type="presParOf" srcId="{BE89A1DB-FCA7-7540-953A-CE713BEB2353}" destId="{42F59BA9-E2A8-1A44-8BAA-FADFCF52EEAC}" srcOrd="0" destOrd="0" presId="urn:microsoft.com/office/officeart/2009/layout/CirclePictureHierarchy"/>
+    <dgm:cxn modelId="{2331E40C-71B7-8941-844C-DEE25CB5481E}" type="presParOf" srcId="{42F59BA9-E2A8-1A44-8BAA-FADFCF52EEAC}" destId="{3299D273-EDAA-1746-84C7-BC13E0A2F889}" srcOrd="0" destOrd="0" presId="urn:microsoft.com/office/officeart/2009/layout/CirclePictureHierarchy"/>
+    <dgm:cxn modelId="{6A9757E1-3E43-F64A-AAED-CE3D02AAAD6E}" type="presParOf" srcId="{42F59BA9-E2A8-1A44-8BAA-FADFCF52EEAC}" destId="{EEDA369F-DEC7-0045-A31A-38ED9D960414}" srcOrd="1" destOrd="0" presId="urn:microsoft.com/office/officeart/2009/layout/CirclePictureHierarchy"/>
+    <dgm:cxn modelId="{E80797CB-BDD5-3342-8E70-3A5553BB1FAA}" type="presParOf" srcId="{BE89A1DB-FCA7-7540-953A-CE713BEB2353}" destId="{25223748-3906-1945-8DA5-466B09B69BCA}" srcOrd="1" destOrd="0" presId="urn:microsoft.com/office/officeart/2009/layout/CirclePictureHierarchy"/>
+    <dgm:cxn modelId="{7D9A1416-A16B-D24A-95B9-165EE0D6A6B1}" type="presParOf" srcId="{FA0D04F0-721E-2641-882C-5C9488B0C8D6}" destId="{872C7FD5-9EAD-7546-840D-4D3846C87869}" srcOrd="4" destOrd="0" presId="urn:microsoft.com/office/officeart/2009/layout/CirclePictureHierarchy"/>
+    <dgm:cxn modelId="{725607A2-4BC7-434B-8DB8-F711FA79EACD}" type="presParOf" srcId="{FA0D04F0-721E-2641-882C-5C9488B0C8D6}" destId="{386EF3E9-6DD0-0F4B-B60E-0AB253094687}" srcOrd="5" destOrd="0" presId="urn:microsoft.com/office/officeart/2009/layout/CirclePictureHierarchy"/>
+    <dgm:cxn modelId="{754E93DA-891F-4640-B0E1-0E7F76C44425}" type="presParOf" srcId="{386EF3E9-6DD0-0F4B-B60E-0AB253094687}" destId="{1D85E8F3-F60F-8347-9C14-E312E5A2735A}" srcOrd="0" destOrd="0" presId="urn:microsoft.com/office/officeart/2009/layout/CirclePictureHierarchy"/>
+    <dgm:cxn modelId="{78434862-E9B6-E349-823A-EF83D3443DB8}" type="presParOf" srcId="{1D85E8F3-F60F-8347-9C14-E312E5A2735A}" destId="{E1E0CC5D-0BFF-9B45-AE9A-245A8E460CFA}" srcOrd="0" destOrd="0" presId="urn:microsoft.com/office/officeart/2009/layout/CirclePictureHierarchy"/>
+    <dgm:cxn modelId="{EEDCEC86-B83A-D945-868B-FC6677473575}" type="presParOf" srcId="{1D85E8F3-F60F-8347-9C14-E312E5A2735A}" destId="{54D9A862-EA27-E141-BDD1-8C489BBF391F}" srcOrd="1" destOrd="0" presId="urn:microsoft.com/office/officeart/2009/layout/CirclePictureHierarchy"/>
+    <dgm:cxn modelId="{24FA727B-A48A-C94E-B26F-1B7D3CE1242E}" type="presParOf" srcId="{386EF3E9-6DD0-0F4B-B60E-0AB253094687}" destId="{97AED22C-57D7-0B45-B152-D0D9B769D6C0}" srcOrd="1" destOrd="0" presId="urn:microsoft.com/office/officeart/2009/layout/CirclePictureHierarchy"/>
+    <dgm:cxn modelId="{FC29E13A-949C-F74C-B1A3-304FD625B92E}" type="presParOf" srcId="{FA0D04F0-721E-2641-882C-5C9488B0C8D6}" destId="{4BF41183-529A-6649-AD79-5B56DE005484}" srcOrd="6" destOrd="0" presId="urn:microsoft.com/office/officeart/2009/layout/CirclePictureHierarchy"/>
+    <dgm:cxn modelId="{7A147485-D679-6046-91B7-97E4B7C6AD48}" type="presParOf" srcId="{FA0D04F0-721E-2641-882C-5C9488B0C8D6}" destId="{C36A5A04-BE75-C944-8846-A177A0D87659}" srcOrd="7" destOrd="0" presId="urn:microsoft.com/office/officeart/2009/layout/CirclePictureHierarchy"/>
+    <dgm:cxn modelId="{1A5C27B5-7A43-6940-9405-2E800C76D0C3}" type="presParOf" srcId="{C36A5A04-BE75-C944-8846-A177A0D87659}" destId="{13D4AC90-58C5-8543-A7AA-19E990094143}" srcOrd="0" destOrd="0" presId="urn:microsoft.com/office/officeart/2009/layout/CirclePictureHierarchy"/>
+    <dgm:cxn modelId="{2ED4430A-F4A6-5040-AD2D-0769620654B5}" type="presParOf" srcId="{13D4AC90-58C5-8543-A7AA-19E990094143}" destId="{C507DD22-1A6C-F24E-841A-FA4555AF5790}" srcOrd="0" destOrd="0" presId="urn:microsoft.com/office/officeart/2009/layout/CirclePictureHierarchy"/>
+    <dgm:cxn modelId="{C9184D98-68DE-8B4A-9313-6FC465C01E31}" type="presParOf" srcId="{13D4AC90-58C5-8543-A7AA-19E990094143}" destId="{84124288-E0F8-A54B-ADD8-7CE9C5751AFE}" srcOrd="1" destOrd="0" presId="urn:microsoft.com/office/officeart/2009/layout/CirclePictureHierarchy"/>
+    <dgm:cxn modelId="{28C371FD-54DF-224D-ACD5-4D8D3C81BDD0}" type="presParOf" srcId="{C36A5A04-BE75-C944-8846-A177A0D87659}" destId="{0838F2BC-787F-144E-9FE2-9136B9BDCC22}" srcOrd="1" destOrd="0" presId="urn:microsoft.com/office/officeart/2009/layout/CirclePictureHierarchy"/>
+    <dgm:cxn modelId="{4E7367A3-3A53-7A4A-8D1D-9F56F875C3FF}" type="presParOf" srcId="{495FB703-E8FF-8C49-B7A2-4AE485A563E9}" destId="{5D37D56A-1D02-E24E-92D9-3E4A75FD368C}" srcOrd="2" destOrd="0" presId="urn:microsoft.com/office/officeart/2009/layout/CirclePictureHierarchy"/>
+    <dgm:cxn modelId="{D7E1CF8A-5E11-894C-B755-9F988FA3B7F2}" type="presParOf" srcId="{495FB703-E8FF-8C49-B7A2-4AE485A563E9}" destId="{0555F663-37B0-0841-93A2-38DF90B48428}" srcOrd="3" destOrd="0" presId="urn:microsoft.com/office/officeart/2009/layout/CirclePictureHierarchy"/>
+    <dgm:cxn modelId="{0B310F03-5DC3-8D48-9D0E-82286CBF81C0}" type="presParOf" srcId="{0555F663-37B0-0841-93A2-38DF90B48428}" destId="{3832177D-6563-E245-942E-7BB0A79B2A0C}" srcOrd="0" destOrd="0" presId="urn:microsoft.com/office/officeart/2009/layout/CirclePictureHierarchy"/>
+    <dgm:cxn modelId="{8875C28C-15D6-3349-8DB9-1626A2C2737C}" type="presParOf" srcId="{3832177D-6563-E245-942E-7BB0A79B2A0C}" destId="{89DE8A3C-2411-3E46-B76F-FCB538F88727}" srcOrd="0" destOrd="0" presId="urn:microsoft.com/office/officeart/2009/layout/CirclePictureHierarchy"/>
+    <dgm:cxn modelId="{8F29AD88-9370-2843-B698-384808AE76FD}" type="presParOf" srcId="{3832177D-6563-E245-942E-7BB0A79B2A0C}" destId="{EEABBCEA-368C-8543-A7C8-C9E931A81122}" srcOrd="1" destOrd="0" presId="urn:microsoft.com/office/officeart/2009/layout/CirclePictureHierarchy"/>
+    <dgm:cxn modelId="{CA05FEFB-627D-A74C-8AF1-FF12FD5BBDB6}" type="presParOf" srcId="{0555F663-37B0-0841-93A2-38DF90B48428}" destId="{96DFB4F0-F8F6-A544-B1EC-81E30B7FFE9C}" srcOrd="1" destOrd="0" presId="urn:microsoft.com/office/officeart/2009/layout/CirclePictureHierarchy"/>
+    <dgm:cxn modelId="{A402A906-8C5A-7F46-9821-3E4A6E578E49}" type="presParOf" srcId="{96DFB4F0-F8F6-A544-B1EC-81E30B7FFE9C}" destId="{42B54200-7148-8142-AC4A-E397E4734F7F}" srcOrd="0" destOrd="0" presId="urn:microsoft.com/office/officeart/2009/layout/CirclePictureHierarchy"/>
+    <dgm:cxn modelId="{5BE9791B-01CA-5040-9C3C-2F85D6372675}" type="presParOf" srcId="{96DFB4F0-F8F6-A544-B1EC-81E30B7FFE9C}" destId="{BC51DBDB-4E3D-BB44-8165-9162A635E364}" srcOrd="1" destOrd="0" presId="urn:microsoft.com/office/officeart/2009/layout/CirclePictureHierarchy"/>
+    <dgm:cxn modelId="{5DC22775-07F5-304C-A991-2FEC5023C1E6}" type="presParOf" srcId="{BC51DBDB-4E3D-BB44-8165-9162A635E364}" destId="{176F78A9-D127-A04F-8BAE-C0E3EC1458F6}" srcOrd="0" destOrd="0" presId="urn:microsoft.com/office/officeart/2009/layout/CirclePictureHierarchy"/>
+    <dgm:cxn modelId="{E1350E03-6925-2D46-B062-656B68AAF051}" type="presParOf" srcId="{176F78A9-D127-A04F-8BAE-C0E3EC1458F6}" destId="{2A2C2080-4616-3442-B772-861362506C9A}" srcOrd="0" destOrd="0" presId="urn:microsoft.com/office/officeart/2009/layout/CirclePictureHierarchy"/>
+    <dgm:cxn modelId="{424725F3-CA5A-6648-81C5-27EC089CF0A7}" type="presParOf" srcId="{176F78A9-D127-A04F-8BAE-C0E3EC1458F6}" destId="{40807DB4-AB54-934B-A4BB-15FE077D8CE3}" srcOrd="1" destOrd="0" presId="urn:microsoft.com/office/officeart/2009/layout/CirclePictureHierarchy"/>
+    <dgm:cxn modelId="{63E91B7E-6F9F-C749-AB9F-9734AF4F6010}" type="presParOf" srcId="{BC51DBDB-4E3D-BB44-8165-9162A635E364}" destId="{0109210E-0066-D24A-8DAF-73B91280BDD4}" srcOrd="1" destOrd="0" presId="urn:microsoft.com/office/officeart/2009/layout/CirclePictureHierarchy"/>
+  </dgm:cxnLst>
+  <dgm:bg/>
+  <dgm:whole/>
+  <dgm:extLst>
+    <a:ext uri="http://schemas.microsoft.com/office/drawing/2008/diagram">
+      <dsp:dataModelExt xmlns:dsp="http://schemas.microsoft.com/office/drawing/2008/diagram" relId="rId7" minVer="http://schemas.openxmlformats.org/drawingml/2006/diagram"/>
+    </a:ext>
+  </dgm:extLst>
+</dgm:dataModel>
+</file>
+
+<file path=ppt/diagrams/drawing1.xml><?xml version="1.0" encoding="utf-8"?>
+<dsp:drawing xmlns:dgm="http://schemas.openxmlformats.org/drawingml/2006/diagram" xmlns:dsp="http://schemas.microsoft.com/office/drawing/2008/diagram" xmlns:a="http://schemas.openxmlformats.org/drawingml/2006/main">
+  <dsp:spTree>
+    <dsp:nvGrpSpPr>
+      <dsp:cNvPr id="0" name=""/>
+      <dsp:cNvGrpSpPr/>
+    </dsp:nvGrpSpPr>
+    <dsp:grpSpPr/>
+    <dsp:sp modelId="{42B54200-7148-8142-AC4A-E397E4734F7F}">
+      <dsp:nvSpPr>
+        <dsp:cNvPr id="0" name=""/>
+        <dsp:cNvSpPr/>
+      </dsp:nvSpPr>
+      <dsp:spPr>
+        <a:xfrm>
+          <a:off x="5794630" y="5452102"/>
+          <a:ext cx="91440" cy="159910"/>
+        </a:xfrm>
+        <a:custGeom>
+          <a:avLst/>
+          <a:gdLst/>
+          <a:ahLst/>
+          <a:cxnLst/>
+          <a:rect l="0" t="0" r="0" b="0"/>
+          <a:pathLst>
+            <a:path>
+              <a:moveTo>
+                <a:pt x="45720" y="0"/>
+              </a:moveTo>
+              <a:lnTo>
+                <a:pt x="45720" y="159910"/>
+              </a:lnTo>
+            </a:path>
+          </a:pathLst>
+        </a:custGeom>
+        <a:noFill/>
+        <a:ln w="12700" cap="flat" cmpd="sng" algn="ctr">
+          <a:solidFill>
+            <a:schemeClr val="accent1">
+              <a:shade val="80000"/>
+              <a:hueOff val="0"/>
+              <a:satOff val="0"/>
+              <a:lumOff val="0"/>
+              <a:alphaOff val="0"/>
+            </a:schemeClr>
+          </a:solidFill>
+          <a:prstDash val="solid"/>
+          <a:miter lim="800000"/>
+        </a:ln>
+        <a:effectLst/>
+      </dsp:spPr>
+      <dsp:style>
+        <a:lnRef idx="2">
+          <a:scrgbClr r="0" g="0" b="0"/>
+        </a:lnRef>
+        <a:fillRef idx="0">
+          <a:scrgbClr r="0" g="0" b="0"/>
+        </a:fillRef>
+        <a:effectRef idx="0">
+          <a:scrgbClr r="0" g="0" b="0"/>
+        </a:effectRef>
+        <a:fontRef idx="minor"/>
+      </dsp:style>
+    </dsp:sp>
+    <dsp:sp modelId="{5D37D56A-1D02-E24E-92D9-3E4A75FD368C}">
+      <dsp:nvSpPr>
+        <dsp:cNvPr id="0" name=""/>
+        <dsp:cNvSpPr/>
+      </dsp:nvSpPr>
+      <dsp:spPr>
+        <a:xfrm>
+          <a:off x="4095294" y="4784539"/>
+          <a:ext cx="1745056" cy="159910"/>
+        </a:xfrm>
+        <a:custGeom>
+          <a:avLst/>
+          <a:gdLst/>
+          <a:ahLst/>
+          <a:cxnLst/>
+          <a:rect l="0" t="0" r="0" b="0"/>
+          <a:pathLst>
+            <a:path>
+              <a:moveTo>
+                <a:pt x="0" y="0"/>
+              </a:moveTo>
+              <a:lnTo>
+                <a:pt x="0" y="80589"/>
+              </a:lnTo>
+              <a:lnTo>
+                <a:pt x="1745056" y="80589"/>
+              </a:lnTo>
+              <a:lnTo>
+                <a:pt x="1745056" y="159910"/>
+              </a:lnTo>
+            </a:path>
+          </a:pathLst>
+        </a:custGeom>
+        <a:noFill/>
+        <a:ln w="12700" cap="flat" cmpd="sng" algn="ctr">
+          <a:solidFill>
+            <a:schemeClr val="accent1">
+              <a:shade val="60000"/>
+              <a:hueOff val="0"/>
+              <a:satOff val="0"/>
+              <a:lumOff val="0"/>
+              <a:alphaOff val="0"/>
+            </a:schemeClr>
+          </a:solidFill>
+          <a:prstDash val="solid"/>
+          <a:miter lim="800000"/>
+        </a:ln>
+        <a:effectLst/>
+      </dsp:spPr>
+      <dsp:style>
+        <a:lnRef idx="2">
+          <a:scrgbClr r="0" g="0" b="0"/>
+        </a:lnRef>
+        <a:fillRef idx="0">
+          <a:scrgbClr r="0" g="0" b="0"/>
+        </a:fillRef>
+        <a:effectRef idx="0">
+          <a:scrgbClr r="0" g="0" b="0"/>
+        </a:effectRef>
+        <a:fontRef idx="minor"/>
+      </dsp:style>
+    </dsp:sp>
+    <dsp:sp modelId="{4BF41183-529A-6649-AD79-5B56DE005484}">
+      <dsp:nvSpPr>
+        <dsp:cNvPr id="0" name=""/>
+        <dsp:cNvSpPr/>
+      </dsp:nvSpPr>
+      <dsp:spPr>
+        <a:xfrm>
+          <a:off x="2350237" y="5452102"/>
+          <a:ext cx="2094067" cy="159910"/>
+        </a:xfrm>
+        <a:custGeom>
+          <a:avLst/>
+          <a:gdLst/>
+          <a:ahLst/>
+          <a:cxnLst/>
+          <a:rect l="0" t="0" r="0" b="0"/>
+          <a:pathLst>
+            <a:path>
+              <a:moveTo>
+                <a:pt x="0" y="0"/>
+              </a:moveTo>
+              <a:lnTo>
+                <a:pt x="0" y="80589"/>
+              </a:lnTo>
+              <a:lnTo>
+                <a:pt x="2094067" y="80589"/>
+              </a:lnTo>
+              <a:lnTo>
+                <a:pt x="2094067" y="159910"/>
+              </a:lnTo>
+            </a:path>
+          </a:pathLst>
+        </a:custGeom>
+        <a:noFill/>
+        <a:ln w="12700" cap="flat" cmpd="sng" algn="ctr">
+          <a:solidFill>
+            <a:schemeClr val="accent1">
+              <a:shade val="80000"/>
+              <a:hueOff val="0"/>
+              <a:satOff val="0"/>
+              <a:lumOff val="0"/>
+              <a:alphaOff val="0"/>
+            </a:schemeClr>
+          </a:solidFill>
+          <a:prstDash val="solid"/>
+          <a:miter lim="800000"/>
+        </a:ln>
+        <a:effectLst/>
+      </dsp:spPr>
+      <dsp:style>
+        <a:lnRef idx="2">
+          <a:scrgbClr r="0" g="0" b="0"/>
+        </a:lnRef>
+        <a:fillRef idx="0">
+          <a:scrgbClr r="0" g="0" b="0"/>
+        </a:fillRef>
+        <a:effectRef idx="0">
+          <a:scrgbClr r="0" g="0" b="0"/>
+        </a:effectRef>
+        <a:fontRef idx="minor"/>
+      </dsp:style>
+    </dsp:sp>
+    <dsp:sp modelId="{872C7FD5-9EAD-7546-840D-4D3846C87869}">
+      <dsp:nvSpPr>
+        <dsp:cNvPr id="0" name=""/>
+        <dsp:cNvSpPr/>
+      </dsp:nvSpPr>
+      <dsp:spPr>
+        <a:xfrm>
+          <a:off x="2350237" y="5452102"/>
+          <a:ext cx="698022" cy="159910"/>
+        </a:xfrm>
+        <a:custGeom>
+          <a:avLst/>
+          <a:gdLst/>
+          <a:ahLst/>
+          <a:cxnLst/>
+          <a:rect l="0" t="0" r="0" b="0"/>
+          <a:pathLst>
+            <a:path>
+              <a:moveTo>
+                <a:pt x="0" y="0"/>
+              </a:moveTo>
+              <a:lnTo>
+                <a:pt x="0" y="80589"/>
+              </a:lnTo>
+              <a:lnTo>
+                <a:pt x="698022" y="80589"/>
+              </a:lnTo>
+              <a:lnTo>
+                <a:pt x="698022" y="159910"/>
+              </a:lnTo>
+            </a:path>
+          </a:pathLst>
+        </a:custGeom>
+        <a:noFill/>
+        <a:ln w="12700" cap="flat" cmpd="sng" algn="ctr">
+          <a:solidFill>
+            <a:schemeClr val="accent1">
+              <a:shade val="80000"/>
+              <a:hueOff val="0"/>
+              <a:satOff val="0"/>
+              <a:lumOff val="0"/>
+              <a:alphaOff val="0"/>
+            </a:schemeClr>
+          </a:solidFill>
+          <a:prstDash val="solid"/>
+          <a:miter lim="800000"/>
+        </a:ln>
+        <a:effectLst/>
+      </dsp:spPr>
+      <dsp:style>
+        <a:lnRef idx="2">
+          <a:scrgbClr r="0" g="0" b="0"/>
+        </a:lnRef>
+        <a:fillRef idx="0">
+          <a:scrgbClr r="0" g="0" b="0"/>
+        </a:fillRef>
+        <a:effectRef idx="0">
+          <a:scrgbClr r="0" g="0" b="0"/>
+        </a:effectRef>
+        <a:fontRef idx="minor"/>
+      </dsp:style>
+    </dsp:sp>
+    <dsp:sp modelId="{73EDFB04-5158-114A-B553-5E26C7AA2B5C}">
+      <dsp:nvSpPr>
+        <dsp:cNvPr id="0" name=""/>
+        <dsp:cNvSpPr/>
+      </dsp:nvSpPr>
+      <dsp:spPr>
+        <a:xfrm>
+          <a:off x="1652215" y="5452102"/>
+          <a:ext cx="698022" cy="159910"/>
+        </a:xfrm>
+        <a:custGeom>
+          <a:avLst/>
+          <a:gdLst/>
+          <a:ahLst/>
+          <a:cxnLst/>
+          <a:rect l="0" t="0" r="0" b="0"/>
+          <a:pathLst>
+            <a:path>
+              <a:moveTo>
+                <a:pt x="698022" y="0"/>
+              </a:moveTo>
+              <a:lnTo>
+                <a:pt x="698022" y="80589"/>
+              </a:lnTo>
+              <a:lnTo>
+                <a:pt x="0" y="80589"/>
+              </a:lnTo>
+              <a:lnTo>
+                <a:pt x="0" y="159910"/>
+              </a:lnTo>
+            </a:path>
+          </a:pathLst>
+        </a:custGeom>
+        <a:noFill/>
+        <a:ln w="12700" cap="flat" cmpd="sng" algn="ctr">
+          <a:solidFill>
+            <a:schemeClr val="accent1">
+              <a:shade val="80000"/>
+              <a:hueOff val="0"/>
+              <a:satOff val="0"/>
+              <a:lumOff val="0"/>
+              <a:alphaOff val="0"/>
+            </a:schemeClr>
+          </a:solidFill>
+          <a:prstDash val="solid"/>
+          <a:miter lim="800000"/>
+        </a:ln>
+        <a:effectLst/>
+      </dsp:spPr>
+      <dsp:style>
+        <a:lnRef idx="2">
+          <a:scrgbClr r="0" g="0" b="0"/>
+        </a:lnRef>
+        <a:fillRef idx="0">
+          <a:scrgbClr r="0" g="0" b="0"/>
+        </a:fillRef>
+        <a:effectRef idx="0">
+          <a:scrgbClr r="0" g="0" b="0"/>
+        </a:effectRef>
+        <a:fontRef idx="minor"/>
+      </dsp:style>
+    </dsp:sp>
+    <dsp:sp modelId="{59661F2C-4667-2448-A5DE-C91B11E98764}">
+      <dsp:nvSpPr>
+        <dsp:cNvPr id="0" name=""/>
+        <dsp:cNvSpPr/>
+      </dsp:nvSpPr>
+      <dsp:spPr>
+        <a:xfrm>
+          <a:off x="256170" y="5452102"/>
+          <a:ext cx="2094067" cy="159910"/>
+        </a:xfrm>
+        <a:custGeom>
+          <a:avLst/>
+          <a:gdLst/>
+          <a:ahLst/>
+          <a:cxnLst/>
+          <a:rect l="0" t="0" r="0" b="0"/>
+          <a:pathLst>
+            <a:path>
+              <a:moveTo>
+                <a:pt x="2094067" y="0"/>
+              </a:moveTo>
+              <a:lnTo>
+                <a:pt x="2094067" y="80589"/>
+              </a:lnTo>
+              <a:lnTo>
+                <a:pt x="0" y="80589"/>
+              </a:lnTo>
+              <a:lnTo>
+                <a:pt x="0" y="159910"/>
+              </a:lnTo>
+            </a:path>
+          </a:pathLst>
+        </a:custGeom>
+        <a:noFill/>
+        <a:ln w="12700" cap="flat" cmpd="sng" algn="ctr">
+          <a:solidFill>
+            <a:schemeClr val="accent1">
+              <a:shade val="80000"/>
+              <a:hueOff val="0"/>
+              <a:satOff val="0"/>
+              <a:lumOff val="0"/>
+              <a:alphaOff val="0"/>
+            </a:schemeClr>
+          </a:solidFill>
+          <a:prstDash val="solid"/>
+          <a:miter lim="800000"/>
+        </a:ln>
+        <a:effectLst/>
+      </dsp:spPr>
+      <dsp:style>
+        <a:lnRef idx="2">
+          <a:scrgbClr r="0" g="0" b="0"/>
+        </a:lnRef>
+        <a:fillRef idx="0">
+          <a:scrgbClr r="0" g="0" b="0"/>
+        </a:fillRef>
+        <a:effectRef idx="0">
+          <a:scrgbClr r="0" g="0" b="0"/>
+        </a:effectRef>
+        <a:fontRef idx="minor"/>
+      </dsp:style>
+    </dsp:sp>
+    <dsp:sp modelId="{BED148AF-0F7C-6F43-B012-B841A4AAC7E9}">
+      <dsp:nvSpPr>
+        <dsp:cNvPr id="0" name=""/>
+        <dsp:cNvSpPr/>
+      </dsp:nvSpPr>
+      <dsp:spPr>
+        <a:xfrm>
+          <a:off x="2350237" y="4784539"/>
+          <a:ext cx="1745056" cy="159910"/>
+        </a:xfrm>
+        <a:custGeom>
+          <a:avLst/>
+          <a:gdLst/>
+          <a:ahLst/>
+          <a:cxnLst/>
+          <a:rect l="0" t="0" r="0" b="0"/>
+          <a:pathLst>
+            <a:path>
+              <a:moveTo>
+                <a:pt x="1745056" y="0"/>
+              </a:moveTo>
+              <a:lnTo>
+                <a:pt x="1745056" y="80589"/>
+              </a:lnTo>
+              <a:lnTo>
+                <a:pt x="0" y="80589"/>
+              </a:lnTo>
+              <a:lnTo>
+                <a:pt x="0" y="159910"/>
+              </a:lnTo>
+            </a:path>
+          </a:pathLst>
+        </a:custGeom>
+        <a:noFill/>
+        <a:ln w="12700" cap="flat" cmpd="sng" algn="ctr">
+          <a:solidFill>
+            <a:schemeClr val="accent1">
+              <a:shade val="60000"/>
+              <a:hueOff val="0"/>
+              <a:satOff val="0"/>
+              <a:lumOff val="0"/>
+              <a:alphaOff val="0"/>
+            </a:schemeClr>
+          </a:solidFill>
+          <a:prstDash val="solid"/>
+          <a:miter lim="800000"/>
+        </a:ln>
+        <a:effectLst/>
+      </dsp:spPr>
+      <dsp:style>
+        <a:lnRef idx="2">
+          <a:scrgbClr r="0" g="0" b="0"/>
+        </a:lnRef>
+        <a:fillRef idx="0">
+          <a:scrgbClr r="0" g="0" b="0"/>
+        </a:fillRef>
+        <a:effectRef idx="0">
+          <a:scrgbClr r="0" g="0" b="0"/>
+        </a:effectRef>
+        <a:fontRef idx="minor"/>
+      </dsp:style>
+    </dsp:sp>
+    <dsp:sp modelId="{60646D68-A730-9B4C-86D3-9C63EAB130D0}">
+      <dsp:nvSpPr>
+        <dsp:cNvPr id="0" name=""/>
+        <dsp:cNvSpPr/>
+      </dsp:nvSpPr>
+      <dsp:spPr>
+        <a:xfrm>
+          <a:off x="3841467" y="4276886"/>
+          <a:ext cx="507652" cy="507652"/>
+        </a:xfrm>
+        <a:prstGeom prst="ellipse">
+          <a:avLst/>
+        </a:prstGeom>
+        <a:solidFill>
+          <a:schemeClr val="accent1">
+            <a:hueOff val="0"/>
+            <a:satOff val="0"/>
+            <a:lumOff val="0"/>
+            <a:alphaOff val="0"/>
+          </a:schemeClr>
+        </a:solidFill>
+        <a:ln w="12700" cap="flat" cmpd="sng" algn="ctr">
+          <a:solidFill>
+            <a:schemeClr val="lt1">
+              <a:hueOff val="0"/>
+              <a:satOff val="0"/>
+              <a:lumOff val="0"/>
+              <a:alphaOff val="0"/>
+            </a:schemeClr>
+          </a:solidFill>
+          <a:prstDash val="solid"/>
+          <a:miter lim="800000"/>
+        </a:ln>
+        <a:effectLst/>
+      </dsp:spPr>
+      <dsp:style>
+        <a:lnRef idx="2">
+          <a:scrgbClr r="0" g="0" b="0"/>
+        </a:lnRef>
+        <a:fillRef idx="1">
+          <a:scrgbClr r="0" g="0" b="0"/>
+        </a:fillRef>
+        <a:effectRef idx="0">
+          <a:scrgbClr r="0" g="0" b="0"/>
+        </a:effectRef>
+        <a:fontRef idx="minor">
+          <a:schemeClr val="lt1"/>
+        </a:fontRef>
+      </dsp:style>
+    </dsp:sp>
+    <dsp:sp modelId="{1223A66A-466C-FC4E-92F1-B8DC6304E562}">
+      <dsp:nvSpPr>
+        <dsp:cNvPr id="0" name=""/>
+        <dsp:cNvSpPr/>
+      </dsp:nvSpPr>
+      <dsp:spPr>
+        <a:xfrm>
+          <a:off x="4349120" y="4275617"/>
+          <a:ext cx="761479" cy="507652"/>
+        </a:xfrm>
+        <a:prstGeom prst="rect">
+          <a:avLst/>
+        </a:prstGeom>
+        <a:noFill/>
+        <a:ln>
+          <a:noFill/>
+        </a:ln>
+        <a:effectLst/>
+      </dsp:spPr>
+      <dsp:style>
+        <a:lnRef idx="0">
+          <a:scrgbClr r="0" g="0" b="0"/>
+        </a:lnRef>
+        <a:fillRef idx="0">
+          <a:scrgbClr r="0" g="0" b="0"/>
+        </a:fillRef>
+        <a:effectRef idx="0">
+          <a:scrgbClr r="0" g="0" b="0"/>
+        </a:effectRef>
+        <a:fontRef idx="minor"/>
+      </dsp:style>
+      <dsp:txBody>
+        <a:bodyPr spcFirstLastPara="0" vert="horz" wrap="square" lIns="76200" tIns="76200" rIns="76200" bIns="76200" numCol="1" spcCol="1270" anchor="ctr" anchorCtr="0">
+          <a:noAutofit/>
+        </a:bodyPr>
+        <a:lstStyle/>
+        <a:p>
+          <a:pPr marL="0" lvl="0" indent="0" algn="l" defTabSz="889000">
+            <a:lnSpc>
+              <a:spcPct val="90000"/>
+            </a:lnSpc>
+            <a:spcBef>
+              <a:spcPct val="0"/>
+            </a:spcBef>
+            <a:spcAft>
+              <a:spcPct val="35000"/>
+            </a:spcAft>
+            <a:buNone/>
+          </a:pPr>
+          <a:endParaRPr lang="en-US" sz="2000" kern="1200"/>
+        </a:p>
+      </dsp:txBody>
+      <dsp:txXfrm>
+        <a:off x="4349120" y="4275617"/>
+        <a:ext cx="761479" cy="507652"/>
+      </dsp:txXfrm>
+    </dsp:sp>
+    <dsp:sp modelId="{DE7411CC-91DD-D943-92CB-C5F72B69107E}">
+      <dsp:nvSpPr>
+        <dsp:cNvPr id="0" name=""/>
+        <dsp:cNvSpPr/>
+      </dsp:nvSpPr>
+      <dsp:spPr>
+        <a:xfrm>
+          <a:off x="2096411" y="4944450"/>
+          <a:ext cx="507652" cy="507652"/>
+        </a:xfrm>
+        <a:prstGeom prst="ellipse">
+          <a:avLst/>
+        </a:prstGeom>
+        <a:solidFill>
+          <a:schemeClr val="accent1">
+            <a:hueOff val="0"/>
+            <a:satOff val="0"/>
+            <a:lumOff val="0"/>
+            <a:alphaOff val="0"/>
+          </a:schemeClr>
+        </a:solidFill>
+        <a:ln w="12700" cap="flat" cmpd="sng" algn="ctr">
+          <a:solidFill>
+            <a:schemeClr val="lt1">
+              <a:hueOff val="0"/>
+              <a:satOff val="0"/>
+              <a:lumOff val="0"/>
+              <a:alphaOff val="0"/>
+            </a:schemeClr>
+          </a:solidFill>
+          <a:prstDash val="solid"/>
+          <a:miter lim="800000"/>
+        </a:ln>
+        <a:effectLst/>
+      </dsp:spPr>
+      <dsp:style>
+        <a:lnRef idx="2">
+          <a:scrgbClr r="0" g="0" b="0"/>
+        </a:lnRef>
+        <a:fillRef idx="1">
+          <a:scrgbClr r="0" g="0" b="0"/>
+        </a:fillRef>
+        <a:effectRef idx="0">
+          <a:scrgbClr r="0" g="0" b="0"/>
+        </a:effectRef>
+        <a:fontRef idx="minor">
+          <a:schemeClr val="lt1"/>
+        </a:fontRef>
+      </dsp:style>
+    </dsp:sp>
+    <dsp:sp modelId="{30139C23-B01D-1749-84C3-BBD5B8852380}">
+      <dsp:nvSpPr>
+        <dsp:cNvPr id="0" name=""/>
+        <dsp:cNvSpPr/>
+      </dsp:nvSpPr>
+      <dsp:spPr>
+        <a:xfrm>
+          <a:off x="2604064" y="4943181"/>
+          <a:ext cx="761479" cy="507652"/>
+        </a:xfrm>
+        <a:prstGeom prst="rect">
+          <a:avLst/>
+        </a:prstGeom>
+        <a:noFill/>
+        <a:ln>
+          <a:noFill/>
+        </a:ln>
+        <a:effectLst/>
+      </dsp:spPr>
+      <dsp:style>
+        <a:lnRef idx="0">
+          <a:scrgbClr r="0" g="0" b="0"/>
+        </a:lnRef>
+        <a:fillRef idx="0">
+          <a:scrgbClr r="0" g="0" b="0"/>
+        </a:fillRef>
+        <a:effectRef idx="0">
+          <a:scrgbClr r="0" g="0" b="0"/>
+        </a:effectRef>
+        <a:fontRef idx="minor"/>
+      </dsp:style>
+      <dsp:txBody>
+        <a:bodyPr spcFirstLastPara="0" vert="horz" wrap="square" lIns="76200" tIns="76200" rIns="76200" bIns="76200" numCol="1" spcCol="1270" anchor="ctr" anchorCtr="0">
+          <a:noAutofit/>
+        </a:bodyPr>
+        <a:lstStyle/>
+        <a:p>
+          <a:pPr marL="0" lvl="0" indent="0" algn="l" defTabSz="889000">
+            <a:lnSpc>
+              <a:spcPct val="90000"/>
+            </a:lnSpc>
+            <a:spcBef>
+              <a:spcPct val="0"/>
+            </a:spcBef>
+            <a:spcAft>
+              <a:spcPct val="35000"/>
+            </a:spcAft>
+            <a:buNone/>
+          </a:pPr>
+          <a:endParaRPr lang="en-US" sz="2000" kern="1200"/>
+        </a:p>
+      </dsp:txBody>
+      <dsp:txXfrm>
+        <a:off x="2604064" y="4943181"/>
+        <a:ext cx="761479" cy="507652"/>
+      </dsp:txXfrm>
+    </dsp:sp>
+    <dsp:sp modelId="{9F7563A5-502F-2940-8464-2ECB90DF2CB1}">
+      <dsp:nvSpPr>
+        <dsp:cNvPr id="0" name=""/>
+        <dsp:cNvSpPr/>
+      </dsp:nvSpPr>
+      <dsp:spPr>
+        <a:xfrm>
+          <a:off x="2344" y="5612013"/>
+          <a:ext cx="507652" cy="507652"/>
+        </a:xfrm>
+        <a:prstGeom prst="ellipse">
+          <a:avLst/>
+        </a:prstGeom>
+        <a:solidFill>
+          <a:schemeClr val="accent1">
+            <a:hueOff val="0"/>
+            <a:satOff val="0"/>
+            <a:lumOff val="0"/>
+            <a:alphaOff val="0"/>
+          </a:schemeClr>
+        </a:solidFill>
+        <a:ln w="12700" cap="flat" cmpd="sng" algn="ctr">
+          <a:solidFill>
+            <a:schemeClr val="lt1">
+              <a:hueOff val="0"/>
+              <a:satOff val="0"/>
+              <a:lumOff val="0"/>
+              <a:alphaOff val="0"/>
+            </a:schemeClr>
+          </a:solidFill>
+          <a:prstDash val="solid"/>
+          <a:miter lim="800000"/>
+        </a:ln>
+        <a:effectLst/>
+      </dsp:spPr>
+      <dsp:style>
+        <a:lnRef idx="2">
+          <a:scrgbClr r="0" g="0" b="0"/>
+        </a:lnRef>
+        <a:fillRef idx="1">
+          <a:scrgbClr r="0" g="0" b="0"/>
+        </a:fillRef>
+        <a:effectRef idx="0">
+          <a:scrgbClr r="0" g="0" b="0"/>
+        </a:effectRef>
+        <a:fontRef idx="minor">
+          <a:schemeClr val="lt1"/>
+        </a:fontRef>
+      </dsp:style>
+    </dsp:sp>
+    <dsp:sp modelId="{014A3506-BBB1-A048-A302-29BB43AC967B}">
+      <dsp:nvSpPr>
+        <dsp:cNvPr id="0" name=""/>
+        <dsp:cNvSpPr/>
+      </dsp:nvSpPr>
+      <dsp:spPr>
+        <a:xfrm>
+          <a:off x="509996" y="5610744"/>
+          <a:ext cx="761479" cy="507652"/>
+        </a:xfrm>
+        <a:prstGeom prst="rect">
+          <a:avLst/>
+        </a:prstGeom>
+        <a:noFill/>
+        <a:ln>
+          <a:noFill/>
+        </a:ln>
+        <a:effectLst/>
+      </dsp:spPr>
+      <dsp:style>
+        <a:lnRef idx="0">
+          <a:scrgbClr r="0" g="0" b="0"/>
+        </a:lnRef>
+        <a:fillRef idx="0">
+          <a:scrgbClr r="0" g="0" b="0"/>
+        </a:fillRef>
+        <a:effectRef idx="0">
+          <a:scrgbClr r="0" g="0" b="0"/>
+        </a:effectRef>
+        <a:fontRef idx="minor"/>
+      </dsp:style>
+      <dsp:txBody>
+        <a:bodyPr spcFirstLastPara="0" vert="horz" wrap="square" lIns="76200" tIns="76200" rIns="76200" bIns="76200" numCol="1" spcCol="1270" anchor="ctr" anchorCtr="0">
+          <a:noAutofit/>
+        </a:bodyPr>
+        <a:lstStyle/>
+        <a:p>
+          <a:pPr marL="0" lvl="0" indent="0" algn="l" defTabSz="889000">
+            <a:lnSpc>
+              <a:spcPct val="90000"/>
+            </a:lnSpc>
+            <a:spcBef>
+              <a:spcPct val="0"/>
+            </a:spcBef>
+            <a:spcAft>
+              <a:spcPct val="35000"/>
+            </a:spcAft>
+            <a:buNone/>
+          </a:pPr>
+          <a:endParaRPr lang="en-US" sz="2000" kern="1200"/>
+        </a:p>
+      </dsp:txBody>
+      <dsp:txXfrm>
+        <a:off x="509996" y="5610744"/>
+        <a:ext cx="761479" cy="507652"/>
+      </dsp:txXfrm>
+    </dsp:sp>
+    <dsp:sp modelId="{3299D273-EDAA-1746-84C7-BC13E0A2F889}">
+      <dsp:nvSpPr>
+        <dsp:cNvPr id="0" name=""/>
+        <dsp:cNvSpPr/>
+      </dsp:nvSpPr>
+      <dsp:spPr>
+        <a:xfrm>
+          <a:off x="1398389" y="5612013"/>
+          <a:ext cx="507652" cy="507652"/>
+        </a:xfrm>
+        <a:prstGeom prst="ellipse">
+          <a:avLst/>
+        </a:prstGeom>
+        <a:solidFill>
+          <a:schemeClr val="accent1">
+            <a:hueOff val="0"/>
+            <a:satOff val="0"/>
+            <a:lumOff val="0"/>
+            <a:alphaOff val="0"/>
+          </a:schemeClr>
+        </a:solidFill>
+        <a:ln w="12700" cap="flat" cmpd="sng" algn="ctr">
+          <a:solidFill>
+            <a:schemeClr val="lt1">
+              <a:hueOff val="0"/>
+              <a:satOff val="0"/>
+              <a:lumOff val="0"/>
+              <a:alphaOff val="0"/>
+            </a:schemeClr>
+          </a:solidFill>
+          <a:prstDash val="solid"/>
+          <a:miter lim="800000"/>
+        </a:ln>
+        <a:effectLst/>
+      </dsp:spPr>
+      <dsp:style>
+        <a:lnRef idx="2">
+          <a:scrgbClr r="0" g="0" b="0"/>
+        </a:lnRef>
+        <a:fillRef idx="1">
+          <a:scrgbClr r="0" g="0" b="0"/>
+        </a:fillRef>
+        <a:effectRef idx="0">
+          <a:scrgbClr r="0" g="0" b="0"/>
+        </a:effectRef>
+        <a:fontRef idx="minor">
+          <a:schemeClr val="lt1"/>
+        </a:fontRef>
+      </dsp:style>
+    </dsp:sp>
+    <dsp:sp modelId="{EEDA369F-DEC7-0045-A31A-38ED9D960414}">
+      <dsp:nvSpPr>
+        <dsp:cNvPr id="0" name=""/>
+        <dsp:cNvSpPr/>
+      </dsp:nvSpPr>
+      <dsp:spPr>
+        <a:xfrm>
+          <a:off x="1906041" y="5610744"/>
+          <a:ext cx="761479" cy="507652"/>
+        </a:xfrm>
+        <a:prstGeom prst="rect">
+          <a:avLst/>
+        </a:prstGeom>
+        <a:noFill/>
+        <a:ln>
+          <a:noFill/>
+        </a:ln>
+        <a:effectLst/>
+      </dsp:spPr>
+      <dsp:style>
+        <a:lnRef idx="0">
+          <a:scrgbClr r="0" g="0" b="0"/>
+        </a:lnRef>
+        <a:fillRef idx="0">
+          <a:scrgbClr r="0" g="0" b="0"/>
+        </a:fillRef>
+        <a:effectRef idx="0">
+          <a:scrgbClr r="0" g="0" b="0"/>
+        </a:effectRef>
+        <a:fontRef idx="minor"/>
+      </dsp:style>
+      <dsp:txBody>
+        <a:bodyPr spcFirstLastPara="0" vert="horz" wrap="square" lIns="87630" tIns="87630" rIns="87630" bIns="87630" numCol="1" spcCol="1270" anchor="ctr" anchorCtr="0">
+          <a:noAutofit/>
+        </a:bodyPr>
+        <a:lstStyle/>
+        <a:p>
+          <a:pPr marL="0" lvl="0" indent="0" algn="l" defTabSz="1022350">
+            <a:lnSpc>
+              <a:spcPct val="90000"/>
+            </a:lnSpc>
+            <a:spcBef>
+              <a:spcPct val="0"/>
+            </a:spcBef>
+            <a:spcAft>
+              <a:spcPct val="35000"/>
+            </a:spcAft>
+            <a:buNone/>
+          </a:pPr>
+          <a:r>
+            <a:rPr lang="en-US" sz="2300" kern="1200" dirty="0"/>
+            <a:t>mm</a:t>
+          </a:r>
+        </a:p>
+      </dsp:txBody>
+      <dsp:txXfrm>
+        <a:off x="1906041" y="5610744"/>
+        <a:ext cx="761479" cy="507652"/>
+      </dsp:txXfrm>
+    </dsp:sp>
+    <dsp:sp modelId="{E1E0CC5D-0BFF-9B45-AE9A-245A8E460CFA}">
+      <dsp:nvSpPr>
+        <dsp:cNvPr id="0" name=""/>
+        <dsp:cNvSpPr/>
+      </dsp:nvSpPr>
+      <dsp:spPr>
+        <a:xfrm>
+          <a:off x="2794434" y="5612013"/>
+          <a:ext cx="507652" cy="507652"/>
+        </a:xfrm>
+        <a:prstGeom prst="ellipse">
+          <a:avLst/>
+        </a:prstGeom>
+        <a:solidFill>
+          <a:schemeClr val="accent1">
+            <a:hueOff val="0"/>
+            <a:satOff val="0"/>
+            <a:lumOff val="0"/>
+            <a:alphaOff val="0"/>
+          </a:schemeClr>
+        </a:solidFill>
+        <a:ln w="12700" cap="flat" cmpd="sng" algn="ctr">
+          <a:solidFill>
+            <a:schemeClr val="lt1">
+              <a:hueOff val="0"/>
+              <a:satOff val="0"/>
+              <a:lumOff val="0"/>
+              <a:alphaOff val="0"/>
+            </a:schemeClr>
+          </a:solidFill>
+          <a:prstDash val="solid"/>
+          <a:miter lim="800000"/>
+        </a:ln>
+        <a:effectLst/>
+      </dsp:spPr>
+      <dsp:style>
+        <a:lnRef idx="2">
+          <a:scrgbClr r="0" g="0" b="0"/>
+        </a:lnRef>
+        <a:fillRef idx="1">
+          <a:scrgbClr r="0" g="0" b="0"/>
+        </a:fillRef>
+        <a:effectRef idx="0">
+          <a:scrgbClr r="0" g="0" b="0"/>
+        </a:effectRef>
+        <a:fontRef idx="minor">
+          <a:schemeClr val="lt1"/>
+        </a:fontRef>
+      </dsp:style>
+    </dsp:sp>
+    <dsp:sp modelId="{54D9A862-EA27-E141-BDD1-8C489BBF391F}">
+      <dsp:nvSpPr>
+        <dsp:cNvPr id="0" name=""/>
+        <dsp:cNvSpPr/>
+      </dsp:nvSpPr>
+      <dsp:spPr>
+        <a:xfrm>
+          <a:off x="3302086" y="5610744"/>
+          <a:ext cx="761479" cy="507652"/>
+        </a:xfrm>
+        <a:prstGeom prst="rect">
+          <a:avLst/>
+        </a:prstGeom>
+        <a:noFill/>
+        <a:ln>
+          <a:noFill/>
+        </a:ln>
+        <a:effectLst/>
+      </dsp:spPr>
+      <dsp:style>
+        <a:lnRef idx="0">
+          <a:scrgbClr r="0" g="0" b="0"/>
+        </a:lnRef>
+        <a:fillRef idx="0">
+          <a:scrgbClr r="0" g="0" b="0"/>
+        </a:fillRef>
+        <a:effectRef idx="0">
+          <a:scrgbClr r="0" g="0" b="0"/>
+        </a:effectRef>
+        <a:fontRef idx="minor"/>
+      </dsp:style>
+      <dsp:txBody>
+        <a:bodyPr spcFirstLastPara="0" vert="horz" wrap="square" lIns="87630" tIns="87630" rIns="87630" bIns="87630" numCol="1" spcCol="1270" anchor="ctr" anchorCtr="0">
+          <a:noAutofit/>
+        </a:bodyPr>
+        <a:lstStyle/>
+        <a:p>
+          <a:pPr marL="0" lvl="0" indent="0" algn="l" defTabSz="1022350">
+            <a:lnSpc>
+              <a:spcPct val="90000"/>
+            </a:lnSpc>
+            <a:spcBef>
+              <a:spcPct val="0"/>
+            </a:spcBef>
+            <a:spcAft>
+              <a:spcPct val="35000"/>
+            </a:spcAft>
+            <a:buNone/>
+          </a:pPr>
+          <a:r>
+            <a:rPr lang="en-US" sz="2300" kern="1200" dirty="0"/>
+            <a:t>mm</a:t>
+          </a:r>
+        </a:p>
+      </dsp:txBody>
+      <dsp:txXfrm>
+        <a:off x="3302086" y="5610744"/>
+        <a:ext cx="761479" cy="507652"/>
+      </dsp:txXfrm>
+    </dsp:sp>
+    <dsp:sp modelId="{C507DD22-1A6C-F24E-841A-FA4555AF5790}">
+      <dsp:nvSpPr>
+        <dsp:cNvPr id="0" name=""/>
+        <dsp:cNvSpPr/>
+      </dsp:nvSpPr>
+      <dsp:spPr>
+        <a:xfrm>
+          <a:off x="4190479" y="5612013"/>
+          <a:ext cx="507652" cy="507652"/>
+        </a:xfrm>
+        <a:prstGeom prst="ellipse">
+          <a:avLst/>
+        </a:prstGeom>
+        <a:solidFill>
+          <a:schemeClr val="accent1">
+            <a:hueOff val="0"/>
+            <a:satOff val="0"/>
+            <a:lumOff val="0"/>
+            <a:alphaOff val="0"/>
+          </a:schemeClr>
+        </a:solidFill>
+        <a:ln w="12700" cap="flat" cmpd="sng" algn="ctr">
+          <a:solidFill>
+            <a:schemeClr val="lt1">
+              <a:hueOff val="0"/>
+              <a:satOff val="0"/>
+              <a:lumOff val="0"/>
+              <a:alphaOff val="0"/>
+            </a:schemeClr>
+          </a:solidFill>
+          <a:prstDash val="solid"/>
+          <a:miter lim="800000"/>
+        </a:ln>
+        <a:effectLst/>
+      </dsp:spPr>
+      <dsp:style>
+        <a:lnRef idx="2">
+          <a:scrgbClr r="0" g="0" b="0"/>
+        </a:lnRef>
+        <a:fillRef idx="1">
+          <a:scrgbClr r="0" g="0" b="0"/>
+        </a:fillRef>
+        <a:effectRef idx="0">
+          <a:scrgbClr r="0" g="0" b="0"/>
+        </a:effectRef>
+        <a:fontRef idx="minor">
+          <a:schemeClr val="lt1"/>
+        </a:fontRef>
+      </dsp:style>
+    </dsp:sp>
+    <dsp:sp modelId="{84124288-E0F8-A54B-ADD8-7CE9C5751AFE}">
+      <dsp:nvSpPr>
+        <dsp:cNvPr id="0" name=""/>
+        <dsp:cNvSpPr/>
+      </dsp:nvSpPr>
+      <dsp:spPr>
+        <a:xfrm>
+          <a:off x="4698131" y="5610744"/>
+          <a:ext cx="761479" cy="507652"/>
+        </a:xfrm>
+        <a:prstGeom prst="rect">
+          <a:avLst/>
+        </a:prstGeom>
+        <a:noFill/>
+        <a:ln>
+          <a:noFill/>
+        </a:ln>
+        <a:effectLst/>
+      </dsp:spPr>
+      <dsp:style>
+        <a:lnRef idx="0">
+          <a:scrgbClr r="0" g="0" b="0"/>
+        </a:lnRef>
+        <a:fillRef idx="0">
+          <a:scrgbClr r="0" g="0" b="0"/>
+        </a:fillRef>
+        <a:effectRef idx="0">
+          <a:scrgbClr r="0" g="0" b="0"/>
+        </a:effectRef>
+        <a:fontRef idx="minor"/>
+      </dsp:style>
+      <dsp:txBody>
+        <a:bodyPr spcFirstLastPara="0" vert="horz" wrap="square" lIns="87630" tIns="87630" rIns="87630" bIns="87630" numCol="1" spcCol="1270" anchor="ctr" anchorCtr="0">
+          <a:noAutofit/>
+        </a:bodyPr>
+        <a:lstStyle/>
+        <a:p>
+          <a:pPr marL="0" lvl="0" indent="0" algn="l" defTabSz="1022350">
+            <a:lnSpc>
+              <a:spcPct val="90000"/>
+            </a:lnSpc>
+            <a:spcBef>
+              <a:spcPct val="0"/>
+            </a:spcBef>
+            <a:spcAft>
+              <a:spcPct val="35000"/>
+            </a:spcAft>
+            <a:buNone/>
+          </a:pPr>
+          <a:endParaRPr lang="en-US" sz="2300" kern="1200" dirty="0"/>
+        </a:p>
+      </dsp:txBody>
+      <dsp:txXfrm>
+        <a:off x="4698131" y="5610744"/>
+        <a:ext cx="761479" cy="507652"/>
+      </dsp:txXfrm>
+    </dsp:sp>
+    <dsp:sp modelId="{89DE8A3C-2411-3E46-B76F-FCB538F88727}">
+      <dsp:nvSpPr>
+        <dsp:cNvPr id="0" name=""/>
+        <dsp:cNvSpPr/>
+      </dsp:nvSpPr>
+      <dsp:spPr>
+        <a:xfrm>
+          <a:off x="5586524" y="4944450"/>
+          <a:ext cx="507652" cy="507652"/>
+        </a:xfrm>
+        <a:prstGeom prst="ellipse">
+          <a:avLst/>
+        </a:prstGeom>
+        <a:solidFill>
+          <a:schemeClr val="accent1">
+            <a:hueOff val="0"/>
+            <a:satOff val="0"/>
+            <a:lumOff val="0"/>
+            <a:alphaOff val="0"/>
+          </a:schemeClr>
+        </a:solidFill>
+        <a:ln w="12700" cap="flat" cmpd="sng" algn="ctr">
+          <a:solidFill>
+            <a:schemeClr val="lt1">
+              <a:hueOff val="0"/>
+              <a:satOff val="0"/>
+              <a:lumOff val="0"/>
+              <a:alphaOff val="0"/>
+            </a:schemeClr>
+          </a:solidFill>
+          <a:prstDash val="solid"/>
+          <a:miter lim="800000"/>
+        </a:ln>
+        <a:effectLst/>
+      </dsp:spPr>
+      <dsp:style>
+        <a:lnRef idx="2">
+          <a:scrgbClr r="0" g="0" b="0"/>
+        </a:lnRef>
+        <a:fillRef idx="1">
+          <a:scrgbClr r="0" g="0" b="0"/>
+        </a:fillRef>
+        <a:effectRef idx="0">
+          <a:scrgbClr r="0" g="0" b="0"/>
+        </a:effectRef>
+        <a:fontRef idx="minor">
+          <a:schemeClr val="lt1"/>
+        </a:fontRef>
+      </dsp:style>
+    </dsp:sp>
+    <dsp:sp modelId="{EEABBCEA-368C-8543-A7C8-C9E931A81122}">
+      <dsp:nvSpPr>
+        <dsp:cNvPr id="0" name=""/>
+        <dsp:cNvSpPr/>
+      </dsp:nvSpPr>
+      <dsp:spPr>
+        <a:xfrm>
+          <a:off x="6094176" y="4943181"/>
+          <a:ext cx="761479" cy="507652"/>
+        </a:xfrm>
+        <a:prstGeom prst="rect">
+          <a:avLst/>
+        </a:prstGeom>
+        <a:noFill/>
+        <a:ln>
+          <a:noFill/>
+        </a:ln>
+        <a:effectLst/>
+      </dsp:spPr>
+      <dsp:style>
+        <a:lnRef idx="0">
+          <a:scrgbClr r="0" g="0" b="0"/>
+        </a:lnRef>
+        <a:fillRef idx="0">
+          <a:scrgbClr r="0" g="0" b="0"/>
+        </a:fillRef>
+        <a:effectRef idx="0">
+          <a:scrgbClr r="0" g="0" b="0"/>
+        </a:effectRef>
+        <a:fontRef idx="minor"/>
+      </dsp:style>
+      <dsp:txBody>
+        <a:bodyPr spcFirstLastPara="0" vert="horz" wrap="square" lIns="76200" tIns="76200" rIns="76200" bIns="76200" numCol="1" spcCol="1270" anchor="ctr" anchorCtr="0">
+          <a:noAutofit/>
+        </a:bodyPr>
+        <a:lstStyle/>
+        <a:p>
+          <a:pPr marL="0" lvl="0" indent="0" algn="l" defTabSz="889000">
+            <a:lnSpc>
+              <a:spcPct val="90000"/>
+            </a:lnSpc>
+            <a:spcBef>
+              <a:spcPct val="0"/>
+            </a:spcBef>
+            <a:spcAft>
+              <a:spcPct val="35000"/>
+            </a:spcAft>
+            <a:buNone/>
+          </a:pPr>
+          <a:endParaRPr lang="en-US" sz="2000" kern="1200"/>
+        </a:p>
+      </dsp:txBody>
+      <dsp:txXfrm>
+        <a:off x="6094176" y="4943181"/>
+        <a:ext cx="761479" cy="507652"/>
+      </dsp:txXfrm>
+    </dsp:sp>
+    <dsp:sp modelId="{2A2C2080-4616-3442-B772-861362506C9A}">
+      <dsp:nvSpPr>
+        <dsp:cNvPr id="0" name=""/>
+        <dsp:cNvSpPr/>
+      </dsp:nvSpPr>
+      <dsp:spPr>
+        <a:xfrm>
+          <a:off x="5586524" y="5612013"/>
+          <a:ext cx="507652" cy="507652"/>
+        </a:xfrm>
+        <a:prstGeom prst="ellipse">
+          <a:avLst/>
+        </a:prstGeom>
+        <a:solidFill>
+          <a:schemeClr val="accent1">
+            <a:hueOff val="0"/>
+            <a:satOff val="0"/>
+            <a:lumOff val="0"/>
+            <a:alphaOff val="0"/>
+          </a:schemeClr>
+        </a:solidFill>
+        <a:ln w="12700" cap="flat" cmpd="sng" algn="ctr">
+          <a:solidFill>
+            <a:schemeClr val="lt1">
+              <a:hueOff val="0"/>
+              <a:satOff val="0"/>
+              <a:lumOff val="0"/>
+              <a:alphaOff val="0"/>
+            </a:schemeClr>
+          </a:solidFill>
+          <a:prstDash val="solid"/>
+          <a:miter lim="800000"/>
+        </a:ln>
+        <a:effectLst/>
+      </dsp:spPr>
+      <dsp:style>
+        <a:lnRef idx="2">
+          <a:scrgbClr r="0" g="0" b="0"/>
+        </a:lnRef>
+        <a:fillRef idx="1">
+          <a:scrgbClr r="0" g="0" b="0"/>
+        </a:fillRef>
+        <a:effectRef idx="0">
+          <a:scrgbClr r="0" g="0" b="0"/>
+        </a:effectRef>
+        <a:fontRef idx="minor">
+          <a:schemeClr val="lt1"/>
+        </a:fontRef>
+      </dsp:style>
+    </dsp:sp>
+    <dsp:sp modelId="{40807DB4-AB54-934B-A4BB-15FE077D8CE3}">
+      <dsp:nvSpPr>
+        <dsp:cNvPr id="0" name=""/>
+        <dsp:cNvSpPr/>
+      </dsp:nvSpPr>
+      <dsp:spPr>
+        <a:xfrm>
+          <a:off x="6094176" y="5610744"/>
+          <a:ext cx="761479" cy="507652"/>
+        </a:xfrm>
+        <a:prstGeom prst="rect">
+          <a:avLst/>
+        </a:prstGeom>
+        <a:noFill/>
+        <a:ln>
+          <a:noFill/>
+        </a:ln>
+        <a:effectLst/>
+      </dsp:spPr>
+      <dsp:style>
+        <a:lnRef idx="0">
+          <a:scrgbClr r="0" g="0" b="0"/>
+        </a:lnRef>
+        <a:fillRef idx="0">
+          <a:scrgbClr r="0" g="0" b="0"/>
+        </a:fillRef>
+        <a:effectRef idx="0">
+          <a:scrgbClr r="0" g="0" b="0"/>
+        </a:effectRef>
+        <a:fontRef idx="minor"/>
+      </dsp:style>
+      <dsp:txBody>
+        <a:bodyPr spcFirstLastPara="0" vert="horz" wrap="square" lIns="76200" tIns="76200" rIns="76200" bIns="76200" numCol="1" spcCol="1270" anchor="ctr" anchorCtr="0">
+          <a:noAutofit/>
+        </a:bodyPr>
+        <a:lstStyle/>
+        <a:p>
+          <a:pPr marL="0" lvl="0" indent="0" algn="l" defTabSz="889000">
+            <a:lnSpc>
+              <a:spcPct val="90000"/>
+            </a:lnSpc>
+            <a:spcBef>
+              <a:spcPct val="0"/>
+            </a:spcBef>
+            <a:spcAft>
+              <a:spcPct val="35000"/>
+            </a:spcAft>
+            <a:buNone/>
+          </a:pPr>
+          <a:endParaRPr lang="en-US" sz="2000" kern="1200"/>
+        </a:p>
+      </dsp:txBody>
+      <dsp:txXfrm>
+        <a:off x="6094176" y="5610744"/>
+        <a:ext cx="761479" cy="507652"/>
+      </dsp:txXfrm>
+    </dsp:sp>
+  </dsp:spTree>
+</dsp:drawing>
+</file>
+
+<file path=ppt/diagrams/layout1.xml><?xml version="1.0" encoding="utf-8"?>
+<dgm:layoutDef xmlns:dgm="http://schemas.openxmlformats.org/drawingml/2006/diagram" xmlns:a="http://schemas.openxmlformats.org/drawingml/2006/main" uniqueId="urn:microsoft.com/office/officeart/2009/layout/CirclePictureHierarchy">
+  <dgm:title val=""/>
+  <dgm:desc val=""/>
+  <dgm:catLst>
+    <dgm:cat type="hierarchy" pri="1750"/>
+    <dgm:cat type="picture" pri="23000"/>
+    <dgm:cat type="pictureconvert" pri="23000"/>
+  </dgm:catLst>
+  <dgm:sampData>
+    <dgm:dataModel>
+      <dgm:ptLst>
+        <dgm:pt modelId="0" type="doc"/>
+        <dgm:pt modelId="1">
+          <dgm:prSet phldr="1"/>
+        </dgm:pt>
+        <dgm:pt modelId="2">
+          <dgm:prSet phldr="1"/>
+        </dgm:pt>
+        <dgm:pt modelId="21">
+          <dgm:prSet phldr="1"/>
+        </dgm:pt>
+        <dgm:pt modelId="22">
+          <dgm:prSet phldr="1"/>
+        </dgm:pt>
+        <dgm:pt modelId="3">
+          <dgm:prSet phldr="1"/>
+        </dgm:pt>
+        <dgm:pt modelId="31">
+          <dgm:prSet phldr="1"/>
+        </dgm:pt>
+      </dgm:ptLst>
+      <dgm:cxnLst>
+        <dgm:cxn modelId="4" srcId="0" destId="1" srcOrd="0" destOrd="0"/>
+        <dgm:cxn modelId="5" srcId="1" destId="2" srcOrd="0" destOrd="0"/>
+        <dgm:cxn modelId="6" srcId="1" destId="3" srcOrd="1" destOrd="0"/>
+        <dgm:cxn modelId="23" srcId="2" destId="21" srcOrd="0" destOrd="0"/>
+        <dgm:cxn modelId="24" srcId="2" destId="22" srcOrd="1" destOrd="0"/>
+        <dgm:cxn modelId="33" srcId="3" destId="31" srcOrd="0" destOrd="0"/>
+      </dgm:cxnLst>
+      <dgm:bg/>
+      <dgm:whole/>
+    </dgm:dataModel>
+  </dgm:sampData>
+  <dgm:styleData>
+    <dgm:dataModel>
+      <dgm:ptLst>
+        <dgm:pt modelId="0" type="doc"/>
+        <dgm:pt modelId="1"/>
+        <dgm:pt modelId="11"/>
+        <dgm:pt modelId="12"/>
+      </dgm:ptLst>
+      <dgm:cxnLst>
+        <dgm:cxn modelId="2" srcId="0" destId="1" srcOrd="0" destOrd="0"/>
+        <dgm:cxn modelId="13" srcId="1" destId="11" srcOrd="0" destOrd="0"/>
+        <dgm:cxn modelId="14" srcId="1" destId="12" srcOrd="1" destOrd="0"/>
+      </dgm:cxnLst>
+      <dgm:bg/>
+      <dgm:whole/>
+    </dgm:dataModel>
+  </dgm:styleData>
+  <dgm:clrData>
+    <dgm:dataModel>
+      <dgm:ptLst>
+        <dgm:pt modelId="0" type="doc"/>
+        <dgm:pt modelId="1"/>
+        <dgm:pt modelId="2"/>
+        <dgm:pt modelId="21"/>
+        <dgm:pt modelId="211"/>
+        <dgm:pt modelId="3"/>
+        <dgm:pt modelId="31"/>
+        <dgm:pt modelId="311"/>
+      </dgm:ptLst>
+      <dgm:cxnLst>
+        <dgm:cxn modelId="4" srcId="0" destId="1" srcOrd="0" destOrd="0"/>
+        <dgm:cxn modelId="5" srcId="1" destId="2" srcOrd="0" destOrd="0"/>
+        <dgm:cxn modelId="6" srcId="1" destId="3" srcOrd="1" destOrd="0"/>
+        <dgm:cxn modelId="23" srcId="2" destId="21" srcOrd="0" destOrd="0"/>
+        <dgm:cxn modelId="24" srcId="21" destId="211" srcOrd="0" destOrd="0"/>
+        <dgm:cxn modelId="33" srcId="3" destId="31" srcOrd="0" destOrd="0"/>
+        <dgm:cxn modelId="34" srcId="31" destId="311" srcOrd="0" destOrd="0"/>
+      </dgm:cxnLst>
+      <dgm:bg/>
+      <dgm:whole/>
+    </dgm:dataModel>
+  </dgm:clrData>
+  <dgm:layoutNode name="hierChild1">
+    <dgm:varLst>
+      <dgm:chPref val="1"/>
+      <dgm:dir/>
+      <dgm:animOne val="branch"/>
+      <dgm:animLvl val="lvl"/>
+      <dgm:resizeHandles/>
+    </dgm:varLst>
+    <dgm:choose name="Name0">
+      <dgm:if name="Name1" func="var" arg="dir" op="equ" val="norm">
+        <dgm:alg type="hierChild">
+          <dgm:param type="linDir" val="fromL"/>
+        </dgm:alg>
+      </dgm:if>
+      <dgm:else name="Name2">
+        <dgm:alg type="hierChild">
+          <dgm:param type="linDir" val="fromR"/>
+        </dgm:alg>
+      </dgm:else>
+    </dgm:choose>
+    <dgm:shape xmlns:r="http://schemas.openxmlformats.org/officeDocument/2006/relationships" r:blip="">
+      <dgm:adjLst/>
+    </dgm:shape>
+    <dgm:presOf/>
+    <dgm:constrLst>
+      <dgm:constr type="primFontSz" for="des" ptType="node" op="equ" val="65"/>
+      <dgm:constr type="w" for="des" forName="composite" refType="w"/>
+      <dgm:constr type="h" for="des" forName="composite" refType="w" refFor="des" refForName="composite" fact="0.5"/>
+      <dgm:constr type="w" for="des" forName="composite2" refType="w" refFor="des" refForName="composite"/>
+      <dgm:constr type="h" for="des" forName="composite2" refType="h" refFor="des" refForName="composite"/>
+      <dgm:constr type="w" for="des" forName="composite3" refType="w" refFor="des" refForName="composite"/>
+      <dgm:constr type="h" for="des" forName="composite3" refType="h" refFor="des" refForName="composite"/>
+      <dgm:constr type="w" for="des" forName="composite4" refType="w" refFor="des" refForName="composite"/>
+      <dgm:constr type="h" for="des" forName="composite4" refType="h" refFor="des" refForName="composite"/>
+      <dgm:constr type="w" for="des" forName="composite5" refType="w" refFor="des" refForName="composite"/>
+      <dgm:constr type="h" for="des" forName="composite5" refType="h" refFor="des" refForName="composite"/>
+      <dgm:constr type="sibSp" refType="w" refFor="des" refForName="composite" fact="0.1"/>
+      <dgm:constr type="sibSp" for="des" forName="hierChild2" refType="sibSp"/>
+      <dgm:constr type="sibSp" for="des" forName="hierChild3" refType="sibSp"/>
+      <dgm:constr type="sibSp" for="des" forName="hierChild4" refType="sibSp"/>
+      <dgm:constr type="sibSp" for="des" forName="hierChild5" refType="sibSp"/>
+      <dgm:constr type="sibSp" for="des" forName="hierChild6" refType="sibSp"/>
+      <dgm:constr type="sp" for="des" forName="hierRoot1" refType="h" refFor="des" refForName="composite" fact="0.25"/>
+      <dgm:constr type="sp" for="des" forName="hierRoot2" refType="sp" refFor="des" refForName="hierRoot1"/>
+      <dgm:constr type="sp" for="des" forName="hierRoot3" refType="sp" refFor="des" refForName="hierRoot1"/>
+      <dgm:constr type="sp" for="des" forName="hierRoot4" refType="sp" refFor="des" refForName="hierRoot1"/>
+      <dgm:constr type="sp" for="des" forName="hierRoot5" refType="sp" refFor="des" refForName="hierRoot1"/>
+    </dgm:constrLst>
+    <dgm:ruleLst/>
+    <dgm:forEach name="Name3" axis="ch">
+      <dgm:forEach name="Name4" axis="self" ptType="node">
+        <dgm:layoutNode name="hierRoot1">
+          <dgm:alg type="hierRoot"/>
+          <dgm:shape xmlns:r="http://schemas.openxmlformats.org/officeDocument/2006/relationships" r:blip="">
+            <dgm:adjLst/>
+          </dgm:shape>
+          <dgm:presOf/>
+          <dgm:constrLst>
+            <dgm:constr type="bendDist" for="des" ptType="parTrans" refType="sp" fact="0.5"/>
+          </dgm:constrLst>
+          <dgm:ruleLst/>
+          <dgm:layoutNode name="composite">
+            <dgm:alg type="composite"/>
+            <dgm:shape xmlns:r="http://schemas.openxmlformats.org/officeDocument/2006/relationships" r:blip="">
+              <dgm:adjLst/>
+            </dgm:shape>
+            <dgm:presOf/>
+            <dgm:constrLst>
+              <dgm:constr type="h" for="ch" forName="image" refType="h" fact="0.8"/>
+              <dgm:constr type="w" for="ch" forName="image" refType="h" refFor="ch" refForName="image"/>
+              <dgm:constr type="t" for="ch" forName="image" refType="h" fact="0.1"/>
+              <dgm:constr type="l" for="ch" forName="image"/>
+              <dgm:constr type="w" for="ch" forName="text" refType="w" fact="0.6"/>
+              <dgm:constr type="h" for="ch" forName="text" refType="h" fact="0.8"/>
+              <dgm:constr type="t" for="ch" forName="text" refType="w" fact="0.04"/>
+              <dgm:constr type="l" for="ch" forName="text" refType="w" fact="0.4"/>
+            </dgm:constrLst>
+            <dgm:ruleLst/>
+            <dgm:layoutNode name="image" styleLbl="node0">
+              <dgm:alg type="sp"/>
+              <dgm:shape xmlns:r="http://schemas.openxmlformats.org/officeDocument/2006/relationships" type="ellipse" r:blip="" blipPhldr="1">
+                <dgm:adjLst/>
+              </dgm:shape>
+              <dgm:presOf/>
+              <dgm:constrLst/>
+              <dgm:ruleLst/>
+            </dgm:layoutNode>
+            <dgm:layoutNode name="text" styleLbl="revTx">
+              <dgm:varLst>
+                <dgm:chPref val="3"/>
+              </dgm:varLst>
+              <dgm:alg type="tx">
+                <dgm:param type="parTxLTRAlign" val="l"/>
+                <dgm:param type="parTxRTLAlign" val="r"/>
+              </dgm:alg>
+              <dgm:shape xmlns:r="http://schemas.openxmlformats.org/officeDocument/2006/relationships" type="rect" r:blip="">
+                <dgm:adjLst/>
+              </dgm:shape>
+              <dgm:presOf axis="self"/>
+              <dgm:constrLst>
+                <dgm:constr type="tMarg" refType="primFontSz" fact="0.3"/>
+                <dgm:constr type="bMarg" refType="primFontSz" fact="0.3"/>
+                <dgm:constr type="lMarg" refType="primFontSz" fact="0.3"/>
+                <dgm:constr type="rMarg" refType="primFontSz" fact="0.3"/>
+              </dgm:constrLst>
+              <dgm:ruleLst>
+                <dgm:rule type="primFontSz" val="5" fact="NaN" max="NaN"/>
+              </dgm:ruleLst>
+            </dgm:layoutNode>
+          </dgm:layoutNode>
+          <dgm:layoutNode name="hierChild2">
+            <dgm:choose name="Name5">
+              <dgm:if name="Name6" func="var" arg="dir" op="equ" val="norm">
+                <dgm:alg type="hierChild">
+                  <dgm:param type="linDir" val="fromL"/>
+                </dgm:alg>
+              </dgm:if>
+              <dgm:else name="Name7">
+                <dgm:alg type="hierChild">
+                  <dgm:param type="linDir" val="fromR"/>
+                </dgm:alg>
+              </dgm:else>
+            </dgm:choose>
+            <dgm:shape xmlns:r="http://schemas.openxmlformats.org/officeDocument/2006/relationships" r:blip="">
+              <dgm:adjLst/>
+            </dgm:shape>
+            <dgm:presOf/>
+            <dgm:constrLst/>
+            <dgm:ruleLst/>
+            <dgm:forEach name="Name8" axis="ch">
+              <dgm:forEach name="Name9" axis="self" ptType="parTrans" cnt="1">
+                <dgm:layoutNode name="Name10">
+                  <dgm:alg type="conn">
+                    <dgm:param type="dim" val="1D"/>
+                    <dgm:param type="endSty" val="noArr"/>
+                    <dgm:param type="connRout" val="bend"/>
+                    <dgm:param type="bendPt" val="end"/>
+                    <dgm:param type="begPts" val="bCtr"/>
+                    <dgm:param type="endPts" val="tCtr"/>
+                    <dgm:param type="srcNode" val="image"/>
+                    <dgm:param type="dstNode" val="image2"/>
+                  </dgm:alg>
+                  <dgm:shape xmlns:r="http://schemas.openxmlformats.org/officeDocument/2006/relationships" type="conn" r:blip="" zOrderOff="-999">
+                    <dgm:adjLst/>
+                  </dgm:shape>
+                  <dgm:presOf axis="self"/>
+                  <dgm:constrLst>
+                    <dgm:constr type="begPad"/>
+                    <dgm:constr type="endPad"/>
+                  </dgm:constrLst>
+                  <dgm:ruleLst/>
+                </dgm:layoutNode>
+              </dgm:forEach>
+              <dgm:forEach name="Name11" axis="self" ptType="node">
+                <dgm:layoutNode name="hierRoot2">
+                  <dgm:alg type="hierRoot"/>
+                  <dgm:shape xmlns:r="http://schemas.openxmlformats.org/officeDocument/2006/relationships" r:blip="">
+                    <dgm:adjLst/>
+                  </dgm:shape>
+                  <dgm:presOf/>
+                  <dgm:constrLst>
+                    <dgm:constr type="bendDist" for="des" ptType="parTrans" refType="sp" fact="0.5"/>
+                  </dgm:constrLst>
+                  <dgm:ruleLst/>
+                  <dgm:layoutNode name="composite2">
+                    <dgm:alg type="composite"/>
+                    <dgm:shape xmlns:r="http://schemas.openxmlformats.org/officeDocument/2006/relationships" r:blip="">
+                      <dgm:adjLst/>
+                    </dgm:shape>
+                    <dgm:presOf/>
+                    <dgm:constrLst>
+                      <dgm:constr type="h" for="ch" forName="image2" refType="h" fact="0.8"/>
+                      <dgm:constr type="w" for="ch" forName="image2" refType="h" refFor="ch" refForName="image2"/>
+                      <dgm:constr type="t" for="ch" forName="image2" refType="h" fact="0.1"/>
+                      <dgm:constr type="l" for="ch" forName="image2"/>
+                      <dgm:constr type="w" for="ch" forName="text2" refType="w" fact="0.6"/>
+                      <dgm:constr type="h" for="ch" forName="text2" refType="h" fact="0.8"/>
+                      <dgm:constr type="t" for="ch" forName="text2" refType="w" fact="0.04"/>
+                      <dgm:constr type="l" for="ch" forName="text2" refType="w" fact="0.4"/>
+                    </dgm:constrLst>
+                    <dgm:ruleLst/>
+                    <dgm:layoutNode name="image2">
+                      <dgm:alg type="sp"/>
+                      <dgm:shape xmlns:r="http://schemas.openxmlformats.org/officeDocument/2006/relationships" type="ellipse" r:blip="" blipPhldr="1">
+                        <dgm:adjLst/>
+                      </dgm:shape>
+                      <dgm:presOf/>
+                      <dgm:constrLst/>
+                      <dgm:ruleLst/>
+                    </dgm:layoutNode>
+                    <dgm:layoutNode name="text2" styleLbl="revTx">
+                      <dgm:varLst>
+                        <dgm:chPref val="3"/>
+                      </dgm:varLst>
+                      <dgm:alg type="tx">
+                        <dgm:param type="parTxLTRAlign" val="l"/>
+                        <dgm:param type="parTxRTLAlign" val="r"/>
+                      </dgm:alg>
+                      <dgm:shape xmlns:r="http://schemas.openxmlformats.org/officeDocument/2006/relationships" type="rect" r:blip="">
+                        <dgm:adjLst/>
+                      </dgm:shape>
+                      <dgm:presOf axis="self"/>
+                      <dgm:constrLst>
+                        <dgm:constr type="tMarg" refType="primFontSz" fact="0.3"/>
+                        <dgm:constr type="bMarg" refType="primFontSz" fact="0.3"/>
+                        <dgm:constr type="lMarg" refType="primFontSz" fact="0.3"/>
+                        <dgm:constr type="rMarg" refType="primFontSz" fact="0.3"/>
+                      </dgm:constrLst>
+                      <dgm:ruleLst>
+                        <dgm:rule type="primFontSz" val="5" fact="NaN" max="NaN"/>
+                      </dgm:ruleLst>
+                    </dgm:layoutNode>
+                  </dgm:layoutNode>
+                  <dgm:layoutNode name="hierChild3">
+                    <dgm:choose name="Name12">
+                      <dgm:if name="Name13" func="var" arg="dir" op="equ" val="norm">
+                        <dgm:alg type="hierChild">
+                          <dgm:param type="linDir" val="fromL"/>
+                        </dgm:alg>
+                      </dgm:if>
+                      <dgm:else name="Name14">
+                        <dgm:alg type="hierChild">
+                          <dgm:param type="linDir" val="fromR"/>
+                        </dgm:alg>
+                      </dgm:else>
+                    </dgm:choose>
+                    <dgm:shape xmlns:r="http://schemas.openxmlformats.org/officeDocument/2006/relationships" r:blip="">
+                      <dgm:adjLst/>
+                    </dgm:shape>
+                    <dgm:presOf/>
+                    <dgm:constrLst/>
+                    <dgm:ruleLst/>
+                    <dgm:forEach name="Name15" axis="ch">
+                      <dgm:forEach name="Name16" axis="self" ptType="parTrans" cnt="1">
+                        <dgm:layoutNode name="Name17">
+                          <dgm:alg type="conn">
+                            <dgm:param type="dim" val="1D"/>
+                            <dgm:param type="endSty" val="noArr"/>
+                            <dgm:param type="connRout" val="bend"/>
+                            <dgm:param type="bendPt" val="end"/>
+                            <dgm:param type="begPts" val="bCtr"/>
+                            <dgm:param type="endPts" val="tCtr"/>
+                            <dgm:param type="srcNode" val="image2"/>
+                            <dgm:param type="dstNode" val="image3"/>
+                          </dgm:alg>
+                          <dgm:shape xmlns:r="http://schemas.openxmlformats.org/officeDocument/2006/relationships" type="conn" r:blip="" zOrderOff="-999">
+                            <dgm:adjLst/>
+                          </dgm:shape>
+                          <dgm:presOf axis="self"/>
+                          <dgm:constrLst>
+                            <dgm:constr type="begPad"/>
+                            <dgm:constr type="endPad"/>
+                          </dgm:constrLst>
+                          <dgm:ruleLst/>
+                        </dgm:layoutNode>
+                      </dgm:forEach>
+                      <dgm:forEach name="Name18" axis="self" ptType="node">
+                        <dgm:layoutNode name="hierRoot3">
+                          <dgm:alg type="hierRoot"/>
+                          <dgm:shape xmlns:r="http://schemas.openxmlformats.org/officeDocument/2006/relationships" r:blip="">
+                            <dgm:adjLst/>
+                          </dgm:shape>
+                          <dgm:presOf/>
+                          <dgm:constrLst>
+                            <dgm:constr type="bendDist" for="des" ptType="parTrans" refType="sp" fact="0.5"/>
+                          </dgm:constrLst>
+                          <dgm:ruleLst/>
+                          <dgm:layoutNode name="composite3">
+                            <dgm:alg type="composite"/>
+                            <dgm:shape xmlns:r="http://schemas.openxmlformats.org/officeDocument/2006/relationships" r:blip="">
+                              <dgm:adjLst/>
+                            </dgm:shape>
+                            <dgm:presOf/>
+                            <dgm:constrLst>
+                              <dgm:constr type="h" for="ch" forName="image3" refType="h" fact="0.8"/>
+                              <dgm:constr type="w" for="ch" forName="image3" refType="h" refFor="ch" refForName="image3"/>
+                              <dgm:constr type="t" for="ch" forName="image3" refType="h" fact="0.1"/>
+                              <dgm:constr type="l" for="ch" forName="image3"/>
+                              <dgm:constr type="w" for="ch" forName="text3" refType="w" fact="0.6"/>
+                              <dgm:constr type="h" for="ch" forName="text3" refType="h" fact="0.8"/>
+                              <dgm:constr type="t" for="ch" forName="text3" refType="w" fact="0.04"/>
+                              <dgm:constr type="l" for="ch" forName="text3" refType="w" fact="0.4"/>
+                            </dgm:constrLst>
+                            <dgm:ruleLst/>
+                            <dgm:layoutNode name="image3">
+                              <dgm:alg type="sp"/>
+                              <dgm:shape xmlns:r="http://schemas.openxmlformats.org/officeDocument/2006/relationships" type="ellipse" r:blip="" blipPhldr="1">
+                                <dgm:adjLst/>
+                              </dgm:shape>
+                              <dgm:presOf/>
+                              <dgm:constrLst/>
+                              <dgm:ruleLst/>
+                            </dgm:layoutNode>
+                            <dgm:layoutNode name="text3" styleLbl="revTx">
+                              <dgm:varLst>
+                                <dgm:chPref val="3"/>
+                              </dgm:varLst>
+                              <dgm:alg type="tx">
+                                <dgm:param type="parTxLTRAlign" val="l"/>
+                                <dgm:param type="parTxRTLAlign" val="r"/>
+                              </dgm:alg>
+                              <dgm:shape xmlns:r="http://schemas.openxmlformats.org/officeDocument/2006/relationships" type="rect" r:blip="">
+                                <dgm:adjLst/>
+                              </dgm:shape>
+                              <dgm:presOf axis="self"/>
+                              <dgm:constrLst>
+                                <dgm:constr type="tMarg" refType="primFontSz" fact="0.3"/>
+                                <dgm:constr type="bMarg" refType="primFontSz" fact="0.3"/>
+                                <dgm:constr type="lMarg" refType="primFontSz" fact="0.3"/>
+                                <dgm:constr type="rMarg" refType="primFontSz" fact="0.3"/>
+                              </dgm:constrLst>
+                              <dgm:ruleLst>
+                                <dgm:rule type="primFontSz" val="5" fact="NaN" max="NaN"/>
+                              </dgm:ruleLst>
+                            </dgm:layoutNode>
+                          </dgm:layoutNode>
+                          <dgm:layoutNode name="hierChild4">
+                            <dgm:choose name="Name19">
+                              <dgm:if name="Name20" func="var" arg="dir" op="equ" val="norm">
+                                <dgm:alg type="hierChild">
+                                  <dgm:param type="linDir" val="fromL"/>
+                                </dgm:alg>
+                              </dgm:if>
+                              <dgm:else name="Name21">
+                                <dgm:alg type="hierChild">
+                                  <dgm:param type="linDir" val="fromR"/>
+                                </dgm:alg>
+                              </dgm:else>
+                            </dgm:choose>
+                            <dgm:shape xmlns:r="http://schemas.openxmlformats.org/officeDocument/2006/relationships" r:blip="">
+                              <dgm:adjLst/>
+                            </dgm:shape>
+                            <dgm:presOf/>
+                            <dgm:constrLst/>
+                            <dgm:ruleLst/>
+                            <dgm:forEach name="repeat" axis="ch">
+                              <dgm:forEach name="Name22" axis="self" ptType="parTrans" cnt="1">
+                                <dgm:layoutNode name="Name23">
+                                  <dgm:choose name="Name24">
+                                    <dgm:if name="Name25" axis="self" func="depth" op="lte" val="4">
+                                      <dgm:alg type="conn">
+                                        <dgm:param type="dim" val="1D"/>
+                                        <dgm:param type="endSty" val="noArr"/>
+                                        <dgm:param type="connRout" val="bend"/>
+                                        <dgm:param type="bendPt" val="end"/>
+                                        <dgm:param type="begPts" val="bCtr"/>
+                                        <dgm:param type="endPts" val="tCtr"/>
+                                        <dgm:param type="srcNode" val="image3"/>
+                                        <dgm:param type="dstNode" val="image4"/>
+                                      </dgm:alg>
+                                    </dgm:if>
+                                    <dgm:else name="Name26">
+                                      <dgm:alg type="conn">
+                                        <dgm:param type="dim" val="1D"/>
+                                        <dgm:param type="endSty" val="noArr"/>
+                                        <dgm:param type="connRout" val="bend"/>
+                                        <dgm:param type="bendPt" val="end"/>
+                                        <dgm:param type="begPts" val="bCtr"/>
+                                        <dgm:param type="endPts" val="tCtr"/>
+                                        <dgm:param type="srcNode" val="image4"/>
+                                        <dgm:param type="dstNode" val="image4"/>
+                                      </dgm:alg>
+                                    </dgm:else>
+                                  </dgm:choose>
+                                  <dgm:shape xmlns:r="http://schemas.openxmlformats.org/officeDocument/2006/relationships" type="conn" r:blip="" zOrderOff="-999">
+                                    <dgm:adjLst/>
+                                  </dgm:shape>
+                                  <dgm:presOf axis="self"/>
+                                  <dgm:constrLst>
+                                    <dgm:constr type="begPad"/>
+                                    <dgm:constr type="endPad"/>
+                                  </dgm:constrLst>
+                                  <dgm:ruleLst/>
+                                </dgm:layoutNode>
+                              </dgm:forEach>
+                              <dgm:forEach name="Name27" axis="self" ptType="node">
+                                <dgm:layoutNode name="hierRoot4">
+                                  <dgm:alg type="hierRoot"/>
+                                  <dgm:shape xmlns:r="http://schemas.openxmlformats.org/officeDocument/2006/relationships" r:blip="">
+                                    <dgm:adjLst/>
+                                  </dgm:shape>
+                                  <dgm:presOf/>
+                                  <dgm:constrLst>
+                                    <dgm:constr type="bendDist" for="des" ptType="parTrans" refType="sp" fact="0.5"/>
+                                  </dgm:constrLst>
+                                  <dgm:ruleLst/>
+                                  <dgm:layoutNode name="composite4">
+                                    <dgm:alg type="composite"/>
+                                    <dgm:shape xmlns:r="http://schemas.openxmlformats.org/officeDocument/2006/relationships" r:blip="">
+                                      <dgm:adjLst/>
+                                    </dgm:shape>
+                                    <dgm:presOf/>
+                                    <dgm:constrLst>
+                                      <dgm:constr type="h" for="ch" forName="image4" refType="h" fact="0.8"/>
+                                      <dgm:constr type="w" for="ch" forName="image4" refType="h" refFor="ch" refForName="image4"/>
+                                      <dgm:constr type="t" for="ch" forName="image4" refType="h" fact="0.1"/>
+                                      <dgm:constr type="l" for="ch" forName="image4"/>
+                                      <dgm:constr type="w" for="ch" forName="text4" refType="w" fact="0.6"/>
+                                      <dgm:constr type="h" for="ch" forName="text4" refType="h" fact="0.8"/>
+                                      <dgm:constr type="t" for="ch" forName="text4" refType="w" fact="0.04"/>
+                                      <dgm:constr type="l" for="ch" forName="text4" refType="w" fact="0.4"/>
+                                    </dgm:constrLst>
+                                    <dgm:ruleLst/>
+                                    <dgm:layoutNode name="image4">
+                                      <dgm:alg type="sp"/>
+                                      <dgm:shape xmlns:r="http://schemas.openxmlformats.org/officeDocument/2006/relationships" type="ellipse" r:blip="" blipPhldr="1">
+                                        <dgm:adjLst/>
+                                      </dgm:shape>
+                                      <dgm:presOf/>
+                                      <dgm:constrLst/>
+                                      <dgm:ruleLst/>
+                                    </dgm:layoutNode>
+                                    <dgm:layoutNode name="text4" styleLbl="revTx">
+                                      <dgm:varLst>
+                                        <dgm:chPref val="3"/>
+                                      </dgm:varLst>
+                                      <dgm:alg type="tx">
+                                        <dgm:param type="parTxLTRAlign" val="l"/>
+                                        <dgm:param type="parTxRTLAlign" val="r"/>
+                                      </dgm:alg>
+                                      <dgm:shape xmlns:r="http://schemas.openxmlformats.org/officeDocument/2006/relationships" type="rect" r:blip="">
+                                        <dgm:adjLst/>
+                                      </dgm:shape>
+                                      <dgm:presOf axis="self"/>
+                                      <dgm:constrLst>
+                                        <dgm:constr type="tMarg" refType="primFontSz" fact="0.3"/>
+                                        <dgm:constr type="bMarg" refType="primFontSz" fact="0.3"/>
+                                        <dgm:constr type="lMarg" refType="primFontSz" fact="0.3"/>
+                                        <dgm:constr type="rMarg" refType="primFontSz" fact="0.3"/>
+                                      </dgm:constrLst>
+                                      <dgm:ruleLst>
+                                        <dgm:rule type="primFontSz" val="5" fact="NaN" max="NaN"/>
+                                      </dgm:ruleLst>
+                                    </dgm:layoutNode>
+                                  </dgm:layoutNode>
+                                  <dgm:layoutNode name="hierChild5">
+                                    <dgm:choose name="Name28">
+                                      <dgm:if name="Name29" func="var" arg="dir" op="equ" val="norm">
+                                        <dgm:alg type="hierChild">
+                                          <dgm:param type="linDir" val="fromL"/>
+                                        </dgm:alg>
+                                      </dgm:if>
+                                      <dgm:else name="Name30">
+                                        <dgm:alg type="hierChild">
+                                          <dgm:param type="linDir" val="fromR"/>
+                                        </dgm:alg>
+                                      </dgm:else>
+                                    </dgm:choose>
+                                    <dgm:shape xmlns:r="http://schemas.openxmlformats.org/officeDocument/2006/relationships" r:blip="">
+                                      <dgm:adjLst/>
+                                    </dgm:shape>
+                                    <dgm:presOf/>
+                                    <dgm:constrLst/>
+                                    <dgm:ruleLst/>
+                                    <dgm:forEach name="Name31" ref="repeat"/>
+                                  </dgm:layoutNode>
+                                </dgm:layoutNode>
+                              </dgm:forEach>
+                            </dgm:forEach>
+                          </dgm:layoutNode>
+                        </dgm:layoutNode>
+                      </dgm:forEach>
+                    </dgm:forEach>
+                  </dgm:layoutNode>
+                </dgm:layoutNode>
+              </dgm:forEach>
+            </dgm:forEach>
+          </dgm:layoutNode>
+        </dgm:layoutNode>
+      </dgm:forEach>
+    </dgm:forEach>
+  </dgm:layoutNode>
+</dgm:layoutDef>
+</file>
+
+<file path=ppt/diagrams/quickStyle1.xml><?xml version="1.0" encoding="utf-8"?>
+<dgm:styleDef xmlns:dgm="http://schemas.openxmlformats.org/drawingml/2006/diagram" xmlns:a="http://schemas.openxmlformats.org/drawingml/2006/main" uniqueId="urn:microsoft.com/office/officeart/2005/8/quickstyle/simple1">
+  <dgm:title val=""/>
+  <dgm:desc val=""/>
+  <dgm:catLst>
+    <dgm:cat type="simple" pri="10100"/>
+  </dgm:catLst>
+  <dgm:scene3d>
+    <a:camera prst="orthographicFront"/>
+    <a:lightRig rig="threePt" dir="t"/>
+  </dgm:scene3d>
+  <dgm:styleLbl name="node0">
+    <dgm:scene3d>
+      <a:camera prst="orthographicFront"/>
+      <a:lightRig rig="threePt" dir="t"/>
+    </dgm:scene3d>
+    <dgm:sp3d/>
+    <dgm:txPr/>
+    <dgm:style>
+      <a:lnRef idx="2">
+        <a:scrgbClr r="0" g="0" b="0"/>
+      </a:lnRef>
+      <a:fillRef idx="1">
+        <a:scrgbClr r="0" g="0" b="0"/>
+      </a:fillRef>
+      <a:effectRef idx="0">
+        <a:scrgbClr r="0" g="0" b="0"/>
+      </a:effectRef>
+      <a:fontRef idx="minor">
+        <a:schemeClr val="lt1"/>
+      </a:fontRef>
+    </dgm:style>
+  </dgm:styleLbl>
+  <dgm:styleLbl name="lnNode1">
+    <dgm:scene3d>
+      <a:camera prst="orthographicFront"/>
+      <a:lightRig rig="threePt" dir="t"/>
+    </dgm:scene3d>
+    <dgm:sp3d/>
+    <dgm:txPr/>
+    <dgm:style>
+      <a:lnRef idx="2">
+        <a:scrgbClr r="0" g="0" b="0"/>
+      </a:lnRef>
+      <a:fillRef idx="1">
+        <a:scrgbClr r="0" g="0" b="0"/>
+      </a:fillRef>
+      <a:effectRef idx="0">
+        <a:scrgbClr r="0" g="0" b="0"/>
+      </a:effectRef>
+      <a:fontRef idx="minor">
+        <a:schemeClr val="lt1"/>
+      </a:fontRef>
+    </dgm:style>
+  </dgm:styleLbl>
+  <dgm:styleLbl name="vennNode1">
+    <dgm:scene3d>
+      <a:camera prst="orthographicFront"/>
+      <a:lightRig rig="threePt" dir="t"/>
+    </dgm:scene3d>
+    <dgm:sp3d/>
+    <dgm:txPr/>
+    <dgm:style>
+      <a:lnRef idx="2">
+        <a:scrgbClr r="0" g="0" b="0"/>
+      </a:lnRef>
+      <a:fillRef idx="1">
+        <a:scrgbClr r="0" g="0" b="0"/>
+      </a:fillRef>
+      <a:effectRef idx="0">
+        <a:scrgbClr r="0" g="0" b="0"/>
+      </a:effectRef>
+      <a:fontRef idx="minor">
+        <a:schemeClr val="tx1"/>
+      </a:fontRef>
+    </dgm:style>
+  </dgm:styleLbl>
+  <dgm:styleLbl name="alignNode1">
+    <dgm:scene3d>
+      <a:camera prst="orthographicFront"/>
+      <a:lightRig rig="threePt" dir="t"/>
+    </dgm:scene3d>
+    <dgm:sp3d/>
+    <dgm:txPr/>
+    <dgm:style>
+      <a:lnRef idx="2">
+        <a:scrgbClr r="0" g="0" b="0"/>
+      </a:lnRef>
+      <a:fillRef idx="1">
+        <a:scrgbClr r="0" g="0" b="0"/>
+      </a:fillRef>
+      <a:effectRef idx="0">
+        <a:scrgbClr r="0" g="0" b="0"/>
+      </a:effectRef>
+      <a:fontRef idx="minor">
+        <a:schemeClr val="lt1"/>
+      </a:fontRef>
+    </dgm:style>
+  </dgm:styleLbl>
+  <dgm:styleLbl name="node1">
+    <dgm:scene3d>
+      <a:camera prst="orthographicFront"/>
+      <a:lightRig rig="threePt" dir="t"/>
+    </dgm:scene3d>
+    <dgm:sp3d/>
+    <dgm:txPr/>
+    <dgm:style>
+      <a:lnRef idx="2">
+        <a:scrgbClr r="0" g="0" b="0"/>
+      </a:lnRef>
+      <a:fillRef idx="1">
+        <a:scrgbClr r="0" g="0" b="0"/>
+      </a:fillRef>
+      <a:effectRef idx="0">
+        <a:scrgbClr r="0" g="0" b="0"/>
+      </a:effectRef>
+      <a:fontRef idx="minor">
+        <a:schemeClr val="lt1"/>
+      </a:fontRef>
+    </dgm:style>
+  </dgm:styleLbl>
+  <dgm:styleLbl name="node2">
+    <dgm:scene3d>
+      <a:camera prst="orthographicFront"/>
+      <a:lightRig rig="threePt" dir="t"/>
+    </dgm:scene3d>
+    <dgm:sp3d/>
+    <dgm:txPr/>
+    <dgm:style>
+      <a:lnRef idx="2">
+        <a:scrgbClr r="0" g="0" b="0"/>
+      </a:lnRef>
+      <a:fillRef idx="1">
+        <a:scrgbClr r="0" g="0" b="0"/>
+      </a:fillRef>
+      <a:effectRef idx="0">
+        <a:scrgbClr r="0" g="0" b="0"/>
+      </a:effectRef>
+      <a:fontRef idx="minor">
+        <a:schemeClr val="lt1"/>
+      </a:fontRef>
+    </dgm:style>
+  </dgm:styleLbl>
+  <dgm:styleLbl name="node3">
+    <dgm:scene3d>
+      <a:camera prst="orthographicFront"/>
+      <a:lightRig rig="threePt" dir="t"/>
+    </dgm:scene3d>
+    <dgm:sp3d/>
+    <dgm:txPr/>
+    <dgm:style>
+      <a:lnRef idx="2">
+        <a:scrgbClr r="0" g="0" b="0"/>
+      </a:lnRef>
+      <a:fillRef idx="1">
+        <a:scrgbClr r="0" g="0" b="0"/>
+      </a:fillRef>
+      <a:effectRef idx="0">
+        <a:scrgbClr r="0" g="0" b="0"/>
+      </a:effectRef>
+      <a:fontRef idx="minor">
+        <a:schemeClr val="lt1"/>
+      </a:fontRef>
+    </dgm:style>
+  </dgm:styleLbl>
+  <dgm:styleLbl name="node4">
+    <dgm:scene3d>
+      <a:camera prst="orthographicFront"/>
+      <a:lightRig rig="threePt" dir="t"/>
+    </dgm:scene3d>
+    <dgm:sp3d/>
+    <dgm:txPr/>
+    <dgm:style>
+      <a:lnRef idx="2">
+        <a:scrgbClr r="0" g="0" b="0"/>
+      </a:lnRef>
+      <a:fillRef idx="1">
+        <a:scrgbClr r="0" g="0" b="0"/>
+      </a:fillRef>
+      <a:effectRef idx="0">
+        <a:scrgbClr r="0" g="0" b="0"/>
+      </a:effectRef>
+      <a:fontRef idx="minor">
+        <a:schemeClr val="lt1"/>
+      </a:fontRef>
+    </dgm:style>
+  </dgm:styleLbl>
+  <dgm:styleLbl name="fgImgPlace1">
+    <dgm:scene3d>
+      <a:camera prst="orthographicFront"/>
+      <a:lightRig rig="threePt" dir="t"/>
+    </dgm:scene3d>
+    <dgm:sp3d/>
+    <dgm:txPr/>
+    <dgm:style>
+      <a:lnRef idx="2">
+        <a:scrgbClr r="0" g="0" b="0"/>
+      </a:lnRef>
+      <a:fillRef idx="1">
+        <a:scrgbClr r="0" g="0" b="0"/>
+      </a:fillRef>
+      <a:effectRef idx="0">
+        <a:scrgbClr r="0" g="0" b="0"/>
+      </a:effectRef>
+      <a:fontRef idx="minor"/>
+    </dgm:style>
+  </dgm:styleLbl>
+  <dgm:styleLbl name="alignImgPlace1">
+    <dgm:scene3d>
+      <a:camera prst="orthographicFront"/>
+      <a:lightRig rig="threePt" dir="t"/>
+    </dgm:scene3d>
+    <dgm:sp3d/>
+    <dgm:txPr/>
+    <dgm:style>
+      <a:lnRef idx="2">
+        <a:scrgbClr r="0" g="0" b="0"/>
+      </a:lnRef>
+      <a:fillRef idx="1">
+        <a:scrgbClr r="0" g="0" b="0"/>
+      </a:fillRef>
+      <a:effectRef idx="0">
+        <a:scrgbClr r="0" g="0" b="0"/>
+      </a:effectRef>
+      <a:fontRef idx="minor"/>
+    </dgm:style>
+  </dgm:styleLbl>
+  <dgm:styleLbl name="bgImgPlace1">
+    <dgm:scene3d>
+      <a:camera prst="orthographicFront"/>
+      <a:lightRig rig="threePt" dir="t"/>
+    </dgm:scene3d>
+    <dgm:sp3d/>
+    <dgm:txPr/>
+    <dgm:style>
+      <a:lnRef idx="2">
+        <a:scrgbClr r="0" g="0" b="0"/>
+      </a:lnRef>
+      <a:fillRef idx="1">
+        <a:scrgbClr r="0" g="0" b="0"/>
+      </a:fillRef>
+      <a:effectRef idx="0">
+        <a:scrgbClr r="0" g="0" b="0"/>
+      </a:effectRef>
+      <a:fontRef idx="minor"/>
+    </dgm:style>
+  </dgm:styleLbl>
+  <dgm:styleLbl name="sibTrans2D1">
+    <dgm:scene3d>
+      <a:camera prst="orthographicFront"/>
+      <a:lightRig rig="threePt" dir="t"/>
+    </dgm:scene3d>
+    <dgm:sp3d/>
+    <dgm:txPr/>
+    <dgm:style>
+      <a:lnRef idx="0">
+        <a:scrgbClr r="0" g="0" b="0"/>
+      </a:lnRef>
+      <a:fillRef idx="1">
+        <a:scrgbClr r="0" g="0" b="0"/>
+      </a:fillRef>
+      <a:effectRef idx="0">
+        <a:scrgbClr r="0" g="0" b="0"/>
+      </a:effectRef>
+      <a:fontRef idx="minor">
+        <a:schemeClr val="lt1"/>
+      </a:fontRef>
+    </dgm:style>
+  </dgm:styleLbl>
+  <dgm:styleLbl name="fgSibTrans2D1">
+    <dgm:scene3d>
+      <a:camera prst="orthographicFront"/>
+      <a:lightRig rig="threePt" dir="t"/>
+    </dgm:scene3d>
+    <dgm:sp3d/>
+    <dgm:txPr/>
+    <dgm:style>
+      <a:lnRef idx="0">
+        <a:scrgbClr r="0" g="0" b="0"/>
+      </a:lnRef>
+      <a:fillRef idx="1">
+        <a:scrgbClr r="0" g="0" b="0"/>
+      </a:fillRef>
+      <a:effectRef idx="0">
+        <a:scrgbClr r="0" g="0" b="0"/>
+      </a:effectRef>
+      <a:fontRef idx="minor">
+        <a:schemeClr val="lt1"/>
+      </a:fontRef>
+    </dgm:style>
+  </dgm:styleLbl>
+  <dgm:styleLbl name="bgSibTrans2D1">
+    <dgm:scene3d>
+      <a:camera prst="orthographicFront"/>
+      <a:lightRig rig="threePt" dir="t"/>
+    </dgm:scene3d>
+    <dgm:sp3d/>
+    <dgm:txPr/>
+    <dgm:style>
+      <a:lnRef idx="0">
+        <a:scrgbClr r="0" g="0" b="0"/>
+      </a:lnRef>
+      <a:fillRef idx="1">
+        <a:scrgbClr r="0" g="0" b="0"/>
+      </a:fillRef>
+      <a:effectRef idx="0">
+        <a:scrgbClr r="0" g="0" b="0"/>
+      </a:effectRef>
+      <a:fontRef idx="minor">
+        <a:schemeClr val="lt1"/>
+      </a:fontRef>
+    </dgm:style>
+  </dgm:styleLbl>
+  <dgm:styleLbl name="sibTrans1D1">
+    <dgm:scene3d>
+      <a:camera prst="orthographicFront"/>
+      <a:lightRig rig="threePt" dir="t"/>
+    </dgm:scene3d>
+    <dgm:sp3d/>
+    <dgm:txPr/>
+    <dgm:style>
+      <a:lnRef idx="1">
+        <a:scrgbClr r="0" g="0" b="0"/>
+      </a:lnRef>
+      <a:fillRef idx="0">
+        <a:scrgbClr r="0" g="0" b="0"/>
+      </a:fillRef>
+      <a:effectRef idx="0">
+        <a:scrgbClr r="0" g="0" b="0"/>
+      </a:effectRef>
+      <a:fontRef idx="minor"/>
+    </dgm:style>
+  </dgm:styleLbl>
+  <dgm:styleLbl name="callout">
+    <dgm:scene3d>
+      <a:camera prst="orthographicFront"/>
+      <a:lightRig rig="threePt" dir="t"/>
+    </dgm:scene3d>
+    <dgm:sp3d/>
+    <dgm:txPr/>
+    <dgm:style>
+      <a:lnRef idx="2">
+        <a:scrgbClr r="0" g="0" b="0"/>
+      </a:lnRef>
+      <a:fillRef idx="1">
+        <a:scrgbClr r="0" g="0" b="0"/>
+      </a:fillRef>
+      <a:effectRef idx="0">
+        <a:scrgbClr r="0" g="0" b="0"/>
+      </a:effectRef>
+      <a:fontRef idx="minor"/>
+    </dgm:style>
+  </dgm:styleLbl>
+  <dgm:styleLbl name="asst0">
+    <dgm:scene3d>
+      <a:camera prst="orthographicFront"/>
+      <a:lightRig rig="threePt" dir="t"/>
+    </dgm:scene3d>
+    <dgm:sp3d/>
+    <dgm:txPr/>
+    <dgm:style>
+      <a:lnRef idx="2">
+        <a:scrgbClr r="0" g="0" b="0"/>
+      </a:lnRef>
+      <a:fillRef idx="1">
+        <a:scrgbClr r="0" g="0" b="0"/>
+      </a:fillRef>
+      <a:effectRef idx="0">
+        <a:scrgbClr r="0" g="0" b="0"/>
+      </a:effectRef>
+      <a:fontRef idx="minor">
+        <a:schemeClr val="lt1"/>
+      </a:fontRef>
+    </dgm:style>
+  </dgm:styleLbl>
+  <dgm:styleLbl name="asst1">
+    <dgm:scene3d>
+      <a:camera prst="orthographicFront"/>
+      <a:lightRig rig="threePt" dir="t"/>
+    </dgm:scene3d>
+    <dgm:sp3d/>
+    <dgm:txPr/>
+    <dgm:style>
+      <a:lnRef idx="2">
+        <a:scrgbClr r="0" g="0" b="0"/>
+      </a:lnRef>
+      <a:fillRef idx="1">
+        <a:scrgbClr r="0" g="0" b="0"/>
+      </a:fillRef>
+      <a:effectRef idx="0">
+        <a:scrgbClr r="0" g="0" b="0"/>
+      </a:effectRef>
+      <a:fontRef idx="minor">
+        <a:schemeClr val="lt1"/>
+      </a:fontRef>
+    </dgm:style>
+  </dgm:styleLbl>
+  <dgm:styleLbl name="asst2">
+    <dgm:scene3d>
+      <a:camera prst="orthographicFront"/>
+      <a:lightRig rig="threePt" dir="t"/>
+    </dgm:scene3d>
+    <dgm:sp3d/>
+    <dgm:txPr/>
+    <dgm:style>
+      <a:lnRef idx="2">
+        <a:scrgbClr r="0" g="0" b="0"/>
+      </a:lnRef>
+      <a:fillRef idx="1">
+        <a:scrgbClr r="0" g="0" b="0"/>
+      </a:fillRef>
+      <a:effectRef idx="0">
+        <a:scrgbClr r="0" g="0" b="0"/>
+      </a:effectRef>
+      <a:fontRef idx="minor">
+        <a:schemeClr val="lt1"/>
+      </a:fontRef>
+    </dgm:style>
+  </dgm:styleLbl>
+  <dgm:styleLbl name="asst3">
+    <dgm:scene3d>
+      <a:camera prst="orthographicFront"/>
+      <a:lightRig rig="threePt" dir="t"/>
+    </dgm:scene3d>
+    <dgm:sp3d/>
+    <dgm:txPr/>
+    <dgm:style>
+      <a:lnRef idx="2">
+        <a:scrgbClr r="0" g="0" b="0"/>
+      </a:lnRef>
+      <a:fillRef idx="1">
+        <a:scrgbClr r="0" g="0" b="0"/>
+      </a:fillRef>
+      <a:effectRef idx="0">
+        <a:scrgbClr r="0" g="0" b="0"/>
+      </a:effectRef>
+      <a:fontRef idx="minor">
+        <a:schemeClr val="lt1"/>
+      </a:fontRef>
+    </dgm:style>
+  </dgm:styleLbl>
+  <dgm:styleLbl name="asst4">
+    <dgm:scene3d>
+      <a:camera prst="orthographicFront"/>
+      <a:lightRig rig="threePt" dir="t"/>
+    </dgm:scene3d>
+    <dgm:sp3d/>
+    <dgm:txPr/>
+    <dgm:style>
+      <a:lnRef idx="2">
+        <a:scrgbClr r="0" g="0" b="0"/>
+      </a:lnRef>
+      <a:fillRef idx="1">
+        <a:scrgbClr r="0" g="0" b="0"/>
+      </a:fillRef>
+      <a:effectRef idx="0">
+        <a:scrgbClr r="0" g="0" b="0"/>
+      </a:effectRef>
+      <a:fontRef idx="minor">
+        <a:schemeClr val="lt1"/>
+      </a:fontRef>
+    </dgm:style>
+  </dgm:styleLbl>
+  <dgm:styleLbl name="parChTrans2D1">
+    <dgm:scene3d>
+      <a:camera prst="orthographicFront"/>
+      <a:lightRig rig="threePt" dir="t"/>
+    </dgm:scene3d>
+    <dgm:sp3d/>
+    <dgm:txPr/>
+    <dgm:style>
+      <a:lnRef idx="2">
+        <a:scrgbClr r="0" g="0" b="0"/>
+      </a:lnRef>
+      <a:fillRef idx="1">
+        <a:scrgbClr r="0" g="0" b="0"/>
+      </a:fillRef>
+      <a:effectRef idx="0">
+        <a:scrgbClr r="0" g="0" b="0"/>
+      </a:effectRef>
+      <a:fontRef idx="minor">
+        <a:schemeClr val="lt1"/>
+      </a:fontRef>
+    </dgm:style>
+  </dgm:styleLbl>
+  <dgm:styleLbl name="parChTrans2D2">
+    <dgm:scene3d>
+      <a:camera prst="orthographicFront"/>
+      <a:lightRig rig="threePt" dir="t"/>
+    </dgm:scene3d>
+    <dgm:sp3d/>
+    <dgm:txPr/>
+    <dgm:style>
+      <a:lnRef idx="2">
+        <a:scrgbClr r="0" g="0" b="0"/>
+      </a:lnRef>
+      <a:fillRef idx="1">
+        <a:scrgbClr r="0" g="0" b="0"/>
+      </a:fillRef>
+      <a:effectRef idx="0">
+        <a:scrgbClr r="0" g="0" b="0"/>
+      </a:effectRef>
+      <a:fontRef idx="minor">
+        <a:schemeClr val="lt1"/>
+      </a:fontRef>
+    </dgm:style>
+  </dgm:styleLbl>
+  <dgm:styleLbl name="parChTrans2D3">
+    <dgm:scene3d>
+      <a:camera prst="orthographicFront"/>
+      <a:lightRig rig="threePt" dir="t"/>
+    </dgm:scene3d>
+    <dgm:sp3d/>
+    <dgm:txPr/>
+    <dgm:style>
+      <a:lnRef idx="2">
+        <a:scrgbClr r="0" g="0" b="0"/>
+      </a:lnRef>
+      <a:fillRef idx="1">
+        <a:scrgbClr r="0" g="0" b="0"/>
+      </a:fillRef>
+      <a:effectRef idx="0">
+        <a:scrgbClr r="0" g="0" b="0"/>
+      </a:effectRef>
+      <a:fontRef idx="minor">
+        <a:schemeClr val="lt1"/>
+      </a:fontRef>
+    </dgm:style>
+  </dgm:styleLbl>
+  <dgm:styleLbl name="parChTrans2D4">
+    <dgm:scene3d>
+      <a:camera prst="orthographicFront"/>
+      <a:lightRig rig="threePt" dir="t"/>
+    </dgm:scene3d>
+    <dgm:sp3d/>
+    <dgm:txPr/>
+    <dgm:style>
+      <a:lnRef idx="2">
+        <a:scrgbClr r="0" g="0" b="0"/>
+      </a:lnRef>
+      <a:fillRef idx="1">
+        <a:scrgbClr r="0" g="0" b="0"/>
+      </a:fillRef>
+      <a:effectRef idx="0">
+        <a:scrgbClr r="0" g="0" b="0"/>
+      </a:effectRef>
+      <a:fontRef idx="minor">
+        <a:schemeClr val="lt1"/>
+      </a:fontRef>
+    </dgm:style>
+  </dgm:styleLbl>
+  <dgm:styleLbl name="parChTrans1D1">
+    <dgm:scene3d>
+      <a:camera prst="orthographicFront"/>
+      <a:lightRig rig="threePt" dir="t"/>
+    </dgm:scene3d>
+    <dgm:sp3d/>
+    <dgm:txPr/>
+    <dgm:style>
+      <a:lnRef idx="2">
+        <a:scrgbClr r="0" g="0" b="0"/>
+      </a:lnRef>
+      <a:fillRef idx="0">
+        <a:scrgbClr r="0" g="0" b="0"/>
+      </a:fillRef>
+      <a:effectRef idx="0">
+        <a:scrgbClr r="0" g="0" b="0"/>
+      </a:effectRef>
+      <a:fontRef idx="minor"/>
+    </dgm:style>
+  </dgm:styleLbl>
+  <dgm:styleLbl name="parChTrans1D2">
+    <dgm:scene3d>
+      <a:camera prst="orthographicFront"/>
+      <a:lightRig rig="threePt" dir="t"/>
+    </dgm:scene3d>
+    <dgm:sp3d/>
+    <dgm:txPr/>
+    <dgm:style>
+      <a:lnRef idx="2">
+        <a:scrgbClr r="0" g="0" b="0"/>
+      </a:lnRef>
+      <a:fillRef idx="0">
+        <a:scrgbClr r="0" g="0" b="0"/>
+      </a:fillRef>
+      <a:effectRef idx="0">
+        <a:scrgbClr r="0" g="0" b="0"/>
+      </a:effectRef>
+      <a:fontRef idx="minor"/>
+    </dgm:style>
+  </dgm:styleLbl>
+  <dgm:styleLbl name="parChTrans1D3">
+    <dgm:scene3d>
+      <a:camera prst="orthographicFront"/>
+      <a:lightRig rig="threePt" dir="t"/>
+    </dgm:scene3d>
+    <dgm:sp3d/>
+    <dgm:txPr/>
+    <dgm:style>
+      <a:lnRef idx="2">
+        <a:scrgbClr r="0" g="0" b="0"/>
+      </a:lnRef>
+      <a:fillRef idx="0">
+        <a:scrgbClr r="0" g="0" b="0"/>
+      </a:fillRef>
+      <a:effectRef idx="0">
+        <a:scrgbClr r="0" g="0" b="0"/>
+      </a:effectRef>
+      <a:fontRef idx="minor"/>
+    </dgm:style>
+  </dgm:styleLbl>
+  <dgm:styleLbl name="parChTrans1D4">
+    <dgm:scene3d>
+      <a:camera prst="orthographicFront"/>
+      <a:lightRig rig="threePt" dir="t"/>
+    </dgm:scene3d>
+    <dgm:sp3d/>
+    <dgm:txPr/>
+    <dgm:style>
+      <a:lnRef idx="2">
+        <a:scrgbClr r="0" g="0" b="0"/>
+      </a:lnRef>
+      <a:fillRef idx="0">
+        <a:scrgbClr r="0" g="0" b="0"/>
+      </a:fillRef>
+      <a:effectRef idx="0">
+        <a:scrgbClr r="0" g="0" b="0"/>
+      </a:effectRef>
+      <a:fontRef idx="minor"/>
+    </dgm:style>
+  </dgm:styleLbl>
+  <dgm:styleLbl name="fgAcc1">
+    <dgm:scene3d>
+      <a:camera prst="orthographicFront"/>
+      <a:lightRig rig="threePt" dir="t"/>
+    </dgm:scene3d>
+    <dgm:sp3d/>
+    <dgm:txPr/>
+    <dgm:style>
+      <a:lnRef idx="2">
+        <a:scrgbClr r="0" g="0" b="0"/>
+      </a:lnRef>
+      <a:fillRef idx="1">
+        <a:scrgbClr r="0" g="0" b="0"/>
+      </a:fillRef>
+      <a:effectRef idx="0">
+        <a:scrgbClr r="0" g="0" b="0"/>
+      </a:effectRef>
+      <a:fontRef idx="minor"/>
+    </dgm:style>
+  </dgm:styleLbl>
+  <dgm:styleLbl name="conFgAcc1">
+    <dgm:scene3d>
+      <a:camera prst="orthographicFront"/>
+      <a:lightRig rig="threePt" dir="t"/>
+    </dgm:scene3d>
+    <dgm:sp3d/>
+    <dgm:txPr/>
+    <dgm:style>
+      <a:lnRef idx="2">
+        <a:scrgbClr r="0" g="0" b="0"/>
+      </a:lnRef>
+      <a:fillRef idx="1">
+        <a:scrgbClr r="0" g="0" b="0"/>
+      </a:fillRef>
+      <a:effectRef idx="0">
+        <a:scrgbClr r="0" g="0" b="0"/>
+      </a:effectRef>
+      <a:fontRef idx="minor"/>
+    </dgm:style>
+  </dgm:styleLbl>
+  <dgm:styleLbl name="alignAcc1">
+    <dgm:scene3d>
+      <a:camera prst="orthographicFront"/>
+      <a:lightRig rig="threePt" dir="t"/>
+    </dgm:scene3d>
+    <dgm:sp3d/>
+    <dgm:txPr/>
+    <dgm:style>
+      <a:lnRef idx="2">
+        <a:scrgbClr r="0" g="0" b="0"/>
+      </a:lnRef>
+      <a:fillRef idx="1">
+        <a:scrgbClr r="0" g="0" b="0"/>
+      </a:fillRef>
+      <a:effectRef idx="0">
+        <a:scrgbClr r="0" g="0" b="0"/>
+      </a:effectRef>
+      <a:fontRef idx="minor"/>
+    </dgm:style>
+  </dgm:styleLbl>
+  <dgm:styleLbl name="trAlignAcc1">
+    <dgm:scene3d>
+      <a:camera prst="orthographicFront"/>
+      <a:lightRig rig="threePt" dir="t"/>
+    </dgm:scene3d>
+    <dgm:sp3d/>
+    <dgm:txPr/>
+    <dgm:style>
+      <a:lnRef idx="1">
+        <a:scrgbClr r="0" g="0" b="0"/>
+      </a:lnRef>
+      <a:fillRef idx="1">
+        <a:scrgbClr r="0" g="0" b="0"/>
+      </a:fillRef>
+      <a:effectRef idx="0">
+        <a:scrgbClr r="0" g="0" b="0"/>
+      </a:effectRef>
+      <a:fontRef idx="minor"/>
+    </dgm:style>
+  </dgm:styleLbl>
+  <dgm:styleLbl name="bgAcc1">
+    <dgm:scene3d>
+      <a:camera prst="orthographicFront"/>
+      <a:lightRig rig="threePt" dir="t"/>
+    </dgm:scene3d>
+    <dgm:sp3d/>
+    <dgm:txPr/>
+    <dgm:style>
+      <a:lnRef idx="2">
+        <a:scrgbClr r="0" g="0" b="0"/>
+      </a:lnRef>
+      <a:fillRef idx="1">
+        <a:scrgbClr r="0" g="0" b="0"/>
+      </a:fillRef>
+      <a:effectRef idx="0">
+        <a:scrgbClr r="0" g="0" b="0"/>
+      </a:effectRef>
+      <a:fontRef idx="minor"/>
+    </dgm:style>
+  </dgm:styleLbl>
+  <dgm:styleLbl name="solidFgAcc1">
+    <dgm:scene3d>
+      <a:camera prst="orthographicFront"/>
+      <a:lightRig rig="threePt" dir="t"/>
+    </dgm:scene3d>
+    <dgm:sp3d/>
+    <dgm:txPr/>
+    <dgm:style>
+      <a:lnRef idx="2">
+        <a:scrgbClr r="0" g="0" b="0"/>
+      </a:lnRef>
+      <a:fillRef idx="1">
+        <a:scrgbClr r="0" g="0" b="0"/>
+      </a:fillRef>
+      <a:effectRef idx="0">
+        <a:scrgbClr r="0" g="0" b="0"/>
+      </a:effectRef>
+      <a:fontRef idx="minor"/>
+    </dgm:style>
+  </dgm:styleLbl>
+  <dgm:styleLbl name="solidAlignAcc1">
+    <dgm:scene3d>
+      <a:camera prst="orthographicFront"/>
+      <a:lightRig rig="threePt" dir="t"/>
+    </dgm:scene3d>
+    <dgm:sp3d/>
+    <dgm:txPr/>
+    <dgm:style>
+      <a:lnRef idx="2">
+        <a:scrgbClr r="0" g="0" b="0"/>
+      </a:lnRef>
+      <a:fillRef idx="1">
+        <a:scrgbClr r="0" g="0" b="0"/>
+      </a:fillRef>
+      <a:effectRef idx="0">
+        <a:scrgbClr r="0" g="0" b="0"/>
+      </a:effectRef>
+      <a:fontRef idx="minor"/>
+    </dgm:style>
+  </dgm:styleLbl>
+  <dgm:styleLbl name="solidBgAcc1">
+    <dgm:scene3d>
+      <a:camera prst="orthographicFront"/>
+      <a:lightRig rig="threePt" dir="t"/>
+    </dgm:scene3d>
+    <dgm:sp3d/>
+    <dgm:txPr/>
+    <dgm:style>
+      <a:lnRef idx="2">
+        <a:scrgbClr r="0" g="0" b="0"/>
+      </a:lnRef>
+      <a:fillRef idx="1">
+        <a:scrgbClr r="0" g="0" b="0"/>
+      </a:fillRef>
+      <a:effectRef idx="0">
+        <a:scrgbClr r="0" g="0" b="0"/>
+      </a:effectRef>
+      <a:fontRef idx="minor"/>
+    </dgm:style>
+  </dgm:styleLbl>
+  <dgm:styleLbl name="fgAccFollowNode1">
+    <dgm:scene3d>
+      <a:camera prst="orthographicFront"/>
+      <a:lightRig rig="threePt" dir="t"/>
+    </dgm:scene3d>
+    <dgm:sp3d/>
+    <dgm:txPr/>
+    <dgm:style>
+      <a:lnRef idx="2">
+        <a:scrgbClr r="0" g="0" b="0"/>
+      </a:lnRef>
+      <a:fillRef idx="1">
+        <a:scrgbClr r="0" g="0" b="0"/>
+      </a:fillRef>
+      <a:effectRef idx="0">
+        <a:scrgbClr r="0" g="0" b="0"/>
+      </a:effectRef>
+      <a:fontRef idx="minor"/>
+    </dgm:style>
+  </dgm:styleLbl>
+  <dgm:styleLbl name="alignAccFollowNode1">
+    <dgm:scene3d>
+      <a:camera prst="orthographicFront"/>
+      <a:lightRig rig="threePt" dir="t"/>
+    </dgm:scene3d>
+    <dgm:sp3d/>
+    <dgm:txPr/>
+    <dgm:style>
+      <a:lnRef idx="2">
+        <a:scrgbClr r="0" g="0" b="0"/>
+      </a:lnRef>
+      <a:fillRef idx="1">
+        <a:scrgbClr r="0" g="0" b="0"/>
+      </a:fillRef>
+      <a:effectRef idx="0">
+        <a:scrgbClr r="0" g="0" b="0"/>
+      </a:effectRef>
+      <a:fontRef idx="minor"/>
+    </dgm:style>
+  </dgm:styleLbl>
+  <dgm:styleLbl name="bgAccFollowNode1">
+    <dgm:scene3d>
+      <a:camera prst="orthographicFront"/>
+      <a:lightRig rig="threePt" dir="t"/>
+    </dgm:scene3d>
+    <dgm:sp3d/>
+    <dgm:txPr/>
+    <dgm:style>
+      <a:lnRef idx="2">
+        <a:scrgbClr r="0" g="0" b="0"/>
+      </a:lnRef>
+      <a:fillRef idx="1">
+        <a:scrgbClr r="0" g="0" b="0"/>
+      </a:fillRef>
+      <a:effectRef idx="0">
+        <a:scrgbClr r="0" g="0" b="0"/>
+      </a:effectRef>
+      <a:fontRef idx="minor"/>
+    </dgm:style>
+  </dgm:styleLbl>
+  <dgm:styleLbl name="fgAcc0">
+    <dgm:scene3d>
+      <a:camera prst="orthographicFront"/>
+      <a:lightRig rig="threePt" dir="t"/>
+    </dgm:scene3d>
+    <dgm:sp3d/>
+    <dgm:txPr/>
+    <dgm:style>
+      <a:lnRef idx="2">
+        <a:scrgbClr r="0" g="0" b="0"/>
+      </a:lnRef>
+      <a:fillRef idx="1">
+        <a:scrgbClr r="0" g="0" b="0"/>
+      </a:fillRef>
+      <a:effectRef idx="0">
+        <a:scrgbClr r="0" g="0" b="0"/>
+      </a:effectRef>
+      <a:fontRef idx="minor"/>
+    </dgm:style>
+  </dgm:styleLbl>
+  <dgm:styleLbl name="fgAcc2">
+    <dgm:scene3d>
+      <a:camera prst="orthographicFront"/>
+      <a:lightRig rig="threePt" dir="t"/>
+    </dgm:scene3d>
+    <dgm:sp3d/>
+    <dgm:txPr/>
+    <dgm:style>
+      <a:lnRef idx="2">
+        <a:scrgbClr r="0" g="0" b="0"/>
+      </a:lnRef>
+      <a:fillRef idx="1">
+        <a:scrgbClr r="0" g="0" b="0"/>
+      </a:fillRef>
+      <a:effectRef idx="0">
+        <a:scrgbClr r="0" g="0" b="0"/>
+      </a:effectRef>
+      <a:fontRef idx="minor"/>
+    </dgm:style>
+  </dgm:styleLbl>
+  <dgm:styleLbl name="fgAcc3">
+    <dgm:scene3d>
+      <a:camera prst="orthographicFront"/>
+      <a:lightRig rig="threePt" dir="t"/>
+    </dgm:scene3d>
+    <dgm:sp3d/>
+    <dgm:txPr/>
+    <dgm:style>
+      <a:lnRef idx="2">
+        <a:scrgbClr r="0" g="0" b="0"/>
+      </a:lnRef>
+      <a:fillRef idx="1">
+        <a:scrgbClr r="0" g="0" b="0"/>
+      </a:fillRef>
+      <a:effectRef idx="0">
+        <a:scrgbClr r="0" g="0" b="0"/>
+      </a:effectRef>
+      <a:fontRef idx="minor"/>
+    </dgm:style>
+  </dgm:styleLbl>
+  <dgm:styleLbl name="fgAcc4">
+    <dgm:scene3d>
+      <a:camera prst="orthographicFront"/>
+      <a:lightRig rig="threePt" dir="t"/>
+    </dgm:scene3d>
+    <dgm:sp3d/>
+    <dgm:txPr/>
+    <dgm:style>
+      <a:lnRef idx="2">
+        <a:scrgbClr r="0" g="0" b="0"/>
+      </a:lnRef>
+      <a:fillRef idx="1">
+        <a:scrgbClr r="0" g="0" b="0"/>
+      </a:fillRef>
+      <a:effectRef idx="0">
+        <a:scrgbClr r="0" g="0" b="0"/>
+      </a:effectRef>
+      <a:fontRef idx="minor"/>
+    </dgm:style>
+  </dgm:styleLbl>
+  <dgm:styleLbl name="bgShp">
+    <dgm:scene3d>
+      <a:camera prst="orthographicFront"/>
+      <a:lightRig rig="threePt" dir="t"/>
+    </dgm:scene3d>
+    <dgm:sp3d/>
+    <dgm:txPr/>
+    <dgm:style>
+      <a:lnRef idx="0">
+        <a:scrgbClr r="0" g="0" b="0"/>
+      </a:lnRef>
+      <a:fillRef idx="1">
+        <a:scrgbClr r="0" g="0" b="0"/>
+      </a:fillRef>
+      <a:effectRef idx="0">
+        <a:scrgbClr r="0" g="0" b="0"/>
+      </a:effectRef>
+      <a:fontRef idx="minor"/>
+    </dgm:style>
+  </dgm:styleLbl>
+  <dgm:styleLbl name="dkBgShp">
+    <dgm:scene3d>
+      <a:camera prst="orthographicFront"/>
+      <a:lightRig rig="threePt" dir="t"/>
+    </dgm:scene3d>
+    <dgm:sp3d/>
+    <dgm:txPr/>
+    <dgm:style>
+      <a:lnRef idx="0">
+        <a:scrgbClr r="0" g="0" b="0"/>
+      </a:lnRef>
+      <a:fillRef idx="1">
+        <a:scrgbClr r="0" g="0" b="0"/>
+      </a:fillRef>
+      <a:effectRef idx="0">
+        <a:scrgbClr r="0" g="0" b="0"/>
+      </a:effectRef>
+      <a:fontRef idx="minor"/>
+    </dgm:style>
+  </dgm:styleLbl>
+  <dgm:styleLbl name="trBgShp">
+    <dgm:scene3d>
+      <a:camera prst="orthographicFront"/>
+      <a:lightRig rig="threePt" dir="t"/>
+    </dgm:scene3d>
+    <dgm:sp3d/>
+    <dgm:txPr/>
+    <dgm:style>
+      <a:lnRef idx="0">
+        <a:scrgbClr r="0" g="0" b="0"/>
+      </a:lnRef>
+      <a:fillRef idx="1">
+        <a:scrgbClr r="0" g="0" b="0"/>
+      </a:fillRef>
+      <a:effectRef idx="0">
+        <a:scrgbClr r="0" g="0" b="0"/>
+      </a:effectRef>
+      <a:fontRef idx="minor"/>
+    </dgm:style>
+  </dgm:styleLbl>
+  <dgm:styleLbl name="fgShp">
+    <dgm:scene3d>
+      <a:camera prst="orthographicFront"/>
+      <a:lightRig rig="threePt" dir="t"/>
+    </dgm:scene3d>
+    <dgm:sp3d/>
+    <dgm:txPr/>
+    <dgm:style>
+      <a:lnRef idx="2">
+        <a:scrgbClr r="0" g="0" b="0"/>
+      </a:lnRef>
+      <a:fillRef idx="1">
+        <a:scrgbClr r="0" g="0" b="0"/>
+      </a:fillRef>
+      <a:effectRef idx="0">
+        <a:scrgbClr r="0" g="0" b="0"/>
+      </a:effectRef>
+      <a:fontRef idx="minor"/>
+    </dgm:style>
+  </dgm:styleLbl>
+  <dgm:styleLbl name="revTx">
+    <dgm:scene3d>
+      <a:camera prst="orthographicFront"/>
+      <a:lightRig rig="threePt" dir="t"/>
+    </dgm:scene3d>
+    <dgm:sp3d/>
+    <dgm:txPr/>
+    <dgm:style>
+      <a:lnRef idx="0">
+        <a:scrgbClr r="0" g="0" b="0"/>
+      </a:lnRef>
+      <a:fillRef idx="0">
+        <a:scrgbClr r="0" g="0" b="0"/>
+      </a:fillRef>
+      <a:effectRef idx="0">
+        <a:scrgbClr r="0" g="0" b="0"/>
+      </a:effectRef>
+      <a:fontRef idx="minor"/>
+    </dgm:style>
+  </dgm:styleLbl>
+</dgm:styleDef>
+</file>
+
 <file path=ppt/notesMasters/notesMaster1.xml><?xml version="1.0" encoding="utf-8"?>
 <p:notesMaster xmlns:a="http://schemas.openxmlformats.org/drawingml/2006/main" xmlns:r="http://schemas.openxmlformats.org/officeDocument/2006/relationships" xmlns:p="http://schemas.openxmlformats.org/presentationml/2006/main">
   <p:cSld>
@@ -197,7 +4414,7 @@
           <a:p>
             <a:fld id="{20D27AE7-0A5D-B94D-B638-F42A6E668559}" type="datetimeFigureOut">
               <a:rPr lang="en-US" smtClean="0"/>
-              <a:t>7/26/22</a:t>
+              <a:t>8/24/22</a:t>
             </a:fld>
             <a:endParaRPr lang="en-US"/>
           </a:p>
@@ -548,6 +4765,90 @@
 </p:notes>
 </file>
 
+<file path=ppt/notesSlides/notesSlide2.xml><?xml version="1.0" encoding="utf-8"?>
+<p:notes xmlns:a="http://schemas.openxmlformats.org/drawingml/2006/main" xmlns:r="http://schemas.openxmlformats.org/officeDocument/2006/relationships" xmlns:p="http://schemas.openxmlformats.org/presentationml/2006/main">
+  <p:cSld>
+    <p:spTree>
+      <p:nvGrpSpPr>
+        <p:cNvPr id="1" name=""/>
+        <p:cNvGrpSpPr/>
+        <p:nvPr/>
+      </p:nvGrpSpPr>
+      <p:grpSpPr>
+        <a:xfrm>
+          <a:off x="0" y="0"/>
+          <a:ext cx="0" cy="0"/>
+          <a:chOff x="0" y="0"/>
+          <a:chExt cx="0" cy="0"/>
+        </a:xfrm>
+      </p:grpSpPr>
+      <p:sp>
+        <p:nvSpPr>
+          <p:cNvPr id="2" name="Slide Image Placeholder 1"/>
+          <p:cNvSpPr>
+            <a:spLocks noGrp="1" noRot="1" noChangeAspect="1"/>
+          </p:cNvSpPr>
+          <p:nvPr>
+            <p:ph type="sldImg"/>
+          </p:nvPr>
+        </p:nvSpPr>
+        <p:spPr/>
+      </p:sp>
+      <p:sp>
+        <p:nvSpPr>
+          <p:cNvPr id="3" name="Notes Placeholder 2"/>
+          <p:cNvSpPr>
+            <a:spLocks noGrp="1"/>
+          </p:cNvSpPr>
+          <p:nvPr>
+            <p:ph type="body" idx="1"/>
+          </p:nvPr>
+        </p:nvSpPr>
+        <p:spPr/>
+        <p:txBody>
+          <a:bodyPr/>
+          <a:lstStyle/>
+          <a:p>
+            <a:endParaRPr lang="en-US" dirty="0"/>
+          </a:p>
+        </p:txBody>
+      </p:sp>
+      <p:sp>
+        <p:nvSpPr>
+          <p:cNvPr id="4" name="Slide Number Placeholder 3"/>
+          <p:cNvSpPr>
+            <a:spLocks noGrp="1"/>
+          </p:cNvSpPr>
+          <p:nvPr>
+            <p:ph type="sldNum" sz="quarter" idx="5"/>
+          </p:nvPr>
+        </p:nvSpPr>
+        <p:spPr/>
+        <p:txBody>
+          <a:bodyPr/>
+          <a:lstStyle/>
+          <a:p>
+            <a:fld id="{97BFDDA8-4284-5841-BA69-003454D5277B}" type="slidenum">
+              <a:rPr lang="en-US" smtClean="0"/>
+              <a:t>2</a:t>
+            </a:fld>
+            <a:endParaRPr lang="en-US"/>
+          </a:p>
+        </p:txBody>
+      </p:sp>
+    </p:spTree>
+    <p:extLst>
+      <p:ext uri="{BB962C8B-B14F-4D97-AF65-F5344CB8AC3E}">
+        <p14:creationId xmlns:p14="http://schemas.microsoft.com/office/powerpoint/2010/main" val="508425612"/>
+      </p:ext>
+    </p:extLst>
+  </p:cSld>
+  <p:clrMapOvr>
+    <a:masterClrMapping/>
+  </p:clrMapOvr>
+</p:notes>
+</file>
+
 <file path=ppt/slideLayouts/slideLayout1.xml><?xml version="1.0" encoding="utf-8"?>
 <p:sldLayout xmlns:a="http://schemas.openxmlformats.org/drawingml/2006/main" xmlns:r="http://schemas.openxmlformats.org/officeDocument/2006/relationships" xmlns:p="http://schemas.openxmlformats.org/presentationml/2006/main" type="title" preserve="1">
   <p:cSld name="Title Slide">
@@ -679,7 +4980,7 @@
           <a:p>
             <a:fld id="{330526CD-C00A-094D-8031-75A621122F64}" type="datetimeFigureOut">
               <a:rPr lang="en-US" smtClean="0"/>
-              <a:t>7/26/22</a:t>
+              <a:t>8/24/22</a:t>
             </a:fld>
             <a:endParaRPr lang="en-US"/>
           </a:p>
@@ -849,7 +5150,7 @@
           <a:p>
             <a:fld id="{330526CD-C00A-094D-8031-75A621122F64}" type="datetimeFigureOut">
               <a:rPr lang="en-US" smtClean="0"/>
-              <a:t>7/26/22</a:t>
+              <a:t>8/24/22</a:t>
             </a:fld>
             <a:endParaRPr lang="en-US"/>
           </a:p>
@@ -1029,7 +5330,7 @@
           <a:p>
             <a:fld id="{330526CD-C00A-094D-8031-75A621122F64}" type="datetimeFigureOut">
               <a:rPr lang="en-US" smtClean="0"/>
-              <a:t>7/26/22</a:t>
+              <a:t>8/24/22</a:t>
             </a:fld>
             <a:endParaRPr lang="en-US"/>
           </a:p>
@@ -1199,7 +5500,7 @@
           <a:p>
             <a:fld id="{330526CD-C00A-094D-8031-75A621122F64}" type="datetimeFigureOut">
               <a:rPr lang="en-US" smtClean="0"/>
-              <a:t>7/26/22</a:t>
+              <a:t>8/24/22</a:t>
             </a:fld>
             <a:endParaRPr lang="en-US"/>
           </a:p>
@@ -1443,7 +5744,7 @@
           <a:p>
             <a:fld id="{330526CD-C00A-094D-8031-75A621122F64}" type="datetimeFigureOut">
               <a:rPr lang="en-US" smtClean="0"/>
-              <a:t>7/26/22</a:t>
+              <a:t>8/24/22</a:t>
             </a:fld>
             <a:endParaRPr lang="en-US"/>
           </a:p>
@@ -1675,7 +5976,7 @@
           <a:p>
             <a:fld id="{330526CD-C00A-094D-8031-75A621122F64}" type="datetimeFigureOut">
               <a:rPr lang="en-US" smtClean="0"/>
-              <a:t>7/26/22</a:t>
+              <a:t>8/24/22</a:t>
             </a:fld>
             <a:endParaRPr lang="en-US"/>
           </a:p>
@@ -2042,7 +6343,7 @@
           <a:p>
             <a:fld id="{330526CD-C00A-094D-8031-75A621122F64}" type="datetimeFigureOut">
               <a:rPr lang="en-US" smtClean="0"/>
-              <a:t>7/26/22</a:t>
+              <a:t>8/24/22</a:t>
             </a:fld>
             <a:endParaRPr lang="en-US"/>
           </a:p>
@@ -2160,7 +6461,7 @@
           <a:p>
             <a:fld id="{330526CD-C00A-094D-8031-75A621122F64}" type="datetimeFigureOut">
               <a:rPr lang="en-US" smtClean="0"/>
-              <a:t>7/26/22</a:t>
+              <a:t>8/24/22</a:t>
             </a:fld>
             <a:endParaRPr lang="en-US"/>
           </a:p>
@@ -2255,7 +6556,7 @@
           <a:p>
             <a:fld id="{330526CD-C00A-094D-8031-75A621122F64}" type="datetimeFigureOut">
               <a:rPr lang="en-US" smtClean="0"/>
-              <a:t>7/26/22</a:t>
+              <a:t>8/24/22</a:t>
             </a:fld>
             <a:endParaRPr lang="en-US"/>
           </a:p>
@@ -2532,7 +6833,7 @@
           <a:p>
             <a:fld id="{330526CD-C00A-094D-8031-75A621122F64}" type="datetimeFigureOut">
               <a:rPr lang="en-US" smtClean="0"/>
-              <a:t>7/26/22</a:t>
+              <a:t>8/24/22</a:t>
             </a:fld>
             <a:endParaRPr lang="en-US"/>
           </a:p>
@@ -2789,7 +7090,7 @@
           <a:p>
             <a:fld id="{330526CD-C00A-094D-8031-75A621122F64}" type="datetimeFigureOut">
               <a:rPr lang="en-US" smtClean="0"/>
-              <a:t>7/26/22</a:t>
+              <a:t>8/24/22</a:t>
             </a:fld>
             <a:endParaRPr lang="en-US"/>
           </a:p>
@@ -3002,7 +7303,7 @@
           <a:p>
             <a:fld id="{330526CD-C00A-094D-8031-75A621122F64}" type="datetimeFigureOut">
               <a:rPr lang="en-US" smtClean="0"/>
-              <a:t>7/26/22</a:t>
+              <a:t>8/24/22</a:t>
             </a:fld>
             <a:endParaRPr lang="en-US"/>
           </a:p>
@@ -3421,7 +7722,7 @@
         </p:nvSpPr>
         <p:spPr>
           <a:xfrm>
-            <a:off x="1320800" y="165623"/>
+            <a:off x="1320800" y="21245"/>
             <a:ext cx="4318000" cy="369332"/>
           </a:xfrm>
           <a:prstGeom prst="rect">
@@ -3456,7 +7757,7 @@
         </p:nvSpPr>
         <p:spPr>
           <a:xfrm>
-            <a:off x="2305050" y="736884"/>
+            <a:off x="2259854" y="331844"/>
             <a:ext cx="2515038" cy="369332"/>
           </a:xfrm>
           <a:prstGeom prst="rect">
@@ -3491,7 +7792,7 @@
         </p:nvSpPr>
         <p:spPr>
           <a:xfrm>
-            <a:off x="1327150" y="1106216"/>
+            <a:off x="1327150" y="737250"/>
             <a:ext cx="1536700" cy="369332"/>
           </a:xfrm>
           <a:prstGeom prst="rect">
@@ -3507,7 +7808,7 @@
           <a:p>
             <a:r>
               <a:rPr lang="en-US" dirty="0"/>
-              <a:t>Yes (29% data)</a:t>
+              <a:t>Yes (23% data)</a:t>
             </a:r>
           </a:p>
         </p:txBody>
@@ -3526,7 +7827,7 @@
         </p:nvSpPr>
         <p:spPr>
           <a:xfrm>
-            <a:off x="3968752" y="1106216"/>
+            <a:off x="3968752" y="737250"/>
             <a:ext cx="1536700" cy="369332"/>
           </a:xfrm>
           <a:prstGeom prst="rect">
@@ -3542,7 +7843,7 @@
           <a:p>
             <a:r>
               <a:rPr lang="en-US" dirty="0"/>
-              <a:t>No (71% data)</a:t>
+              <a:t>No (77% data)</a:t>
             </a:r>
           </a:p>
         </p:txBody>
@@ -3561,7 +7862,7 @@
         </p:nvSpPr>
         <p:spPr>
           <a:xfrm>
-            <a:off x="2305050" y="2120747"/>
+            <a:off x="3026195" y="1736499"/>
             <a:ext cx="3333750" cy="369332"/>
           </a:xfrm>
           <a:prstGeom prst="rect">
@@ -3596,7 +7897,7 @@
         </p:nvSpPr>
         <p:spPr>
           <a:xfrm>
-            <a:off x="1327150" y="2690709"/>
+            <a:off x="1327150" y="2097155"/>
             <a:ext cx="2101850" cy="369332"/>
           </a:xfrm>
           <a:prstGeom prst="rect">
@@ -3612,7 +7913,7 @@
           <a:p>
             <a:r>
               <a:rPr lang="en-US" dirty="0"/>
-              <a:t>Yes (4.8% data)</a:t>
+              <a:t>Yes (6% data)</a:t>
             </a:r>
           </a:p>
         </p:txBody>
@@ -3631,7 +7932,7 @@
         </p:nvSpPr>
         <p:spPr>
           <a:xfrm>
-            <a:off x="3968752" y="2659054"/>
+            <a:off x="3968752" y="2065500"/>
             <a:ext cx="1885948" cy="369332"/>
           </a:xfrm>
           <a:prstGeom prst="rect">
@@ -3647,7 +7948,7 @@
           <a:p>
             <a:r>
               <a:rPr lang="en-US" dirty="0"/>
-              <a:t>No (67.2% data)</a:t>
+              <a:t>No (71% data)</a:t>
             </a:r>
           </a:p>
         </p:txBody>
@@ -3666,7 +7967,7 @@
         </p:nvSpPr>
         <p:spPr>
           <a:xfrm>
-            <a:off x="3176752" y="4098229"/>
+            <a:off x="3176752" y="4547405"/>
             <a:ext cx="3657598" cy="369332"/>
           </a:xfrm>
           <a:prstGeom prst="rect">
@@ -3701,7 +8002,7 @@
         </p:nvSpPr>
         <p:spPr>
           <a:xfrm>
-            <a:off x="1327150" y="4752331"/>
+            <a:off x="1327150" y="5201507"/>
             <a:ext cx="1879600" cy="369332"/>
           </a:xfrm>
           <a:prstGeom prst="rect">
@@ -3743,7 +8044,7 @@
         </p:nvSpPr>
         <p:spPr>
           <a:xfrm>
-            <a:off x="3948391" y="4752331"/>
+            <a:off x="3948391" y="5201507"/>
             <a:ext cx="2026740" cy="369332"/>
           </a:xfrm>
           <a:prstGeom prst="rect">
@@ -3778,7 +8079,7 @@
         </p:nvSpPr>
         <p:spPr>
           <a:xfrm>
-            <a:off x="3200402" y="5749077"/>
+            <a:off x="3200402" y="6198253"/>
             <a:ext cx="3657598" cy="1754326"/>
           </a:xfrm>
           <a:prstGeom prst="rect">
@@ -3821,7 +8122,7 @@
         </p:nvSpPr>
         <p:spPr>
           <a:xfrm>
-            <a:off x="414338" y="8131764"/>
+            <a:off x="414338" y="8580940"/>
             <a:ext cx="5900737" cy="923330"/>
           </a:xfrm>
           <a:prstGeom prst="rect">
@@ -3857,7 +8158,7 @@
         </p:nvSpPr>
         <p:spPr>
           <a:xfrm>
-            <a:off x="871537" y="9855491"/>
+            <a:off x="871537" y="10304667"/>
             <a:ext cx="5329237" cy="646331"/>
           </a:xfrm>
           <a:prstGeom prst="rect">
@@ -3893,7 +8194,7 @@
         </p:nvSpPr>
         <p:spPr>
           <a:xfrm>
-            <a:off x="190500" y="5785892"/>
+            <a:off x="190500" y="6235068"/>
             <a:ext cx="2921000" cy="923330"/>
           </a:xfrm>
           <a:prstGeom prst="rect">
@@ -3932,7 +8233,7 @@
         </p:nvSpPr>
         <p:spPr>
           <a:xfrm>
-            <a:off x="1921864" y="11318328"/>
+            <a:off x="1921864" y="11767504"/>
             <a:ext cx="3526434" cy="1200329"/>
           </a:xfrm>
           <a:prstGeom prst="rect">
@@ -3995,7 +8296,92 @@
         </p:nvSpPr>
         <p:spPr>
           <a:xfrm>
-            <a:off x="4551639" y="1475548"/>
+            <a:off x="4551639" y="1140915"/>
+            <a:ext cx="370926" cy="508824"/>
+          </a:xfrm>
+          <a:prstGeom prst="downArrow">
+            <a:avLst/>
+          </a:prstGeom>
+        </p:spPr>
+        <p:style>
+          <a:lnRef idx="2">
+            <a:schemeClr val="dk1">
+              <a:shade val="50000"/>
+            </a:schemeClr>
+          </a:lnRef>
+          <a:fillRef idx="1">
+            <a:schemeClr val="dk1"/>
+          </a:fillRef>
+          <a:effectRef idx="0">
+            <a:schemeClr val="dk1"/>
+          </a:effectRef>
+          <a:fontRef idx="minor">
+            <a:schemeClr val="lt1"/>
+          </a:fontRef>
+        </p:style>
+        <p:txBody>
+          <a:bodyPr rtlCol="0" anchor="ctr"/>
+          <a:lstStyle/>
+          <a:p>
+            <a:pPr algn="ctr"/>
+            <a:endParaRPr lang="en-US"/>
+          </a:p>
+        </p:txBody>
+      </p:sp>
+      <p:sp>
+        <p:nvSpPr>
+          <p:cNvPr id="22" name="TextBox 21">
+            <a:extLst>
+              <a:ext uri="{FF2B5EF4-FFF2-40B4-BE49-F238E27FC236}">
+                <a16:creationId xmlns:a16="http://schemas.microsoft.com/office/drawing/2014/main" id="{AE61BC56-6B6A-BE17-480E-CC37DD9A058F}"/>
+              </a:ext>
+            </a:extLst>
+          </p:cNvPr>
+          <p:cNvSpPr txBox="1"/>
+          <p:nvPr/>
+        </p:nvSpPr>
+        <p:spPr>
+          <a:xfrm>
+            <a:off x="396961" y="3096182"/>
+            <a:ext cx="2316217" cy="646331"/>
+          </a:xfrm>
+          <a:prstGeom prst="rect">
+            <a:avLst/>
+          </a:prstGeom>
+          <a:noFill/>
+        </p:spPr>
+        <p:txBody>
+          <a:bodyPr wrap="square" rtlCol="0">
+            <a:spAutoFit/>
+          </a:bodyPr>
+          <a:lstStyle/>
+          <a:p>
+            <a:pPr algn="ctr"/>
+            <a:r>
+              <a:rPr lang="en-US" dirty="0">
+                <a:sym typeface="Wingdings" pitchFamily="2" charset="2"/>
+              </a:rPr>
+              <a:t>Use to estimate prey life stage</a:t>
+            </a:r>
+            <a:endParaRPr lang="en-US" dirty="0"/>
+          </a:p>
+        </p:txBody>
+      </p:sp>
+      <p:sp>
+        <p:nvSpPr>
+          <p:cNvPr id="25" name="Down Arrow 24">
+            <a:extLst>
+              <a:ext uri="{FF2B5EF4-FFF2-40B4-BE49-F238E27FC236}">
+                <a16:creationId xmlns:a16="http://schemas.microsoft.com/office/drawing/2014/main" id="{EFFE1995-082C-087E-48F5-83FB1B7348BE}"/>
+              </a:ext>
+            </a:extLst>
+          </p:cNvPr>
+          <p:cNvSpPr/>
+          <p:nvPr/>
+        </p:nvSpPr>
+        <p:spPr>
+          <a:xfrm>
+            <a:off x="4551639" y="5675212"/>
             <a:ext cx="370926" cy="615251"/>
           </a:xfrm>
           <a:prstGeom prst="downArrow">
@@ -4029,10 +8415,286 @@
       </p:sp>
       <p:sp>
         <p:nvSpPr>
-          <p:cNvPr id="22" name="TextBox 21">
+          <p:cNvPr id="26" name="Down Arrow 25">
             <a:extLst>
               <a:ext uri="{FF2B5EF4-FFF2-40B4-BE49-F238E27FC236}">
-                <a16:creationId xmlns:a16="http://schemas.microsoft.com/office/drawing/2014/main" id="{AE61BC56-6B6A-BE17-480E-CC37DD9A058F}"/>
+                <a16:creationId xmlns:a16="http://schemas.microsoft.com/office/drawing/2014/main" id="{985CCAA2-D2B2-9DA7-358E-39296794B072}"/>
+              </a:ext>
+            </a:extLst>
+          </p:cNvPr>
+          <p:cNvSpPr/>
+          <p:nvPr/>
+        </p:nvSpPr>
+        <p:spPr>
+          <a:xfrm rot="1730549">
+            <a:off x="1521296" y="5647262"/>
+            <a:ext cx="370926" cy="615251"/>
+          </a:xfrm>
+          <a:prstGeom prst="downArrow">
+            <a:avLst/>
+          </a:prstGeom>
+        </p:spPr>
+        <p:style>
+          <a:lnRef idx="2">
+            <a:schemeClr val="dk1">
+              <a:shade val="50000"/>
+            </a:schemeClr>
+          </a:lnRef>
+          <a:fillRef idx="1">
+            <a:schemeClr val="dk1"/>
+          </a:fillRef>
+          <a:effectRef idx="0">
+            <a:schemeClr val="dk1"/>
+          </a:effectRef>
+          <a:fontRef idx="minor">
+            <a:schemeClr val="lt1"/>
+          </a:fontRef>
+        </p:style>
+        <p:txBody>
+          <a:bodyPr rtlCol="0" anchor="ctr"/>
+          <a:lstStyle/>
+          <a:p>
+            <a:pPr algn="ctr"/>
+            <a:endParaRPr lang="en-US"/>
+          </a:p>
+        </p:txBody>
+      </p:sp>
+      <p:sp>
+        <p:nvSpPr>
+          <p:cNvPr id="28" name="Down Arrow 27">
+            <a:extLst>
+              <a:ext uri="{FF2B5EF4-FFF2-40B4-BE49-F238E27FC236}">
+                <a16:creationId xmlns:a16="http://schemas.microsoft.com/office/drawing/2014/main" id="{9D071992-A6BF-4591-5FBF-5BE08A6F78E4}"/>
+              </a:ext>
+            </a:extLst>
+          </p:cNvPr>
+          <p:cNvSpPr/>
+          <p:nvPr/>
+        </p:nvSpPr>
+        <p:spPr>
+          <a:xfrm rot="16200000">
+            <a:off x="2714690" y="6718115"/>
+            <a:ext cx="149098" cy="822327"/>
+          </a:xfrm>
+          <a:prstGeom prst="downArrow">
+            <a:avLst/>
+          </a:prstGeom>
+        </p:spPr>
+        <p:style>
+          <a:lnRef idx="2">
+            <a:schemeClr val="dk1">
+              <a:shade val="50000"/>
+            </a:schemeClr>
+          </a:lnRef>
+          <a:fillRef idx="1">
+            <a:schemeClr val="dk1"/>
+          </a:fillRef>
+          <a:effectRef idx="0">
+            <a:schemeClr val="dk1"/>
+          </a:effectRef>
+          <a:fontRef idx="minor">
+            <a:schemeClr val="lt1"/>
+          </a:fontRef>
+        </p:style>
+        <p:txBody>
+          <a:bodyPr rtlCol="0" anchor="ctr"/>
+          <a:lstStyle/>
+          <a:p>
+            <a:pPr algn="ctr"/>
+            <a:endParaRPr lang="en-US"/>
+          </a:p>
+        </p:txBody>
+      </p:sp>
+      <p:sp>
+        <p:nvSpPr>
+          <p:cNvPr id="29" name="Down Arrow 28">
+            <a:extLst>
+              <a:ext uri="{FF2B5EF4-FFF2-40B4-BE49-F238E27FC236}">
+                <a16:creationId xmlns:a16="http://schemas.microsoft.com/office/drawing/2014/main" id="{BB32F46E-455E-AF43-8BEA-9C9CBEDAA05C}"/>
+              </a:ext>
+            </a:extLst>
+          </p:cNvPr>
+          <p:cNvSpPr/>
+          <p:nvPr/>
+        </p:nvSpPr>
+        <p:spPr>
+          <a:xfrm rot="19894670">
+            <a:off x="1786661" y="7216885"/>
+            <a:ext cx="410550" cy="1404512"/>
+          </a:xfrm>
+          <a:prstGeom prst="downArrow">
+            <a:avLst/>
+          </a:prstGeom>
+        </p:spPr>
+        <p:style>
+          <a:lnRef idx="2">
+            <a:schemeClr val="dk1">
+              <a:shade val="50000"/>
+            </a:schemeClr>
+          </a:lnRef>
+          <a:fillRef idx="1">
+            <a:schemeClr val="dk1"/>
+          </a:fillRef>
+          <a:effectRef idx="0">
+            <a:schemeClr val="dk1"/>
+          </a:effectRef>
+          <a:fontRef idx="minor">
+            <a:schemeClr val="lt1"/>
+          </a:fontRef>
+        </p:style>
+        <p:txBody>
+          <a:bodyPr rtlCol="0" anchor="ctr"/>
+          <a:lstStyle/>
+          <a:p>
+            <a:pPr algn="ctr"/>
+            <a:endParaRPr lang="en-US"/>
+          </a:p>
+        </p:txBody>
+      </p:sp>
+      <p:sp>
+        <p:nvSpPr>
+          <p:cNvPr id="30" name="Down Arrow 29">
+            <a:extLst>
+              <a:ext uri="{FF2B5EF4-FFF2-40B4-BE49-F238E27FC236}">
+                <a16:creationId xmlns:a16="http://schemas.microsoft.com/office/drawing/2014/main" id="{AA08F890-FD44-3036-863F-E0FE7F2FBE88}"/>
+              </a:ext>
+            </a:extLst>
+          </p:cNvPr>
+          <p:cNvSpPr/>
+          <p:nvPr/>
+        </p:nvSpPr>
+        <p:spPr>
+          <a:xfrm>
+            <a:off x="4551639" y="7928901"/>
+            <a:ext cx="370926" cy="615251"/>
+          </a:xfrm>
+          <a:prstGeom prst="downArrow">
+            <a:avLst/>
+          </a:prstGeom>
+        </p:spPr>
+        <p:style>
+          <a:lnRef idx="2">
+            <a:schemeClr val="dk1">
+              <a:shade val="50000"/>
+            </a:schemeClr>
+          </a:lnRef>
+          <a:fillRef idx="1">
+            <a:schemeClr val="dk1"/>
+          </a:fillRef>
+          <a:effectRef idx="0">
+            <a:schemeClr val="dk1"/>
+          </a:effectRef>
+          <a:fontRef idx="minor">
+            <a:schemeClr val="lt1"/>
+          </a:fontRef>
+        </p:style>
+        <p:txBody>
+          <a:bodyPr rtlCol="0" anchor="ctr"/>
+          <a:lstStyle/>
+          <a:p>
+            <a:pPr algn="ctr"/>
+            <a:endParaRPr lang="en-US"/>
+          </a:p>
+        </p:txBody>
+      </p:sp>
+      <p:sp>
+        <p:nvSpPr>
+          <p:cNvPr id="31" name="Down Arrow 30">
+            <a:extLst>
+              <a:ext uri="{FF2B5EF4-FFF2-40B4-BE49-F238E27FC236}">
+                <a16:creationId xmlns:a16="http://schemas.microsoft.com/office/drawing/2014/main" id="{C137D196-3663-72E7-09C4-334DAF62BF89}"/>
+              </a:ext>
+            </a:extLst>
+          </p:cNvPr>
+          <p:cNvSpPr/>
+          <p:nvPr/>
+        </p:nvSpPr>
+        <p:spPr>
+          <a:xfrm>
+            <a:off x="3294337" y="9593622"/>
+            <a:ext cx="370926" cy="615251"/>
+          </a:xfrm>
+          <a:prstGeom prst="downArrow">
+            <a:avLst/>
+          </a:prstGeom>
+        </p:spPr>
+        <p:style>
+          <a:lnRef idx="2">
+            <a:schemeClr val="dk1">
+              <a:shade val="50000"/>
+            </a:schemeClr>
+          </a:lnRef>
+          <a:fillRef idx="1">
+            <a:schemeClr val="dk1"/>
+          </a:fillRef>
+          <a:effectRef idx="0">
+            <a:schemeClr val="dk1"/>
+          </a:effectRef>
+          <a:fontRef idx="minor">
+            <a:schemeClr val="lt1"/>
+          </a:fontRef>
+        </p:style>
+        <p:txBody>
+          <a:bodyPr rtlCol="0" anchor="ctr"/>
+          <a:lstStyle/>
+          <a:p>
+            <a:pPr algn="ctr"/>
+            <a:endParaRPr lang="en-US"/>
+          </a:p>
+        </p:txBody>
+      </p:sp>
+      <p:sp>
+        <p:nvSpPr>
+          <p:cNvPr id="32" name="Down Arrow 31">
+            <a:extLst>
+              <a:ext uri="{FF2B5EF4-FFF2-40B4-BE49-F238E27FC236}">
+                <a16:creationId xmlns:a16="http://schemas.microsoft.com/office/drawing/2014/main" id="{7E69DFD7-52A7-A373-8831-A68901C68051}"/>
+              </a:ext>
+            </a:extLst>
+          </p:cNvPr>
+          <p:cNvSpPr/>
+          <p:nvPr/>
+        </p:nvSpPr>
+        <p:spPr>
+          <a:xfrm>
+            <a:off x="3377106" y="11056459"/>
+            <a:ext cx="370926" cy="615251"/>
+          </a:xfrm>
+          <a:prstGeom prst="downArrow">
+            <a:avLst/>
+          </a:prstGeom>
+        </p:spPr>
+        <p:style>
+          <a:lnRef idx="2">
+            <a:schemeClr val="dk1">
+              <a:shade val="50000"/>
+            </a:schemeClr>
+          </a:lnRef>
+          <a:fillRef idx="1">
+            <a:schemeClr val="dk1"/>
+          </a:fillRef>
+          <a:effectRef idx="0">
+            <a:schemeClr val="dk1"/>
+          </a:effectRef>
+          <a:fontRef idx="minor">
+            <a:schemeClr val="lt1"/>
+          </a:fontRef>
+        </p:style>
+        <p:txBody>
+          <a:bodyPr rtlCol="0" anchor="ctr"/>
+          <a:lstStyle/>
+          <a:p>
+            <a:pPr algn="ctr"/>
+            <a:endParaRPr lang="en-US"/>
+          </a:p>
+        </p:txBody>
+      </p:sp>
+      <p:sp>
+        <p:nvSpPr>
+          <p:cNvPr id="3" name="TextBox 2">
+            <a:extLst>
+              <a:ext uri="{FF2B5EF4-FFF2-40B4-BE49-F238E27FC236}">
+                <a16:creationId xmlns:a16="http://schemas.microsoft.com/office/drawing/2014/main" id="{FD95464C-4998-8753-DAB1-CC47C181184C}"/>
               </a:ext>
             </a:extLst>
           </p:cNvPr>
@@ -4041,8 +8703,8 @@
         </p:nvSpPr>
         <p:spPr>
           <a:xfrm>
-            <a:off x="190500" y="3784786"/>
-            <a:ext cx="2316217" cy="646331"/>
+            <a:off x="2998247" y="3336211"/>
+            <a:ext cx="3657598" cy="369332"/>
           </a:xfrm>
           <a:prstGeom prst="rect">
             <a:avLst/>
@@ -4055,23 +8717,93 @@
           </a:bodyPr>
           <a:lstStyle/>
           <a:p>
-            <a:pPr algn="ctr"/>
             <a:r>
-              <a:rPr lang="en-US" dirty="0">
-                <a:sym typeface="Wingdings" pitchFamily="2" charset="2"/>
-              </a:rPr>
-              <a:t>Use to estimate prey life stage</a:t>
+              <a:rPr lang="en-US" i="1" dirty="0"/>
+              <a:t>Prey trait same for all life stages?</a:t>
             </a:r>
-            <a:endParaRPr lang="en-US" dirty="0"/>
-          </a:p>
-        </p:txBody>
-      </p:sp>
-      <p:sp>
-        <p:nvSpPr>
-          <p:cNvPr id="23" name="Down Arrow 22">
+          </a:p>
+        </p:txBody>
+      </p:sp>
+      <p:sp>
+        <p:nvSpPr>
+          <p:cNvPr id="18" name="TextBox 17">
             <a:extLst>
               <a:ext uri="{FF2B5EF4-FFF2-40B4-BE49-F238E27FC236}">
-                <a16:creationId xmlns:a16="http://schemas.microsoft.com/office/drawing/2014/main" id="{4B6BE81D-7D1C-5D4A-5EF1-A366A5508782}"/>
+                <a16:creationId xmlns:a16="http://schemas.microsoft.com/office/drawing/2014/main" id="{C4501014-5EE4-625E-DECC-707E8340A37C}"/>
+              </a:ext>
+            </a:extLst>
+          </p:cNvPr>
+          <p:cNvSpPr txBox="1"/>
+          <p:nvPr/>
+        </p:nvSpPr>
+        <p:spPr>
+          <a:xfrm>
+            <a:off x="1488775" y="3739555"/>
+            <a:ext cx="2101850" cy="369332"/>
+          </a:xfrm>
+          <a:prstGeom prst="rect">
+            <a:avLst/>
+          </a:prstGeom>
+          <a:noFill/>
+        </p:spPr>
+        <p:txBody>
+          <a:bodyPr wrap="square" rtlCol="0">
+            <a:spAutoFit/>
+          </a:bodyPr>
+          <a:lstStyle/>
+          <a:p>
+            <a:r>
+              <a:rPr lang="en-US" dirty="0"/>
+              <a:t>Yes (44% data)</a:t>
+            </a:r>
+          </a:p>
+        </p:txBody>
+      </p:sp>
+      <p:sp>
+        <p:nvSpPr>
+          <p:cNvPr id="19" name="TextBox 18">
+            <a:extLst>
+              <a:ext uri="{FF2B5EF4-FFF2-40B4-BE49-F238E27FC236}">
+                <a16:creationId xmlns:a16="http://schemas.microsoft.com/office/drawing/2014/main" id="{30019D4D-5D8C-518E-EAFB-8B0D76CE4C58}"/>
+              </a:ext>
+            </a:extLst>
+          </p:cNvPr>
+          <p:cNvSpPr txBox="1"/>
+          <p:nvPr/>
+        </p:nvSpPr>
+        <p:spPr>
+          <a:xfrm>
+            <a:off x="3992353" y="3739579"/>
+            <a:ext cx="1885948" cy="369332"/>
+          </a:xfrm>
+          <a:prstGeom prst="rect">
+            <a:avLst/>
+          </a:prstGeom>
+          <a:noFill/>
+        </p:spPr>
+        <p:txBody>
+          <a:bodyPr wrap="square" rtlCol="0">
+            <a:spAutoFit/>
+          </a:bodyPr>
+          <a:lstStyle/>
+          <a:p>
+            <a:r>
+              <a:rPr lang="en-US"/>
+              <a:t>No (27% </a:t>
+            </a:r>
+            <a:r>
+              <a:rPr lang="en-US" dirty="0"/>
+              <a:t>data)</a:t>
+            </a:r>
+          </a:p>
+        </p:txBody>
+      </p:sp>
+      <p:sp>
+        <p:nvSpPr>
+          <p:cNvPr id="20" name="Down Arrow 19">
+            <a:extLst>
+              <a:ext uri="{FF2B5EF4-FFF2-40B4-BE49-F238E27FC236}">
+                <a16:creationId xmlns:a16="http://schemas.microsoft.com/office/drawing/2014/main" id="{42D27CA7-4B3F-5310-42EA-664F3507EE0F}"/>
               </a:ext>
             </a:extLst>
           </p:cNvPr>
@@ -4080,7 +8812,7 @@
         </p:nvSpPr>
         <p:spPr>
           <a:xfrm>
-            <a:off x="4551639" y="3075632"/>
+            <a:off x="4641583" y="4766790"/>
             <a:ext cx="370926" cy="908407"/>
           </a:xfrm>
           <a:prstGeom prst="downArrow">
@@ -4114,10 +8846,10 @@
       </p:sp>
       <p:sp>
         <p:nvSpPr>
-          <p:cNvPr id="24" name="Down Arrow 23">
+          <p:cNvPr id="27" name="Down Arrow 26">
             <a:extLst>
               <a:ext uri="{FF2B5EF4-FFF2-40B4-BE49-F238E27FC236}">
-                <a16:creationId xmlns:a16="http://schemas.microsoft.com/office/drawing/2014/main" id="{B4DDFEBB-FFF3-5413-0B8E-23452ABED1DB}"/>
+                <a16:creationId xmlns:a16="http://schemas.microsoft.com/office/drawing/2014/main" id="{27DCF79A-16A2-80AF-6DA3-240BC0C5C878}"/>
               </a:ext>
             </a:extLst>
           </p:cNvPr>
@@ -4126,7 +8858,7 @@
         </p:nvSpPr>
         <p:spPr>
           <a:xfrm rot="1730549">
-            <a:off x="1509988" y="3166686"/>
+            <a:off x="1671613" y="4215532"/>
             <a:ext cx="370926" cy="615251"/>
           </a:xfrm>
           <a:prstGeom prst="downArrow">
@@ -4160,10 +8892,10 @@
       </p:sp>
       <p:sp>
         <p:nvSpPr>
-          <p:cNvPr id="25" name="Down Arrow 24">
+          <p:cNvPr id="33" name="Down Arrow 32">
             <a:extLst>
               <a:ext uri="{FF2B5EF4-FFF2-40B4-BE49-F238E27FC236}">
-                <a16:creationId xmlns:a16="http://schemas.microsoft.com/office/drawing/2014/main" id="{EFFE1995-082C-087E-48F5-83FB1B7348BE}"/>
+                <a16:creationId xmlns:a16="http://schemas.microsoft.com/office/drawing/2014/main" id="{C528A037-FBE0-0E78-7337-2E023D56A25D}"/>
               </a:ext>
             </a:extLst>
           </p:cNvPr>
@@ -4172,8 +8904,8 @@
         </p:nvSpPr>
         <p:spPr>
           <a:xfrm>
-            <a:off x="4551639" y="5226036"/>
-            <a:ext cx="370926" cy="615251"/>
+            <a:off x="4564401" y="2511746"/>
+            <a:ext cx="370926" cy="508824"/>
           </a:xfrm>
           <a:prstGeom prst="downArrow">
             <a:avLst/>
@@ -4206,10 +8938,10 @@
       </p:sp>
       <p:sp>
         <p:nvSpPr>
-          <p:cNvPr id="26" name="Down Arrow 25">
+          <p:cNvPr id="34" name="Down Arrow 33">
             <a:extLst>
               <a:ext uri="{FF2B5EF4-FFF2-40B4-BE49-F238E27FC236}">
-                <a16:creationId xmlns:a16="http://schemas.microsoft.com/office/drawing/2014/main" id="{985CCAA2-D2B2-9DA7-358E-39296794B072}"/>
+                <a16:creationId xmlns:a16="http://schemas.microsoft.com/office/drawing/2014/main" id="{969CCB8D-8B53-99D4-A301-35313082769C}"/>
               </a:ext>
             </a:extLst>
           </p:cNvPr>
@@ -4217,9 +8949,9 @@
           <p:nvPr/>
         </p:nvSpPr>
         <p:spPr>
-          <a:xfrm rot="1730549">
-            <a:off x="1521296" y="5198086"/>
-            <a:ext cx="370926" cy="615251"/>
+          <a:xfrm rot="1857859">
+            <a:off x="1885586" y="2519696"/>
+            <a:ext cx="370926" cy="508824"/>
           </a:xfrm>
           <a:prstGeom prst="downArrow">
             <a:avLst/>
@@ -4252,10 +8984,10 @@
       </p:sp>
       <p:sp>
         <p:nvSpPr>
-          <p:cNvPr id="28" name="Down Arrow 27">
+          <p:cNvPr id="35" name="Down Arrow 34">
             <a:extLst>
               <a:ext uri="{FF2B5EF4-FFF2-40B4-BE49-F238E27FC236}">
-                <a16:creationId xmlns:a16="http://schemas.microsoft.com/office/drawing/2014/main" id="{9D071992-A6BF-4591-5FBF-5BE08A6F78E4}"/>
+                <a16:creationId xmlns:a16="http://schemas.microsoft.com/office/drawing/2014/main" id="{D2D893E0-57FD-509B-D0D0-8A08A568F00C}"/>
               </a:ext>
             </a:extLst>
           </p:cNvPr>
@@ -4263,9 +8995,9 @@
           <p:nvPr/>
         </p:nvSpPr>
         <p:spPr>
-          <a:xfrm rot="16200000">
-            <a:off x="2714690" y="6268939"/>
-            <a:ext cx="149098" cy="822327"/>
+          <a:xfrm>
+            <a:off x="4557134" y="4112180"/>
+            <a:ext cx="370926" cy="508824"/>
           </a:xfrm>
           <a:prstGeom prst="downArrow">
             <a:avLst/>
@@ -4296,194 +9028,68 @@
           </a:p>
         </p:txBody>
       </p:sp>
-      <p:sp>
-        <p:nvSpPr>
-          <p:cNvPr id="29" name="Down Arrow 28">
-            <a:extLst>
-              <a:ext uri="{FF2B5EF4-FFF2-40B4-BE49-F238E27FC236}">
-                <a16:creationId xmlns:a16="http://schemas.microsoft.com/office/drawing/2014/main" id="{BB32F46E-455E-AF43-8BEA-9C9CBEDAA05C}"/>
-              </a:ext>
-            </a:extLst>
-          </p:cNvPr>
-          <p:cNvSpPr/>
-          <p:nvPr/>
-        </p:nvSpPr>
-        <p:spPr>
-          <a:xfrm rot="19894670">
-            <a:off x="1786661" y="6767709"/>
-            <a:ext cx="410550" cy="1404512"/>
-          </a:xfrm>
-          <a:prstGeom prst="downArrow">
-            <a:avLst/>
-          </a:prstGeom>
-        </p:spPr>
-        <p:style>
-          <a:lnRef idx="2">
-            <a:schemeClr val="dk1">
-              <a:shade val="50000"/>
-            </a:schemeClr>
-          </a:lnRef>
-          <a:fillRef idx="1">
-            <a:schemeClr val="dk1"/>
-          </a:fillRef>
-          <a:effectRef idx="0">
-            <a:schemeClr val="dk1"/>
-          </a:effectRef>
-          <a:fontRef idx="minor">
-            <a:schemeClr val="lt1"/>
-          </a:fontRef>
-        </p:style>
-        <p:txBody>
-          <a:bodyPr rtlCol="0" anchor="ctr"/>
-          <a:lstStyle/>
-          <a:p>
-            <a:pPr algn="ctr"/>
-            <a:endParaRPr lang="en-US"/>
-          </a:p>
-        </p:txBody>
-      </p:sp>
-      <p:sp>
-        <p:nvSpPr>
-          <p:cNvPr id="30" name="Down Arrow 29">
-            <a:extLst>
-              <a:ext uri="{FF2B5EF4-FFF2-40B4-BE49-F238E27FC236}">
-                <a16:creationId xmlns:a16="http://schemas.microsoft.com/office/drawing/2014/main" id="{AA08F890-FD44-3036-863F-E0FE7F2FBE88}"/>
-              </a:ext>
-            </a:extLst>
-          </p:cNvPr>
-          <p:cNvSpPr/>
-          <p:nvPr/>
-        </p:nvSpPr>
-        <p:spPr>
-          <a:xfrm>
-            <a:off x="4551639" y="7479725"/>
-            <a:ext cx="370926" cy="615251"/>
-          </a:xfrm>
-          <a:prstGeom prst="downArrow">
-            <a:avLst/>
-          </a:prstGeom>
-        </p:spPr>
-        <p:style>
-          <a:lnRef idx="2">
-            <a:schemeClr val="dk1">
-              <a:shade val="50000"/>
-            </a:schemeClr>
-          </a:lnRef>
-          <a:fillRef idx="1">
-            <a:schemeClr val="dk1"/>
-          </a:fillRef>
-          <a:effectRef idx="0">
-            <a:schemeClr val="dk1"/>
-          </a:effectRef>
-          <a:fontRef idx="minor">
-            <a:schemeClr val="lt1"/>
-          </a:fontRef>
-        </p:style>
-        <p:txBody>
-          <a:bodyPr rtlCol="0" anchor="ctr"/>
-          <a:lstStyle/>
-          <a:p>
-            <a:pPr algn="ctr"/>
-            <a:endParaRPr lang="en-US"/>
-          </a:p>
-        </p:txBody>
-      </p:sp>
-      <p:sp>
-        <p:nvSpPr>
-          <p:cNvPr id="31" name="Down Arrow 30">
-            <a:extLst>
-              <a:ext uri="{FF2B5EF4-FFF2-40B4-BE49-F238E27FC236}">
-                <a16:creationId xmlns:a16="http://schemas.microsoft.com/office/drawing/2014/main" id="{C137D196-3663-72E7-09C4-334DAF62BF89}"/>
-              </a:ext>
-            </a:extLst>
-          </p:cNvPr>
-          <p:cNvSpPr/>
-          <p:nvPr/>
-        </p:nvSpPr>
-        <p:spPr>
-          <a:xfrm>
-            <a:off x="3294337" y="9144446"/>
-            <a:ext cx="370926" cy="615251"/>
-          </a:xfrm>
-          <a:prstGeom prst="downArrow">
-            <a:avLst/>
-          </a:prstGeom>
-        </p:spPr>
-        <p:style>
-          <a:lnRef idx="2">
-            <a:schemeClr val="dk1">
-              <a:shade val="50000"/>
-            </a:schemeClr>
-          </a:lnRef>
-          <a:fillRef idx="1">
-            <a:schemeClr val="dk1"/>
-          </a:fillRef>
-          <a:effectRef idx="0">
-            <a:schemeClr val="dk1"/>
-          </a:effectRef>
-          <a:fontRef idx="minor">
-            <a:schemeClr val="lt1"/>
-          </a:fontRef>
-        </p:style>
-        <p:txBody>
-          <a:bodyPr rtlCol="0" anchor="ctr"/>
-          <a:lstStyle/>
-          <a:p>
-            <a:pPr algn="ctr"/>
-            <a:endParaRPr lang="en-US"/>
-          </a:p>
-        </p:txBody>
-      </p:sp>
-      <p:sp>
-        <p:nvSpPr>
-          <p:cNvPr id="32" name="Down Arrow 31">
-            <a:extLst>
-              <a:ext uri="{FF2B5EF4-FFF2-40B4-BE49-F238E27FC236}">
-                <a16:creationId xmlns:a16="http://schemas.microsoft.com/office/drawing/2014/main" id="{7E69DFD7-52A7-A373-8831-A68901C68051}"/>
-              </a:ext>
-            </a:extLst>
-          </p:cNvPr>
-          <p:cNvSpPr/>
-          <p:nvPr/>
-        </p:nvSpPr>
-        <p:spPr>
-          <a:xfrm>
-            <a:off x="3377106" y="10607283"/>
-            <a:ext cx="370926" cy="615251"/>
-          </a:xfrm>
-          <a:prstGeom prst="downArrow">
-            <a:avLst/>
-          </a:prstGeom>
-        </p:spPr>
-        <p:style>
-          <a:lnRef idx="2">
-            <a:schemeClr val="dk1">
-              <a:shade val="50000"/>
-            </a:schemeClr>
-          </a:lnRef>
-          <a:fillRef idx="1">
-            <a:schemeClr val="dk1"/>
-          </a:fillRef>
-          <a:effectRef idx="0">
-            <a:schemeClr val="dk1"/>
-          </a:effectRef>
-          <a:fontRef idx="minor">
-            <a:schemeClr val="lt1"/>
-          </a:fontRef>
-        </p:style>
-        <p:txBody>
-          <a:bodyPr rtlCol="0" anchor="ctr"/>
-          <a:lstStyle/>
-          <a:p>
-            <a:pPr algn="ctr"/>
-            <a:endParaRPr lang="en-US"/>
-          </a:p>
-        </p:txBody>
-      </p:sp>
     </p:spTree>
     <p:extLst>
       <p:ext uri="{BB962C8B-B14F-4D97-AF65-F5344CB8AC3E}">
         <p14:creationId xmlns:p14="http://schemas.microsoft.com/office/powerpoint/2010/main" val="2805060241"/>
+      </p:ext>
+    </p:extLst>
+  </p:cSld>
+  <p:clrMapOvr>
+    <a:masterClrMapping/>
+  </p:clrMapOvr>
+</p:sld>
+</file>
+
+<file path=ppt/slides/slide2.xml><?xml version="1.0" encoding="utf-8"?>
+<p:sld xmlns:a="http://schemas.openxmlformats.org/drawingml/2006/main" xmlns:r="http://schemas.openxmlformats.org/officeDocument/2006/relationships" xmlns:p="http://schemas.openxmlformats.org/presentationml/2006/main">
+  <p:cSld>
+    <p:spTree>
+      <p:nvGrpSpPr>
+        <p:cNvPr id="1" name=""/>
+        <p:cNvGrpSpPr/>
+        <p:nvPr/>
+      </p:nvGrpSpPr>
+      <p:grpSpPr>
+        <a:xfrm>
+          <a:off x="0" y="0"/>
+          <a:ext cx="0" cy="0"/>
+          <a:chOff x="0" y="0"/>
+          <a:chExt cx="0" cy="0"/>
+        </a:xfrm>
+      </p:grpSpPr>
+      <p:graphicFrame>
+        <p:nvGraphicFramePr>
+          <p:cNvPr id="3" name="Diagram 2">
+            <a:extLst>
+              <a:ext uri="{FF2B5EF4-FFF2-40B4-BE49-F238E27FC236}">
+                <a16:creationId xmlns:a16="http://schemas.microsoft.com/office/drawing/2014/main" id="{CEEF48DE-E09F-2787-9E6A-820A7286CDE3}"/>
+              </a:ext>
+            </a:extLst>
+          </p:cNvPr>
+          <p:cNvGraphicFramePr/>
+          <p:nvPr>
+            <p:extLst>
+              <p:ext uri="{D42A27DB-BD31-4B8C-83A1-F6EECF244321}">
+                <p14:modId xmlns:p14="http://schemas.microsoft.com/office/powerpoint/2010/main" val="191743599"/>
+              </p:ext>
+            </p:extLst>
+          </p:nvPr>
+        </p:nvGraphicFramePr>
+        <p:xfrm>
+          <a:off x="0" y="144379"/>
+          <a:ext cx="6858000" cy="10395284"/>
+        </p:xfrm>
+        <a:graphic>
+          <a:graphicData uri="http://schemas.openxmlformats.org/drawingml/2006/diagram">
+            <dgm:relIds xmlns:dgm="http://schemas.openxmlformats.org/drawingml/2006/diagram" xmlns:r="http://schemas.openxmlformats.org/officeDocument/2006/relationships" r:dm="rId3" r:lo="rId4" r:qs="rId5" r:cs="rId6"/>
+          </a:graphicData>
+        </a:graphic>
+      </p:graphicFrame>
+    </p:spTree>
+    <p:extLst>
+      <p:ext uri="{BB962C8B-B14F-4D97-AF65-F5344CB8AC3E}">
+        <p14:creationId xmlns:p14="http://schemas.microsoft.com/office/powerpoint/2010/main" val="2394174339"/>
       </p:ext>
     </p:extLst>
   </p:cSld>

--- a/outputs_figures/ms_figures/SI_results/figS1_life_stage_decision_tree.pptx
+++ b/outputs_figures/ms_figures/SI_results/figS1_life_stage_decision_tree.pptx
@@ -197,7 +197,7 @@
           <a:p>
             <a:fld id="{20D27AE7-0A5D-B94D-B638-F42A6E668559}" type="datetimeFigureOut">
               <a:rPr lang="en-US" smtClean="0"/>
-              <a:t>8/29/22</a:t>
+              <a:t>8/30/22</a:t>
             </a:fld>
             <a:endParaRPr lang="en-US"/>
           </a:p>
@@ -679,7 +679,7 @@
           <a:p>
             <a:fld id="{330526CD-C00A-094D-8031-75A621122F64}" type="datetimeFigureOut">
               <a:rPr lang="en-US" smtClean="0"/>
-              <a:t>8/29/22</a:t>
+              <a:t>8/30/22</a:t>
             </a:fld>
             <a:endParaRPr lang="en-US"/>
           </a:p>
@@ -849,7 +849,7 @@
           <a:p>
             <a:fld id="{330526CD-C00A-094D-8031-75A621122F64}" type="datetimeFigureOut">
               <a:rPr lang="en-US" smtClean="0"/>
-              <a:t>8/29/22</a:t>
+              <a:t>8/30/22</a:t>
             </a:fld>
             <a:endParaRPr lang="en-US"/>
           </a:p>
@@ -1029,7 +1029,7 @@
           <a:p>
             <a:fld id="{330526CD-C00A-094D-8031-75A621122F64}" type="datetimeFigureOut">
               <a:rPr lang="en-US" smtClean="0"/>
-              <a:t>8/29/22</a:t>
+              <a:t>8/30/22</a:t>
             </a:fld>
             <a:endParaRPr lang="en-US"/>
           </a:p>
@@ -1199,7 +1199,7 @@
           <a:p>
             <a:fld id="{330526CD-C00A-094D-8031-75A621122F64}" type="datetimeFigureOut">
               <a:rPr lang="en-US" smtClean="0"/>
-              <a:t>8/29/22</a:t>
+              <a:t>8/30/22</a:t>
             </a:fld>
             <a:endParaRPr lang="en-US"/>
           </a:p>
@@ -1443,7 +1443,7 @@
           <a:p>
             <a:fld id="{330526CD-C00A-094D-8031-75A621122F64}" type="datetimeFigureOut">
               <a:rPr lang="en-US" smtClean="0"/>
-              <a:t>8/29/22</a:t>
+              <a:t>8/30/22</a:t>
             </a:fld>
             <a:endParaRPr lang="en-US"/>
           </a:p>
@@ -1675,7 +1675,7 @@
           <a:p>
             <a:fld id="{330526CD-C00A-094D-8031-75A621122F64}" type="datetimeFigureOut">
               <a:rPr lang="en-US" smtClean="0"/>
-              <a:t>8/29/22</a:t>
+              <a:t>8/30/22</a:t>
             </a:fld>
             <a:endParaRPr lang="en-US"/>
           </a:p>
@@ -2042,7 +2042,7 @@
           <a:p>
             <a:fld id="{330526CD-C00A-094D-8031-75A621122F64}" type="datetimeFigureOut">
               <a:rPr lang="en-US" smtClean="0"/>
-              <a:t>8/29/22</a:t>
+              <a:t>8/30/22</a:t>
             </a:fld>
             <a:endParaRPr lang="en-US"/>
           </a:p>
@@ -2160,7 +2160,7 @@
           <a:p>
             <a:fld id="{330526CD-C00A-094D-8031-75A621122F64}" type="datetimeFigureOut">
               <a:rPr lang="en-US" smtClean="0"/>
-              <a:t>8/29/22</a:t>
+              <a:t>8/30/22</a:t>
             </a:fld>
             <a:endParaRPr lang="en-US"/>
           </a:p>
@@ -2255,7 +2255,7 @@
           <a:p>
             <a:fld id="{330526CD-C00A-094D-8031-75A621122F64}" type="datetimeFigureOut">
               <a:rPr lang="en-US" smtClean="0"/>
-              <a:t>8/29/22</a:t>
+              <a:t>8/30/22</a:t>
             </a:fld>
             <a:endParaRPr lang="en-US"/>
           </a:p>
@@ -2532,7 +2532,7 @@
           <a:p>
             <a:fld id="{330526CD-C00A-094D-8031-75A621122F64}" type="datetimeFigureOut">
               <a:rPr lang="en-US" smtClean="0"/>
-              <a:t>8/29/22</a:t>
+              <a:t>8/30/22</a:t>
             </a:fld>
             <a:endParaRPr lang="en-US"/>
           </a:p>
@@ -2789,7 +2789,7 @@
           <a:p>
             <a:fld id="{330526CD-C00A-094D-8031-75A621122F64}" type="datetimeFigureOut">
               <a:rPr lang="en-US" smtClean="0"/>
-              <a:t>8/29/22</a:t>
+              <a:t>8/30/22</a:t>
             </a:fld>
             <a:endParaRPr lang="en-US"/>
           </a:p>
@@ -3002,7 +3002,7 @@
           <a:p>
             <a:fld id="{330526CD-C00A-094D-8031-75A621122F64}" type="datetimeFigureOut">
               <a:rPr lang="en-US" smtClean="0"/>
-              <a:t>8/29/22</a:t>
+              <a:t>8/30/22</a:t>
             </a:fld>
             <a:endParaRPr lang="en-US"/>
           </a:p>
@@ -3642,7 +3642,7 @@
           <a:p>
             <a:r>
               <a:rPr lang="en-US" dirty="0"/>
-              <a:t>Yes (6% data)</a:t>
+              <a:t>Yes (5% data)</a:t>
             </a:r>
           </a:p>
         </p:txBody>
@@ -3681,7 +3681,7 @@
           <a:p>
             <a:r>
               <a:rPr lang="en-US" dirty="0"/>
-              <a:t>No (71% data)</a:t>
+              <a:t>No (72% data)</a:t>
             </a:r>
           </a:p>
         </p:txBody>
@@ -4333,7 +4333,15 @@
           <a:p>
             <a:r>
               <a:rPr lang="en-US" dirty="0"/>
-              <a:t>No (30% data)</a:t>
+              <a:t>No </a:t>
+            </a:r>
+            <a:r>
+              <a:rPr lang="en-US"/>
+              <a:t>(31% </a:t>
+            </a:r>
+            <a:r>
+              <a:rPr lang="en-US" dirty="0"/>
+              <a:t>data)</a:t>
             </a:r>
           </a:p>
         </p:txBody>

--- a/outputs_figures/ms_figures/SI_results/figS1_life_stage_decision_tree.pptx
+++ b/outputs_figures/ms_figures/SI_results/figS1_life_stage_decision_tree.pptx
@@ -197,7 +197,7 @@
           <a:p>
             <a:fld id="{20D27AE7-0A5D-B94D-B638-F42A6E668559}" type="datetimeFigureOut">
               <a:rPr lang="en-US" smtClean="0"/>
-              <a:t>8/30/22</a:t>
+              <a:t>9/14/22</a:t>
             </a:fld>
             <a:endParaRPr lang="en-US"/>
           </a:p>
@@ -508,6 +508,16 @@
           <a:bodyPr/>
           <a:lstStyle/>
           <a:p>
+            <a:r>
+              <a:rPr lang="en-US" dirty="0"/>
+              <a:t>*If needed, we could add another section that asks “prey life stage obvious from traits of adult vs. juvenile?” if yes </a:t>
+            </a:r>
+            <a:r>
+              <a:rPr lang="en-US" dirty="0">
+                <a:sym typeface="Wingdings" pitchFamily="2" charset="2"/>
+              </a:rPr>
+              <a:t> Select life stage with most plausible traits to have been consumed by albacore, if no  use predator size info.</a:t>
+            </a:r>
             <a:endParaRPr lang="en-US" dirty="0"/>
           </a:p>
         </p:txBody>
@@ -679,7 +689,7 @@
           <a:p>
             <a:fld id="{330526CD-C00A-094D-8031-75A621122F64}" type="datetimeFigureOut">
               <a:rPr lang="en-US" smtClean="0"/>
-              <a:t>8/30/22</a:t>
+              <a:t>9/14/22</a:t>
             </a:fld>
             <a:endParaRPr lang="en-US"/>
           </a:p>
@@ -849,7 +859,7 @@
           <a:p>
             <a:fld id="{330526CD-C00A-094D-8031-75A621122F64}" type="datetimeFigureOut">
               <a:rPr lang="en-US" smtClean="0"/>
-              <a:t>8/30/22</a:t>
+              <a:t>9/14/22</a:t>
             </a:fld>
             <a:endParaRPr lang="en-US"/>
           </a:p>
@@ -1029,7 +1039,7 @@
           <a:p>
             <a:fld id="{330526CD-C00A-094D-8031-75A621122F64}" type="datetimeFigureOut">
               <a:rPr lang="en-US" smtClean="0"/>
-              <a:t>8/30/22</a:t>
+              <a:t>9/14/22</a:t>
             </a:fld>
             <a:endParaRPr lang="en-US"/>
           </a:p>
@@ -1199,7 +1209,7 @@
           <a:p>
             <a:fld id="{330526CD-C00A-094D-8031-75A621122F64}" type="datetimeFigureOut">
               <a:rPr lang="en-US" smtClean="0"/>
-              <a:t>8/30/22</a:t>
+              <a:t>9/14/22</a:t>
             </a:fld>
             <a:endParaRPr lang="en-US"/>
           </a:p>
@@ -1443,7 +1453,7 @@
           <a:p>
             <a:fld id="{330526CD-C00A-094D-8031-75A621122F64}" type="datetimeFigureOut">
               <a:rPr lang="en-US" smtClean="0"/>
-              <a:t>8/30/22</a:t>
+              <a:t>9/14/22</a:t>
             </a:fld>
             <a:endParaRPr lang="en-US"/>
           </a:p>
@@ -1675,7 +1685,7 @@
           <a:p>
             <a:fld id="{330526CD-C00A-094D-8031-75A621122F64}" type="datetimeFigureOut">
               <a:rPr lang="en-US" smtClean="0"/>
-              <a:t>8/30/22</a:t>
+              <a:t>9/14/22</a:t>
             </a:fld>
             <a:endParaRPr lang="en-US"/>
           </a:p>
@@ -2042,7 +2052,7 @@
           <a:p>
             <a:fld id="{330526CD-C00A-094D-8031-75A621122F64}" type="datetimeFigureOut">
               <a:rPr lang="en-US" smtClean="0"/>
-              <a:t>8/30/22</a:t>
+              <a:t>9/14/22</a:t>
             </a:fld>
             <a:endParaRPr lang="en-US"/>
           </a:p>
@@ -2160,7 +2170,7 @@
           <a:p>
             <a:fld id="{330526CD-C00A-094D-8031-75A621122F64}" type="datetimeFigureOut">
               <a:rPr lang="en-US" smtClean="0"/>
-              <a:t>8/30/22</a:t>
+              <a:t>9/14/22</a:t>
             </a:fld>
             <a:endParaRPr lang="en-US"/>
           </a:p>
@@ -2255,7 +2265,7 @@
           <a:p>
             <a:fld id="{330526CD-C00A-094D-8031-75A621122F64}" type="datetimeFigureOut">
               <a:rPr lang="en-US" smtClean="0"/>
-              <a:t>8/30/22</a:t>
+              <a:t>9/14/22</a:t>
             </a:fld>
             <a:endParaRPr lang="en-US"/>
           </a:p>
@@ -2532,7 +2542,7 @@
           <a:p>
             <a:fld id="{330526CD-C00A-094D-8031-75A621122F64}" type="datetimeFigureOut">
               <a:rPr lang="en-US" smtClean="0"/>
-              <a:t>8/30/22</a:t>
+              <a:t>9/14/22</a:t>
             </a:fld>
             <a:endParaRPr lang="en-US"/>
           </a:p>
@@ -2789,7 +2799,7 @@
           <a:p>
             <a:fld id="{330526CD-C00A-094D-8031-75A621122F64}" type="datetimeFigureOut">
               <a:rPr lang="en-US" smtClean="0"/>
-              <a:t>8/30/22</a:t>
+              <a:t>9/14/22</a:t>
             </a:fld>
             <a:endParaRPr lang="en-US"/>
           </a:p>
@@ -3002,7 +3012,7 @@
           <a:p>
             <a:fld id="{330526CD-C00A-094D-8031-75A621122F64}" type="datetimeFigureOut">
               <a:rPr lang="en-US" smtClean="0"/>
-              <a:t>8/30/22</a:t>
+              <a:t>9/14/22</a:t>
             </a:fld>
             <a:endParaRPr lang="en-US"/>
           </a:p>
@@ -3700,7 +3710,7 @@
         </p:nvSpPr>
         <p:spPr>
           <a:xfrm>
-            <a:off x="137984" y="6424150"/>
+            <a:off x="137984" y="6354700"/>
             <a:ext cx="6639151" cy="369332"/>
           </a:xfrm>
           <a:prstGeom prst="rect">
@@ -3741,7 +3751,7 @@
         </p:nvSpPr>
         <p:spPr>
           <a:xfrm>
-            <a:off x="797501" y="6852857"/>
+            <a:off x="797501" y="6794982"/>
             <a:ext cx="1879600" cy="369332"/>
           </a:xfrm>
           <a:prstGeom prst="rect">
@@ -3787,7 +3797,7 @@
         </p:nvSpPr>
         <p:spPr>
           <a:xfrm>
-            <a:off x="3904584" y="6854712"/>
+            <a:off x="3904584" y="6796837"/>
             <a:ext cx="1536700" cy="369332"/>
           </a:xfrm>
           <a:prstGeom prst="rect">
@@ -3826,7 +3836,7 @@
         </p:nvSpPr>
         <p:spPr>
           <a:xfrm>
-            <a:off x="3119540" y="7850550"/>
+            <a:off x="3119540" y="7792675"/>
             <a:ext cx="3657598" cy="923330"/>
           </a:xfrm>
           <a:prstGeom prst="rect">
@@ -3867,7 +3877,7 @@
         </p:nvSpPr>
         <p:spPr>
           <a:xfrm>
-            <a:off x="137986" y="10473094"/>
+            <a:off x="137986" y="10368919"/>
             <a:ext cx="6655845" cy="646331"/>
           </a:xfrm>
           <a:prstGeom prst="rect">
@@ -3876,6 +3886,7 @@
           <a:solidFill>
             <a:schemeClr val="accent4">
               <a:lumMod val="75000"/>
+              <a:alpha val="85000"/>
             </a:schemeClr>
           </a:solidFill>
         </p:spPr>
@@ -3907,8 +3918,8 @@
         </p:nvSpPr>
         <p:spPr>
           <a:xfrm>
-            <a:off x="121294" y="11243749"/>
-            <a:ext cx="6655844" cy="369332"/>
+            <a:off x="137987" y="11079570"/>
+            <a:ext cx="6655844" cy="646331"/>
           </a:xfrm>
           <a:prstGeom prst="rect">
             <a:avLst/>
@@ -3916,6 +3927,7 @@
           <a:solidFill>
             <a:schemeClr val="accent4">
               <a:lumMod val="75000"/>
+              <a:alpha val="85000"/>
             </a:schemeClr>
           </a:solidFill>
         </p:spPr>
@@ -3928,7 +3940,7 @@
             <a:pPr algn="ctr"/>
             <a:r>
               <a:rPr lang="en-US" dirty="0"/>
-              <a:t>Infer prey size consumed and life stage from estimated gape limit</a:t>
+              <a:t>Infer prey size consumed and life stage from estimated gape limit &amp; case-by-case assessment of most plausible trait information</a:t>
             </a:r>
           </a:p>
         </p:txBody>
@@ -3947,7 +3959,7 @@
         </p:nvSpPr>
         <p:spPr>
           <a:xfrm>
-            <a:off x="137986" y="7850550"/>
+            <a:off x="137986" y="7792675"/>
             <a:ext cx="2511024" cy="923330"/>
           </a:xfrm>
           <a:prstGeom prst="rect">
@@ -3991,7 +4003,7 @@
         </p:nvSpPr>
         <p:spPr>
           <a:xfrm>
-            <a:off x="137986" y="11758622"/>
+            <a:off x="137986" y="11781772"/>
             <a:ext cx="6639152" cy="369332"/>
           </a:xfrm>
           <a:prstGeom prst="rect">
@@ -4000,6 +4012,7 @@
           <a:solidFill>
             <a:schemeClr val="accent4">
               <a:lumMod val="75000"/>
+              <a:alpha val="85000"/>
             </a:schemeClr>
           </a:solidFill>
         </p:spPr>
@@ -4097,7 +4110,7 @@
         </p:nvSpPr>
         <p:spPr>
           <a:xfrm>
-            <a:off x="137987" y="3545358"/>
+            <a:off x="137987" y="3475908"/>
             <a:ext cx="2511023" cy="646331"/>
           </a:xfrm>
           <a:prstGeom prst="rect">
@@ -4141,7 +4154,7 @@
         </p:nvSpPr>
         <p:spPr>
           <a:xfrm rot="17630561">
-            <a:off x="2765644" y="8743156"/>
+            <a:off x="2765644" y="8696856"/>
             <a:ext cx="237262" cy="334822"/>
           </a:xfrm>
           <a:prstGeom prst="downArrow">
@@ -4187,7 +4200,7 @@
         </p:nvSpPr>
         <p:spPr>
           <a:xfrm rot="19894670">
-            <a:off x="1403974" y="8852719"/>
+            <a:off x="1403974" y="8748544"/>
             <a:ext cx="433884" cy="1394302"/>
           </a:xfrm>
           <a:prstGeom prst="downArrow">
@@ -4233,7 +4246,7 @@
         </p:nvSpPr>
         <p:spPr>
           <a:xfrm>
-            <a:off x="137984" y="4248703"/>
+            <a:off x="109424" y="4189872"/>
             <a:ext cx="6639151" cy="369332"/>
           </a:xfrm>
           <a:prstGeom prst="rect">
@@ -4255,7 +4268,7 @@
             <a:pPr algn="ctr"/>
             <a:r>
               <a:rPr lang="en-US" i="1" dirty="0"/>
-              <a:t>Prey trait is the same or different for across life stages?</a:t>
+              <a:t>Prey trait is the same across life stages?</a:t>
             </a:r>
           </a:p>
         </p:txBody>
@@ -4274,7 +4287,7 @@
         </p:nvSpPr>
         <p:spPr>
           <a:xfrm>
-            <a:off x="1098304" y="4703413"/>
+            <a:off x="1098304" y="4645538"/>
             <a:ext cx="1577160" cy="369332"/>
           </a:xfrm>
           <a:prstGeom prst="rect">
@@ -4313,7 +4326,7 @@
         </p:nvSpPr>
         <p:spPr>
           <a:xfrm>
-            <a:off x="3904584" y="4700867"/>
+            <a:off x="3904584" y="4642992"/>
             <a:ext cx="1536700" cy="369332"/>
           </a:xfrm>
           <a:prstGeom prst="rect">
@@ -4360,8 +4373,8 @@
         </p:nvSpPr>
         <p:spPr>
           <a:xfrm>
-            <a:off x="4500233" y="2960921"/>
-            <a:ext cx="448108" cy="1230767"/>
+            <a:off x="4500233" y="2960922"/>
+            <a:ext cx="448108" cy="1161318"/>
           </a:xfrm>
           <a:prstGeom prst="downArrow">
             <a:avLst/>
@@ -4406,7 +4419,7 @@
         </p:nvSpPr>
         <p:spPr>
           <a:xfrm rot="1857859">
-            <a:off x="1821418" y="2968872"/>
+            <a:off x="1821418" y="2945722"/>
             <a:ext cx="370926" cy="508824"/>
           </a:xfrm>
           <a:prstGeom prst="downArrow">
@@ -4440,10 +4453,54 @@
       </p:sp>
       <p:sp>
         <p:nvSpPr>
-          <p:cNvPr id="35" name="Down Arrow 34">
+          <p:cNvPr id="23" name="TextBox 22">
             <a:extLst>
               <a:ext uri="{FF2B5EF4-FFF2-40B4-BE49-F238E27FC236}">
-                <a16:creationId xmlns:a16="http://schemas.microsoft.com/office/drawing/2014/main" id="{D2D893E0-57FD-509B-D0D0-8A08A568F00C}"/>
+                <a16:creationId xmlns:a16="http://schemas.microsoft.com/office/drawing/2014/main" id="{7078BAF2-636D-A87B-0DF2-9ECB35E33956}"/>
+              </a:ext>
+            </a:extLst>
+          </p:cNvPr>
+          <p:cNvSpPr txBox="1"/>
+          <p:nvPr/>
+        </p:nvSpPr>
+        <p:spPr>
+          <a:xfrm>
+            <a:off x="433887" y="1372343"/>
+            <a:ext cx="2316217" cy="646331"/>
+          </a:xfrm>
+          <a:prstGeom prst="rect">
+            <a:avLst/>
+          </a:prstGeom>
+          <a:solidFill>
+            <a:schemeClr val="accent4">
+              <a:lumMod val="75000"/>
+              <a:alpha val="50000"/>
+            </a:schemeClr>
+          </a:solidFill>
+        </p:spPr>
+        <p:txBody>
+          <a:bodyPr wrap="square" rtlCol="0">
+            <a:spAutoFit/>
+          </a:bodyPr>
+          <a:lstStyle/>
+          <a:p>
+            <a:pPr algn="ctr"/>
+            <a:r>
+              <a:rPr lang="en-US" dirty="0">
+                <a:sym typeface="Wingdings" pitchFamily="2" charset="2"/>
+              </a:rPr>
+              <a:t>Use reported prey life stage</a:t>
+            </a:r>
+            <a:endParaRPr lang="en-US" dirty="0"/>
+          </a:p>
+        </p:txBody>
+      </p:sp>
+      <p:sp>
+        <p:nvSpPr>
+          <p:cNvPr id="24" name="Down Arrow 23">
+            <a:extLst>
+              <a:ext uri="{FF2B5EF4-FFF2-40B4-BE49-F238E27FC236}">
+                <a16:creationId xmlns:a16="http://schemas.microsoft.com/office/drawing/2014/main" id="{EFC9C128-4DDC-FEF3-337D-DD37090A8063}"/>
               </a:ext>
             </a:extLst>
           </p:cNvPr>
@@ -4451,9 +4508,9 @@
           <p:nvPr/>
         </p:nvSpPr>
         <p:spPr>
-          <a:xfrm>
-            <a:off x="4538823" y="5120189"/>
-            <a:ext cx="409517" cy="1265844"/>
+          <a:xfrm rot="1857859">
+            <a:off x="1821418" y="5080680"/>
+            <a:ext cx="370926" cy="508824"/>
           </a:xfrm>
           <a:prstGeom prst="downArrow">
             <a:avLst/>
@@ -4486,10 +4543,10 @@
       </p:sp>
       <p:sp>
         <p:nvSpPr>
-          <p:cNvPr id="23" name="TextBox 22">
+          <p:cNvPr id="37" name="TextBox 36">
             <a:extLst>
               <a:ext uri="{FF2B5EF4-FFF2-40B4-BE49-F238E27FC236}">
-                <a16:creationId xmlns:a16="http://schemas.microsoft.com/office/drawing/2014/main" id="{7078BAF2-636D-A87B-0DF2-9ECB35E33956}"/>
+                <a16:creationId xmlns:a16="http://schemas.microsoft.com/office/drawing/2014/main" id="{913956BF-26F2-C06E-E49C-79A1E3FCDA0A}"/>
               </a:ext>
             </a:extLst>
           </p:cNvPr>
@@ -4498,8 +4555,8 @@
         </p:nvSpPr>
         <p:spPr>
           <a:xfrm>
-            <a:off x="433887" y="1372343"/>
-            <a:ext cx="2316217" cy="646331"/>
+            <a:off x="139934" y="5610273"/>
+            <a:ext cx="2511023" cy="646331"/>
           </a:xfrm>
           <a:prstGeom prst="rect">
             <a:avLst/>
@@ -4522,7 +4579,7 @@
               <a:rPr lang="en-US" dirty="0">
                 <a:sym typeface="Wingdings" pitchFamily="2" charset="2"/>
               </a:rPr>
-              <a:t>Use reported prey life stage</a:t>
+              <a:t>No further life stage estimation required</a:t>
             </a:r>
             <a:endParaRPr lang="en-US" dirty="0"/>
           </a:p>
@@ -4530,10 +4587,10 @@
       </p:sp>
       <p:sp>
         <p:nvSpPr>
-          <p:cNvPr id="24" name="Down Arrow 23">
+          <p:cNvPr id="38" name="Down Arrow 37">
             <a:extLst>
               <a:ext uri="{FF2B5EF4-FFF2-40B4-BE49-F238E27FC236}">
-                <a16:creationId xmlns:a16="http://schemas.microsoft.com/office/drawing/2014/main" id="{EFC9C128-4DDC-FEF3-337D-DD37090A8063}"/>
+                <a16:creationId xmlns:a16="http://schemas.microsoft.com/office/drawing/2014/main" id="{C4B81D6B-44FF-33C9-4D5A-488B853A7FFA}"/>
               </a:ext>
             </a:extLst>
           </p:cNvPr>
@@ -4542,7 +4599,7 @@
         </p:nvSpPr>
         <p:spPr>
           <a:xfrm rot="1857859">
-            <a:off x="1821418" y="5173280"/>
+            <a:off x="1890796" y="7233489"/>
             <a:ext cx="370926" cy="508824"/>
           </a:xfrm>
           <a:prstGeom prst="downArrow">
@@ -4576,54 +4633,10 @@
       </p:sp>
       <p:sp>
         <p:nvSpPr>
-          <p:cNvPr id="37" name="TextBox 36">
+          <p:cNvPr id="39" name="Down Arrow 38">
             <a:extLst>
               <a:ext uri="{FF2B5EF4-FFF2-40B4-BE49-F238E27FC236}">
-                <a16:creationId xmlns:a16="http://schemas.microsoft.com/office/drawing/2014/main" id="{913956BF-26F2-C06E-E49C-79A1E3FCDA0A}"/>
-              </a:ext>
-            </a:extLst>
-          </p:cNvPr>
-          <p:cNvSpPr txBox="1"/>
-          <p:nvPr/>
-        </p:nvSpPr>
-        <p:spPr>
-          <a:xfrm>
-            <a:off x="139934" y="5702873"/>
-            <a:ext cx="2511023" cy="646331"/>
-          </a:xfrm>
-          <a:prstGeom prst="rect">
-            <a:avLst/>
-          </a:prstGeom>
-          <a:solidFill>
-            <a:schemeClr val="accent4">
-              <a:lumMod val="75000"/>
-              <a:alpha val="50000"/>
-            </a:schemeClr>
-          </a:solidFill>
-        </p:spPr>
-        <p:txBody>
-          <a:bodyPr wrap="square" rtlCol="0">
-            <a:spAutoFit/>
-          </a:bodyPr>
-          <a:lstStyle/>
-          <a:p>
-            <a:pPr algn="ctr"/>
-            <a:r>
-              <a:rPr lang="en-US" dirty="0">
-                <a:sym typeface="Wingdings" pitchFamily="2" charset="2"/>
-              </a:rPr>
-              <a:t>No further life stage estimation required</a:t>
-            </a:r>
-            <a:endParaRPr lang="en-US" dirty="0"/>
-          </a:p>
-        </p:txBody>
-      </p:sp>
-      <p:sp>
-        <p:nvSpPr>
-          <p:cNvPr id="38" name="Down Arrow 37">
-            <a:extLst>
-              <a:ext uri="{FF2B5EF4-FFF2-40B4-BE49-F238E27FC236}">
-                <a16:creationId xmlns:a16="http://schemas.microsoft.com/office/drawing/2014/main" id="{C4B81D6B-44FF-33C9-4D5A-488B853A7FFA}"/>
+                <a16:creationId xmlns:a16="http://schemas.microsoft.com/office/drawing/2014/main" id="{E1256B00-3828-E876-BAC9-BED01316CE6E}"/>
               </a:ext>
             </a:extLst>
           </p:cNvPr>
@@ -4631,9 +4644,9 @@
           <p:nvPr/>
         </p:nvSpPr>
         <p:spPr>
-          <a:xfrm rot="1857859">
-            <a:off x="1890796" y="7314514"/>
-            <a:ext cx="370926" cy="508824"/>
+          <a:xfrm>
+            <a:off x="4538822" y="7216023"/>
+            <a:ext cx="409517" cy="529801"/>
           </a:xfrm>
           <a:prstGeom prst="downArrow">
             <a:avLst/>
@@ -4666,10 +4679,51 @@
       </p:sp>
       <p:sp>
         <p:nvSpPr>
-          <p:cNvPr id="39" name="Down Arrow 38">
+          <p:cNvPr id="40" name="TextBox 39">
             <a:extLst>
               <a:ext uri="{FF2B5EF4-FFF2-40B4-BE49-F238E27FC236}">
-                <a16:creationId xmlns:a16="http://schemas.microsoft.com/office/drawing/2014/main" id="{E1256B00-3828-E876-BAC9-BED01316CE6E}"/>
+                <a16:creationId xmlns:a16="http://schemas.microsoft.com/office/drawing/2014/main" id="{6B1A5C79-D823-A436-5169-23F354A6C446}"/>
+              </a:ext>
+            </a:extLst>
+          </p:cNvPr>
+          <p:cNvSpPr txBox="1"/>
+          <p:nvPr/>
+        </p:nvSpPr>
+        <p:spPr>
+          <a:xfrm>
+            <a:off x="3119540" y="8806392"/>
+            <a:ext cx="3657598" cy="923330"/>
+          </a:xfrm>
+          <a:prstGeom prst="rect">
+            <a:avLst/>
+          </a:prstGeom>
+          <a:solidFill>
+            <a:schemeClr val="accent4">
+              <a:lumMod val="75000"/>
+              <a:alpha val="50000"/>
+            </a:schemeClr>
+          </a:solidFill>
+        </p:spPr>
+        <p:txBody>
+          <a:bodyPr wrap="square" rtlCol="0">
+            <a:spAutoFit/>
+          </a:bodyPr>
+          <a:lstStyle/>
+          <a:p>
+            <a:pPr algn="ctr"/>
+            <a:r>
+              <a:rPr lang="en-US" dirty="0"/>
+              <a:t>*9 of the studies that provided min / max FL, did not provide means, these were also estimated at this step.</a:t>
+            </a:r>
+          </a:p>
+        </p:txBody>
+      </p:sp>
+      <p:sp>
+        <p:nvSpPr>
+          <p:cNvPr id="41" name="Down Arrow 40">
+            <a:extLst>
+              <a:ext uri="{FF2B5EF4-FFF2-40B4-BE49-F238E27FC236}">
+                <a16:creationId xmlns:a16="http://schemas.microsoft.com/office/drawing/2014/main" id="{CEE899CF-BD12-FFC9-7DC3-A8253D99280F}"/>
               </a:ext>
             </a:extLst>
           </p:cNvPr>
@@ -4678,7 +4732,7 @@
         </p:nvSpPr>
         <p:spPr>
           <a:xfrm>
-            <a:off x="4538822" y="7273898"/>
+            <a:off x="4538821" y="9784420"/>
             <a:ext cx="409517" cy="529801"/>
           </a:xfrm>
           <a:prstGeom prst="downArrow">
@@ -4712,51 +4766,10 @@
       </p:sp>
       <p:sp>
         <p:nvSpPr>
-          <p:cNvPr id="40" name="TextBox 39">
+          <p:cNvPr id="20" name="Down Arrow 19">
             <a:extLst>
               <a:ext uri="{FF2B5EF4-FFF2-40B4-BE49-F238E27FC236}">
-                <a16:creationId xmlns:a16="http://schemas.microsoft.com/office/drawing/2014/main" id="{6B1A5C79-D823-A436-5169-23F354A6C446}"/>
-              </a:ext>
-            </a:extLst>
-          </p:cNvPr>
-          <p:cNvSpPr txBox="1"/>
-          <p:nvPr/>
-        </p:nvSpPr>
-        <p:spPr>
-          <a:xfrm>
-            <a:off x="3119540" y="8910567"/>
-            <a:ext cx="3657598" cy="923330"/>
-          </a:xfrm>
-          <a:prstGeom prst="rect">
-            <a:avLst/>
-          </a:prstGeom>
-          <a:solidFill>
-            <a:schemeClr val="accent4">
-              <a:lumMod val="75000"/>
-              <a:alpha val="50000"/>
-            </a:schemeClr>
-          </a:solidFill>
-        </p:spPr>
-        <p:txBody>
-          <a:bodyPr wrap="square" rtlCol="0">
-            <a:spAutoFit/>
-          </a:bodyPr>
-          <a:lstStyle/>
-          <a:p>
-            <a:pPr algn="ctr"/>
-            <a:r>
-              <a:rPr lang="en-US" dirty="0"/>
-              <a:t>*9 of the studies that provided min / max FL, did not provide means, these were also estimated at this step.</a:t>
-            </a:r>
-          </a:p>
-        </p:txBody>
-      </p:sp>
-      <p:sp>
-        <p:nvSpPr>
-          <p:cNvPr id="41" name="Down Arrow 40">
-            <a:extLst>
-              <a:ext uri="{FF2B5EF4-FFF2-40B4-BE49-F238E27FC236}">
-                <a16:creationId xmlns:a16="http://schemas.microsoft.com/office/drawing/2014/main" id="{CEE899CF-BD12-FFC9-7DC3-A8253D99280F}"/>
+                <a16:creationId xmlns:a16="http://schemas.microsoft.com/office/drawing/2014/main" id="{A073A17B-472A-C075-1BFD-1EAE310B2EEB}"/>
               </a:ext>
             </a:extLst>
           </p:cNvPr>
@@ -4765,8 +4778,8 @@
         </p:nvSpPr>
         <p:spPr>
           <a:xfrm>
-            <a:off x="4538821" y="9888595"/>
-            <a:ext cx="409517" cy="529801"/>
+            <a:off x="4538821" y="5044758"/>
+            <a:ext cx="448108" cy="1161318"/>
           </a:xfrm>
           <a:prstGeom prst="downArrow">
             <a:avLst/>

--- a/outputs_figures/ms_figures/SI_results/figS1_life_stage_decision_tree.pptx
+++ b/outputs_figures/ms_figures/SI_results/figS1_life_stage_decision_tree.pptx
@@ -197,7 +197,7 @@
           <a:p>
             <a:fld id="{20D27AE7-0A5D-B94D-B638-F42A6E668559}" type="datetimeFigureOut">
               <a:rPr lang="en-US" smtClean="0"/>
-              <a:t>9/14/22</a:t>
+              <a:t>5/7/23</a:t>
             </a:fld>
             <a:endParaRPr lang="en-US"/>
           </a:p>
@@ -689,7 +689,7 @@
           <a:p>
             <a:fld id="{330526CD-C00A-094D-8031-75A621122F64}" type="datetimeFigureOut">
               <a:rPr lang="en-US" smtClean="0"/>
-              <a:t>9/14/22</a:t>
+              <a:t>5/7/23</a:t>
             </a:fld>
             <a:endParaRPr lang="en-US"/>
           </a:p>
@@ -859,7 +859,7 @@
           <a:p>
             <a:fld id="{330526CD-C00A-094D-8031-75A621122F64}" type="datetimeFigureOut">
               <a:rPr lang="en-US" smtClean="0"/>
-              <a:t>9/14/22</a:t>
+              <a:t>5/7/23</a:t>
             </a:fld>
             <a:endParaRPr lang="en-US"/>
           </a:p>
@@ -1039,7 +1039,7 @@
           <a:p>
             <a:fld id="{330526CD-C00A-094D-8031-75A621122F64}" type="datetimeFigureOut">
               <a:rPr lang="en-US" smtClean="0"/>
-              <a:t>9/14/22</a:t>
+              <a:t>5/7/23</a:t>
             </a:fld>
             <a:endParaRPr lang="en-US"/>
           </a:p>
@@ -1209,7 +1209,7 @@
           <a:p>
             <a:fld id="{330526CD-C00A-094D-8031-75A621122F64}" type="datetimeFigureOut">
               <a:rPr lang="en-US" smtClean="0"/>
-              <a:t>9/14/22</a:t>
+              <a:t>5/7/23</a:t>
             </a:fld>
             <a:endParaRPr lang="en-US"/>
           </a:p>
@@ -1453,7 +1453,7 @@
           <a:p>
             <a:fld id="{330526CD-C00A-094D-8031-75A621122F64}" type="datetimeFigureOut">
               <a:rPr lang="en-US" smtClean="0"/>
-              <a:t>9/14/22</a:t>
+              <a:t>5/7/23</a:t>
             </a:fld>
             <a:endParaRPr lang="en-US"/>
           </a:p>
@@ -1685,7 +1685,7 @@
           <a:p>
             <a:fld id="{330526CD-C00A-094D-8031-75A621122F64}" type="datetimeFigureOut">
               <a:rPr lang="en-US" smtClean="0"/>
-              <a:t>9/14/22</a:t>
+              <a:t>5/7/23</a:t>
             </a:fld>
             <a:endParaRPr lang="en-US"/>
           </a:p>
@@ -2052,7 +2052,7 @@
           <a:p>
             <a:fld id="{330526CD-C00A-094D-8031-75A621122F64}" type="datetimeFigureOut">
               <a:rPr lang="en-US" smtClean="0"/>
-              <a:t>9/14/22</a:t>
+              <a:t>5/7/23</a:t>
             </a:fld>
             <a:endParaRPr lang="en-US"/>
           </a:p>
@@ -2170,7 +2170,7 @@
           <a:p>
             <a:fld id="{330526CD-C00A-094D-8031-75A621122F64}" type="datetimeFigureOut">
               <a:rPr lang="en-US" smtClean="0"/>
-              <a:t>9/14/22</a:t>
+              <a:t>5/7/23</a:t>
             </a:fld>
             <a:endParaRPr lang="en-US"/>
           </a:p>
@@ -2265,7 +2265,7 @@
           <a:p>
             <a:fld id="{330526CD-C00A-094D-8031-75A621122F64}" type="datetimeFigureOut">
               <a:rPr lang="en-US" smtClean="0"/>
-              <a:t>9/14/22</a:t>
+              <a:t>5/7/23</a:t>
             </a:fld>
             <a:endParaRPr lang="en-US"/>
           </a:p>
@@ -2542,7 +2542,7 @@
           <a:p>
             <a:fld id="{330526CD-C00A-094D-8031-75A621122F64}" type="datetimeFigureOut">
               <a:rPr lang="en-US" smtClean="0"/>
-              <a:t>9/14/22</a:t>
+              <a:t>5/7/23</a:t>
             </a:fld>
             <a:endParaRPr lang="en-US"/>
           </a:p>
@@ -2799,7 +2799,7 @@
           <a:p>
             <a:fld id="{330526CD-C00A-094D-8031-75A621122F64}" type="datetimeFigureOut">
               <a:rPr lang="en-US" smtClean="0"/>
-              <a:t>9/14/22</a:t>
+              <a:t>5/7/23</a:t>
             </a:fld>
             <a:endParaRPr lang="en-US"/>
           </a:p>
@@ -3012,7 +3012,7 @@
           <a:p>
             <a:fld id="{330526CD-C00A-094D-8031-75A621122F64}" type="datetimeFigureOut">
               <a:rPr lang="en-US" smtClean="0"/>
-              <a:t>9/14/22</a:t>
+              <a:t>5/7/23</a:t>
             </a:fld>
             <a:endParaRPr lang="en-US"/>
           </a:p>
